--- a/Appresentação/Appresentacao.pptx
+++ b/Appresentação/Appresentacao.pptx
@@ -2,7 +2,7 @@
 <file path=ppt/presentation.xml><?xml version="1.0" encoding="utf-8"?>
 <p:presentation xmlns:a="http://schemas.openxmlformats.org/drawingml/2006/main" xmlns:r="http://schemas.openxmlformats.org/officeDocument/2006/relationships" xmlns:p="http://schemas.openxmlformats.org/presentationml/2006/main" saveSubsetFonts="1">
   <p:sldMasterIdLst>
-    <p:sldMasterId id="2147483648" r:id="rId1"/>
+    <p:sldMasterId id="2147483801" r:id="rId1"/>
   </p:sldMasterIdLst>
   <p:notesMasterIdLst>
     <p:notesMasterId r:id="rId22"/>
@@ -23,8 +23,8 @@
     <p:sldId id="272" r:id="rId14"/>
     <p:sldId id="273" r:id="rId15"/>
     <p:sldId id="274" r:id="rId16"/>
-    <p:sldId id="275" r:id="rId17"/>
-    <p:sldId id="270" r:id="rId18"/>
+    <p:sldId id="270" r:id="rId17"/>
+    <p:sldId id="275" r:id="rId18"/>
     <p:sldId id="267" r:id="rId19"/>
     <p:sldId id="268" r:id="rId20"/>
     <p:sldId id="269" r:id="rId21"/>
@@ -33,9 +33,9 @@
   <p:notesSz cx="6858000" cy="9144000"/>
   <p:defaultTextStyle>
     <a:defPPr>
-      <a:defRPr lang="pt-PT"/>
+      <a:defRPr lang="en-US"/>
     </a:defPPr>
-    <a:lvl1pPr marL="0" algn="l" defTabSz="914400" rtl="0" eaLnBrk="1" latinLnBrk="0" hangingPunct="1">
+    <a:lvl1pPr marL="0" algn="l" defTabSz="457200" rtl="0" eaLnBrk="1" latinLnBrk="0" hangingPunct="1">
       <a:defRPr sz="1800" kern="1200">
         <a:solidFill>
           <a:schemeClr val="tx1"/>
@@ -45,7 +45,7 @@
         <a:cs typeface="+mn-cs"/>
       </a:defRPr>
     </a:lvl1pPr>
-    <a:lvl2pPr marL="457200" algn="l" defTabSz="914400" rtl="0" eaLnBrk="1" latinLnBrk="0" hangingPunct="1">
+    <a:lvl2pPr marL="457200" algn="l" defTabSz="457200" rtl="0" eaLnBrk="1" latinLnBrk="0" hangingPunct="1">
       <a:defRPr sz="1800" kern="1200">
         <a:solidFill>
           <a:schemeClr val="tx1"/>
@@ -55,7 +55,7 @@
         <a:cs typeface="+mn-cs"/>
       </a:defRPr>
     </a:lvl2pPr>
-    <a:lvl3pPr marL="914400" algn="l" defTabSz="914400" rtl="0" eaLnBrk="1" latinLnBrk="0" hangingPunct="1">
+    <a:lvl3pPr marL="914400" algn="l" defTabSz="457200" rtl="0" eaLnBrk="1" latinLnBrk="0" hangingPunct="1">
       <a:defRPr sz="1800" kern="1200">
         <a:solidFill>
           <a:schemeClr val="tx1"/>
@@ -65,7 +65,7 @@
         <a:cs typeface="+mn-cs"/>
       </a:defRPr>
     </a:lvl3pPr>
-    <a:lvl4pPr marL="1371600" algn="l" defTabSz="914400" rtl="0" eaLnBrk="1" latinLnBrk="0" hangingPunct="1">
+    <a:lvl4pPr marL="1371600" algn="l" defTabSz="457200" rtl="0" eaLnBrk="1" latinLnBrk="0" hangingPunct="1">
       <a:defRPr sz="1800" kern="1200">
         <a:solidFill>
           <a:schemeClr val="tx1"/>
@@ -75,7 +75,7 @@
         <a:cs typeface="+mn-cs"/>
       </a:defRPr>
     </a:lvl4pPr>
-    <a:lvl5pPr marL="1828800" algn="l" defTabSz="914400" rtl="0" eaLnBrk="1" latinLnBrk="0" hangingPunct="1">
+    <a:lvl5pPr marL="1828800" algn="l" defTabSz="457200" rtl="0" eaLnBrk="1" latinLnBrk="0" hangingPunct="1">
       <a:defRPr sz="1800" kern="1200">
         <a:solidFill>
           <a:schemeClr val="tx1"/>
@@ -85,7 +85,7 @@
         <a:cs typeface="+mn-cs"/>
       </a:defRPr>
     </a:lvl5pPr>
-    <a:lvl6pPr marL="2286000" algn="l" defTabSz="914400" rtl="0" eaLnBrk="1" latinLnBrk="0" hangingPunct="1">
+    <a:lvl6pPr marL="2286000" algn="l" defTabSz="457200" rtl="0" eaLnBrk="1" latinLnBrk="0" hangingPunct="1">
       <a:defRPr sz="1800" kern="1200">
         <a:solidFill>
           <a:schemeClr val="tx1"/>
@@ -95,7 +95,7 @@
         <a:cs typeface="+mn-cs"/>
       </a:defRPr>
     </a:lvl6pPr>
-    <a:lvl7pPr marL="2743200" algn="l" defTabSz="914400" rtl="0" eaLnBrk="1" latinLnBrk="0" hangingPunct="1">
+    <a:lvl7pPr marL="2743200" algn="l" defTabSz="457200" rtl="0" eaLnBrk="1" latinLnBrk="0" hangingPunct="1">
       <a:defRPr sz="1800" kern="1200">
         <a:solidFill>
           <a:schemeClr val="tx1"/>
@@ -105,7 +105,7 @@
         <a:cs typeface="+mn-cs"/>
       </a:defRPr>
     </a:lvl7pPr>
-    <a:lvl8pPr marL="3200400" algn="l" defTabSz="914400" rtl="0" eaLnBrk="1" latinLnBrk="0" hangingPunct="1">
+    <a:lvl8pPr marL="3200400" algn="l" defTabSz="457200" rtl="0" eaLnBrk="1" latinLnBrk="0" hangingPunct="1">
       <a:defRPr sz="1800" kern="1200">
         <a:solidFill>
           <a:schemeClr val="tx1"/>
@@ -115,7 +115,7 @@
         <a:cs typeface="+mn-cs"/>
       </a:defRPr>
     </a:lvl8pPr>
-    <a:lvl9pPr marL="3657600" algn="l" defTabSz="914400" rtl="0" eaLnBrk="1" latinLnBrk="0" hangingPunct="1">
+    <a:lvl9pPr marL="3657600" algn="l" defTabSz="457200" rtl="0" eaLnBrk="1" latinLnBrk="0" hangingPunct="1">
       <a:defRPr sz="1800" kern="1200">
         <a:solidFill>
           <a:schemeClr val="tx1"/>
@@ -216,7 +216,7 @@
           <a:p>
             <a:fld id="{12D3B74D-1CEA-4A81-875A-695A3BF8A2EE}" type="datetimeFigureOut">
               <a:rPr lang="pt-PT" smtClean="0"/>
-              <a:t>29/07/2018</a:t>
+              <a:t>22/09/2018</a:t>
             </a:fld>
             <a:endParaRPr lang="pt-PT"/>
           </a:p>
@@ -586,31 +586,91 @@
       </p:grpSpPr>
       <p:sp>
         <p:nvSpPr>
-          <p:cNvPr id="2" name="Título 1">
-            <a:extLst>
-              <a:ext uri="{FF2B5EF4-FFF2-40B4-BE49-F238E27FC236}">
-                <a16:creationId xmlns:a16="http://schemas.microsoft.com/office/drawing/2014/main" id="{4D60C50B-A768-43BF-89A0-030933FB27AD}"/>
-              </a:ext>
-            </a:extLst>
-          </p:cNvPr>
-          <p:cNvSpPr>
-            <a:spLocks noGrp="1"/>
-          </p:cNvSpPr>
-          <p:nvPr>
-            <p:ph type="ctrTitle"/>
-          </p:nvPr>
+          <p:cNvPr id="7" name="Rectangle 6"/>
+          <p:cNvSpPr>
+            <a:spLocks noChangeAspect="1"/>
+          </p:cNvSpPr>
+          <p:nvPr/>
         </p:nvSpPr>
         <p:spPr>
           <a:xfrm>
-            <a:off x="1524000" y="1122363"/>
-            <a:ext cx="9144000" cy="2387600"/>
+            <a:off x="231140" y="243840"/>
+            <a:ext cx="11724640" cy="6377939"/>
+          </a:xfrm>
+          <a:prstGeom prst="rect">
+            <a:avLst/>
+          </a:prstGeom>
+          <a:solidFill>
+            <a:schemeClr val="bg1"/>
+          </a:solidFill>
+          <a:ln w="12700">
+            <a:solidFill>
+              <a:srgbClr val="FFFFFF"/>
+            </a:solidFill>
+          </a:ln>
+        </p:spPr>
+        <p:style>
+          <a:lnRef idx="2">
+            <a:schemeClr val="accent1">
+              <a:shade val="50000"/>
+            </a:schemeClr>
+          </a:lnRef>
+          <a:fillRef idx="1">
+            <a:schemeClr val="accent1"/>
+          </a:fillRef>
+          <a:effectRef idx="0">
+            <a:schemeClr val="accent1"/>
+          </a:effectRef>
+          <a:fontRef idx="minor">
+            <a:schemeClr val="lt1"/>
+          </a:fontRef>
+        </p:style>
+      </p:sp>
+      <p:sp>
+        <p:nvSpPr>
+          <p:cNvPr id="2" name="Title 1"/>
+          <p:cNvSpPr>
+            <a:spLocks noGrp="1"/>
+          </p:cNvSpPr>
+          <p:nvPr>
+            <p:ph type="ctrTitle"/>
+          </p:nvPr>
+        </p:nvSpPr>
+        <p:spPr>
+          <a:xfrm>
+            <a:off x="1109980" y="882376"/>
+            <a:ext cx="9966960" cy="2926080"/>
           </a:xfrm>
         </p:spPr>
         <p:txBody>
-          <a:bodyPr anchor="b"/>
+          <a:bodyPr anchor="b">
+            <a:normAutofit/>
+          </a:bodyPr>
           <a:lstStyle>
             <a:lvl1pPr algn="ctr">
-              <a:defRPr sz="6000"/>
+              <a:lnSpc>
+                <a:spcPct val="85000"/>
+              </a:lnSpc>
+              <a:defRPr kumimoji="0" lang="en-US" sz="7200" b="1" i="0" u="none" strike="noStrike" kern="1200" cap="all" spc="0" normalizeH="0" baseline="0" dirty="0">
+                <a:ln w="15875">
+                  <a:solidFill>
+                    <a:sysClr val="window" lastClr="FFFFFF"/>
+                  </a:solidFill>
+                </a:ln>
+                <a:solidFill>
+                  <a:srgbClr val="DF5327"/>
+                </a:solidFill>
+                <a:effectLst>
+                  <a:outerShdw dist="38100" dir="2700000" algn="tl" rotWithShape="0">
+                    <a:srgbClr val="DF5327"/>
+                  </a:outerShdw>
+                </a:effectLst>
+                <a:uLnTx/>
+                <a:uFillTx/>
+                <a:latin typeface="+mj-lt"/>
+                <a:ea typeface="+mn-ea"/>
+                <a:cs typeface="+mn-cs"/>
+              </a:defRPr>
             </a:lvl1pPr>
           </a:lstStyle>
           <a:p>
@@ -618,18 +678,13 @@
               <a:rPr lang="pt-PT"/>
               <a:t>Clique para editar o estilo de título do Modelo Global</a:t>
             </a:r>
-          </a:p>
-        </p:txBody>
-      </p:sp>
-      <p:sp>
-        <p:nvSpPr>
-          <p:cNvPr id="3" name="Subtítulo 2">
-            <a:extLst>
-              <a:ext uri="{FF2B5EF4-FFF2-40B4-BE49-F238E27FC236}">
-                <a16:creationId xmlns:a16="http://schemas.microsoft.com/office/drawing/2014/main" id="{1E2F8B0E-B217-495F-94EE-FECBB578393A}"/>
-              </a:ext>
-            </a:extLst>
-          </p:cNvPr>
+            <a:endParaRPr lang="en-US" dirty="0"/>
+          </a:p>
+        </p:txBody>
+      </p:sp>
+      <p:sp>
+        <p:nvSpPr>
+          <p:cNvPr id="3" name="Subtitle 2"/>
           <p:cNvSpPr>
             <a:spLocks noGrp="1"/>
           </p:cNvSpPr>
@@ -639,48 +694,54 @@
         </p:nvSpPr>
         <p:spPr>
           <a:xfrm>
-            <a:off x="1524000" y="3602038"/>
-            <a:ext cx="9144000" cy="1655762"/>
+            <a:off x="1709530" y="3869634"/>
+            <a:ext cx="8767860" cy="1388165"/>
           </a:xfrm>
         </p:spPr>
         <p:txBody>
-          <a:bodyPr/>
+          <a:bodyPr>
+            <a:normAutofit/>
+          </a:bodyPr>
           <a:lstStyle>
             <a:lvl1pPr marL="0" indent="0" algn="ctr">
               <a:buNone/>
-              <a:defRPr sz="2400"/>
+              <a:defRPr sz="2200">
+                <a:solidFill>
+                  <a:schemeClr val="accent1"/>
+                </a:solidFill>
+              </a:defRPr>
             </a:lvl1pPr>
             <a:lvl2pPr marL="457200" indent="0" algn="ctr">
               <a:buNone/>
-              <a:defRPr sz="2000"/>
+              <a:defRPr sz="2200"/>
             </a:lvl2pPr>
             <a:lvl3pPr marL="914400" indent="0" algn="ctr">
               <a:buNone/>
-              <a:defRPr sz="1800"/>
+              <a:defRPr sz="2200"/>
             </a:lvl3pPr>
             <a:lvl4pPr marL="1371600" indent="0" algn="ctr">
               <a:buNone/>
-              <a:defRPr sz="1600"/>
+              <a:defRPr sz="2000"/>
             </a:lvl4pPr>
             <a:lvl5pPr marL="1828800" indent="0" algn="ctr">
               <a:buNone/>
-              <a:defRPr sz="1600"/>
+              <a:defRPr sz="2000"/>
             </a:lvl5pPr>
             <a:lvl6pPr marL="2286000" indent="0" algn="ctr">
               <a:buNone/>
-              <a:defRPr sz="1600"/>
+              <a:defRPr sz="2000"/>
             </a:lvl6pPr>
             <a:lvl7pPr marL="2743200" indent="0" algn="ctr">
               <a:buNone/>
-              <a:defRPr sz="1600"/>
+              <a:defRPr sz="2000"/>
             </a:lvl7pPr>
             <a:lvl8pPr marL="3200400" indent="0" algn="ctr">
               <a:buNone/>
-              <a:defRPr sz="1600"/>
+              <a:defRPr sz="2000"/>
             </a:lvl8pPr>
             <a:lvl9pPr marL="3657600" indent="0" algn="ctr">
               <a:buNone/>
-              <a:defRPr sz="1600"/>
+              <a:defRPr sz="2000"/>
             </a:lvl9pPr>
           </a:lstStyle>
           <a:p>
@@ -688,18 +749,13 @@
               <a:rPr lang="pt-PT"/>
               <a:t>Clique para editar o estilo de subtítulo do Modelo Global</a:t>
             </a:r>
-          </a:p>
-        </p:txBody>
-      </p:sp>
-      <p:sp>
-        <p:nvSpPr>
-          <p:cNvPr id="4" name="Marcador de Posição da Data 3">
-            <a:extLst>
-              <a:ext uri="{FF2B5EF4-FFF2-40B4-BE49-F238E27FC236}">
-                <a16:creationId xmlns:a16="http://schemas.microsoft.com/office/drawing/2014/main" id="{7DD1FC5C-2D64-46EA-96F5-65765BB9299A}"/>
-              </a:ext>
-            </a:extLst>
-          </p:cNvPr>
+            <a:endParaRPr lang="en-US" dirty="0"/>
+          </a:p>
+        </p:txBody>
+      </p:sp>
+      <p:sp>
+        <p:nvSpPr>
+          <p:cNvPr id="4" name="Date Placeholder 3"/>
           <p:cNvSpPr>
             <a:spLocks noGrp="1"/>
           </p:cNvSpPr>
@@ -710,11 +766,19 @@
         <p:spPr/>
         <p:txBody>
           <a:bodyPr/>
-          <a:lstStyle/>
+          <a:lstStyle>
+            <a:lvl1pPr>
+              <a:defRPr>
+                <a:solidFill>
+                  <a:schemeClr val="accent1"/>
+                </a:solidFill>
+              </a:defRPr>
+            </a:lvl1pPr>
+          </a:lstStyle>
           <a:p>
             <a:fld id="{D0C5E3A8-0447-4545-B48D-0E4810B15C6B}" type="datetimeFigureOut">
               <a:rPr lang="pt-PT" smtClean="0"/>
-              <a:t>29/07/2018</a:t>
+              <a:t>22/09/2018</a:t>
             </a:fld>
             <a:endParaRPr lang="pt-PT"/>
           </a:p>
@@ -722,13 +786,7 @@
       </p:sp>
       <p:sp>
         <p:nvSpPr>
-          <p:cNvPr id="5" name="Marcador de Posição do Rodapé 4">
-            <a:extLst>
-              <a:ext uri="{FF2B5EF4-FFF2-40B4-BE49-F238E27FC236}">
-                <a16:creationId xmlns:a16="http://schemas.microsoft.com/office/drawing/2014/main" id="{773E76CC-A9F4-4E97-B692-1EE7B1779E3B}"/>
-              </a:ext>
-            </a:extLst>
-          </p:cNvPr>
+          <p:cNvPr id="5" name="Footer Placeholder 4"/>
           <p:cNvSpPr>
             <a:spLocks noGrp="1"/>
           </p:cNvSpPr>
@@ -739,7 +797,15 @@
         <p:spPr/>
         <p:txBody>
           <a:bodyPr/>
-          <a:lstStyle/>
+          <a:lstStyle>
+            <a:lvl1pPr>
+              <a:defRPr>
+                <a:solidFill>
+                  <a:schemeClr val="accent1"/>
+                </a:solidFill>
+              </a:defRPr>
+            </a:lvl1pPr>
+          </a:lstStyle>
           <a:p>
             <a:endParaRPr lang="pt-PT"/>
           </a:p>
@@ -747,13 +813,7 @@
       </p:sp>
       <p:sp>
         <p:nvSpPr>
-          <p:cNvPr id="6" name="Marcador de Posição do Número do Diapositivo 5">
-            <a:extLst>
-              <a:ext uri="{FF2B5EF4-FFF2-40B4-BE49-F238E27FC236}">
-                <a16:creationId xmlns:a16="http://schemas.microsoft.com/office/drawing/2014/main" id="{DCA4A1D4-E9A0-4434-ABF4-B50D3DE30CCF}"/>
-              </a:ext>
-            </a:extLst>
-          </p:cNvPr>
+          <p:cNvPr id="6" name="Slide Number Placeholder 5"/>
           <p:cNvSpPr>
             <a:spLocks noGrp="1"/>
           </p:cNvSpPr>
@@ -764,7 +824,15 @@
         <p:spPr/>
         <p:txBody>
           <a:bodyPr/>
-          <a:lstStyle/>
+          <a:lstStyle>
+            <a:lvl1pPr>
+              <a:defRPr>
+                <a:solidFill>
+                  <a:schemeClr val="accent1"/>
+                </a:solidFill>
+              </a:defRPr>
+            </a:lvl1pPr>
+          </a:lstStyle>
           <a:p>
             <a:fld id="{6FF2720B-2A1F-461E-865B-2A2D04F67502}" type="slidenum">
               <a:rPr lang="pt-PT" smtClean="0"/>
@@ -774,10 +842,45 @@
           </a:p>
         </p:txBody>
       </p:sp>
+      <p:cxnSp>
+        <p:nvCxnSpPr>
+          <p:cNvPr id="8" name="Straight Connector 7"/>
+          <p:cNvCxnSpPr/>
+          <p:nvPr/>
+        </p:nvCxnSpPr>
+        <p:spPr>
+          <a:xfrm>
+            <a:off x="1978660" y="3733800"/>
+            <a:ext cx="8229601" cy="0"/>
+          </a:xfrm>
+          <a:prstGeom prst="line">
+            <a:avLst/>
+          </a:prstGeom>
+          <a:ln>
+            <a:solidFill>
+              <a:schemeClr val="accent1"/>
+            </a:solidFill>
+          </a:ln>
+        </p:spPr>
+        <p:style>
+          <a:lnRef idx="1">
+            <a:schemeClr val="accent1"/>
+          </a:lnRef>
+          <a:fillRef idx="0">
+            <a:schemeClr val="accent1"/>
+          </a:fillRef>
+          <a:effectRef idx="0">
+            <a:schemeClr val="accent1"/>
+          </a:effectRef>
+          <a:fontRef idx="minor">
+            <a:schemeClr val="tx1"/>
+          </a:fontRef>
+        </p:style>
+      </p:cxnSp>
     </p:spTree>
     <p:extLst>
       <p:ext uri="{BB962C8B-B14F-4D97-AF65-F5344CB8AC3E}">
-        <p14:creationId xmlns:p14="http://schemas.microsoft.com/office/powerpoint/2010/main" val="4079344412"/>
+        <p14:creationId xmlns:p14="http://schemas.microsoft.com/office/powerpoint/2010/main" val="4203803939"/>
       </p:ext>
     </p:extLst>
   </p:cSld>
@@ -806,13 +909,7 @@
       </p:grpSpPr>
       <p:sp>
         <p:nvSpPr>
-          <p:cNvPr id="2" name="Título 1">
-            <a:extLst>
-              <a:ext uri="{FF2B5EF4-FFF2-40B4-BE49-F238E27FC236}">
-                <a16:creationId xmlns:a16="http://schemas.microsoft.com/office/drawing/2014/main" id="{FE90BFB2-7246-47C5-A019-73AD1A1C78EC}"/>
-              </a:ext>
-            </a:extLst>
-          </p:cNvPr>
+          <p:cNvPr id="2" name="Title 1"/>
           <p:cNvSpPr>
             <a:spLocks noGrp="1"/>
           </p:cNvSpPr>
@@ -829,18 +926,13 @@
               <a:rPr lang="pt-PT"/>
               <a:t>Clique para editar o estilo de título do Modelo Global</a:t>
             </a:r>
-          </a:p>
-        </p:txBody>
-      </p:sp>
-      <p:sp>
-        <p:nvSpPr>
-          <p:cNvPr id="3" name="Marcador de Posição de Texto Vertical 2">
-            <a:extLst>
-              <a:ext uri="{FF2B5EF4-FFF2-40B4-BE49-F238E27FC236}">
-                <a16:creationId xmlns:a16="http://schemas.microsoft.com/office/drawing/2014/main" id="{9F14ACF5-532A-4B58-8D0F-06FA9AAABA69}"/>
-              </a:ext>
-            </a:extLst>
-          </p:cNvPr>
+            <a:endParaRPr lang="en-US" dirty="0"/>
+          </a:p>
+        </p:txBody>
+      </p:sp>
+      <p:sp>
+        <p:nvSpPr>
+          <p:cNvPr id="3" name="Vertical Text Placeholder 2"/>
           <p:cNvSpPr>
             <a:spLocks noGrp="1"/>
           </p:cNvSpPr>
@@ -886,18 +978,13 @@
               <a:rPr lang="pt-PT"/>
               <a:t>Quinto nível</a:t>
             </a:r>
-          </a:p>
-        </p:txBody>
-      </p:sp>
-      <p:sp>
-        <p:nvSpPr>
-          <p:cNvPr id="4" name="Marcador de Posição da Data 3">
-            <a:extLst>
-              <a:ext uri="{FF2B5EF4-FFF2-40B4-BE49-F238E27FC236}">
-                <a16:creationId xmlns:a16="http://schemas.microsoft.com/office/drawing/2014/main" id="{DD5C33FE-BB28-40C5-84B1-11E09D71798C}"/>
-              </a:ext>
-            </a:extLst>
-          </p:cNvPr>
+            <a:endParaRPr lang="en-US" dirty="0"/>
+          </a:p>
+        </p:txBody>
+      </p:sp>
+      <p:sp>
+        <p:nvSpPr>
+          <p:cNvPr id="4" name="Date Placeholder 3"/>
           <p:cNvSpPr>
             <a:spLocks noGrp="1"/>
           </p:cNvSpPr>
@@ -912,7 +999,7 @@
           <a:p>
             <a:fld id="{D0C5E3A8-0447-4545-B48D-0E4810B15C6B}" type="datetimeFigureOut">
               <a:rPr lang="pt-PT" smtClean="0"/>
-              <a:t>29/07/2018</a:t>
+              <a:t>22/09/2018</a:t>
             </a:fld>
             <a:endParaRPr lang="pt-PT"/>
           </a:p>
@@ -920,13 +1007,7 @@
       </p:sp>
       <p:sp>
         <p:nvSpPr>
-          <p:cNvPr id="5" name="Marcador de Posição do Rodapé 4">
-            <a:extLst>
-              <a:ext uri="{FF2B5EF4-FFF2-40B4-BE49-F238E27FC236}">
-                <a16:creationId xmlns:a16="http://schemas.microsoft.com/office/drawing/2014/main" id="{F725F222-8FCA-4A59-93F9-A56E29DFC2EC}"/>
-              </a:ext>
-            </a:extLst>
-          </p:cNvPr>
+          <p:cNvPr id="5" name="Footer Placeholder 4"/>
           <p:cNvSpPr>
             <a:spLocks noGrp="1"/>
           </p:cNvSpPr>
@@ -945,13 +1026,7 @@
       </p:sp>
       <p:sp>
         <p:nvSpPr>
-          <p:cNvPr id="6" name="Marcador de Posição do Número do Diapositivo 5">
-            <a:extLst>
-              <a:ext uri="{FF2B5EF4-FFF2-40B4-BE49-F238E27FC236}">
-                <a16:creationId xmlns:a16="http://schemas.microsoft.com/office/drawing/2014/main" id="{29B7FE1B-8B34-4ACC-AE21-D8935673A153}"/>
-              </a:ext>
-            </a:extLst>
-          </p:cNvPr>
+          <p:cNvPr id="6" name="Slide Number Placeholder 5"/>
           <p:cNvSpPr>
             <a:spLocks noGrp="1"/>
           </p:cNvSpPr>
@@ -975,7 +1050,7 @@
     </p:spTree>
     <p:extLst>
       <p:ext uri="{BB962C8B-B14F-4D97-AF65-F5344CB8AC3E}">
-        <p14:creationId xmlns:p14="http://schemas.microsoft.com/office/powerpoint/2010/main" val="2586557550"/>
+        <p14:creationId xmlns:p14="http://schemas.microsoft.com/office/powerpoint/2010/main" val="2745263433"/>
       </p:ext>
     </p:extLst>
   </p:cSld>
@@ -1004,13 +1079,7 @@
       </p:grpSpPr>
       <p:sp>
         <p:nvSpPr>
-          <p:cNvPr id="2" name="Título Vertical 1">
-            <a:extLst>
-              <a:ext uri="{FF2B5EF4-FFF2-40B4-BE49-F238E27FC236}">
-                <a16:creationId xmlns:a16="http://schemas.microsoft.com/office/drawing/2014/main" id="{0D918323-B056-4CDF-A8EC-124116CCD07C}"/>
-              </a:ext>
-            </a:extLst>
-          </p:cNvPr>
+          <p:cNvPr id="2" name="Vertical Title 1"/>
           <p:cNvSpPr>
             <a:spLocks noGrp="1"/>
           </p:cNvSpPr>
@@ -1020,8 +1089,8 @@
         </p:nvSpPr>
         <p:spPr>
           <a:xfrm>
-            <a:off x="8724900" y="365125"/>
-            <a:ext cx="2628900" cy="5811838"/>
+            <a:off x="8724900" y="762000"/>
+            <a:ext cx="2324100" cy="5410200"/>
           </a:xfrm>
         </p:spPr>
         <p:txBody>
@@ -1032,18 +1101,13 @@
               <a:rPr lang="pt-PT"/>
               <a:t>Clique para editar o estilo de título do Modelo Global</a:t>
             </a:r>
-          </a:p>
-        </p:txBody>
-      </p:sp>
-      <p:sp>
-        <p:nvSpPr>
-          <p:cNvPr id="3" name="Marcador de Posição de Texto Vertical 2">
-            <a:extLst>
-              <a:ext uri="{FF2B5EF4-FFF2-40B4-BE49-F238E27FC236}">
-                <a16:creationId xmlns:a16="http://schemas.microsoft.com/office/drawing/2014/main" id="{9F9B17BE-3AF1-4E2F-B4AC-C6E607E40321}"/>
-              </a:ext>
-            </a:extLst>
-          </p:cNvPr>
+            <a:endParaRPr lang="en-US" dirty="0"/>
+          </a:p>
+        </p:txBody>
+      </p:sp>
+      <p:sp>
+        <p:nvSpPr>
+          <p:cNvPr id="3" name="Vertical Text Placeholder 2"/>
           <p:cNvSpPr>
             <a:spLocks noGrp="1"/>
           </p:cNvSpPr>
@@ -1053,8 +1117,8 @@
         </p:nvSpPr>
         <p:spPr>
           <a:xfrm>
-            <a:off x="838200" y="365125"/>
-            <a:ext cx="7734300" cy="5811838"/>
+            <a:off x="1143000" y="762000"/>
+            <a:ext cx="7429500" cy="5410200"/>
           </a:xfrm>
         </p:spPr>
         <p:txBody>
@@ -1094,18 +1158,13 @@
               <a:rPr lang="pt-PT"/>
               <a:t>Quinto nível</a:t>
             </a:r>
-          </a:p>
-        </p:txBody>
-      </p:sp>
-      <p:sp>
-        <p:nvSpPr>
-          <p:cNvPr id="4" name="Marcador de Posição da Data 3">
-            <a:extLst>
-              <a:ext uri="{FF2B5EF4-FFF2-40B4-BE49-F238E27FC236}">
-                <a16:creationId xmlns:a16="http://schemas.microsoft.com/office/drawing/2014/main" id="{796E651D-C4CC-4071-98DE-218286F28BD5}"/>
-              </a:ext>
-            </a:extLst>
-          </p:cNvPr>
+            <a:endParaRPr lang="en-US" dirty="0"/>
+          </a:p>
+        </p:txBody>
+      </p:sp>
+      <p:sp>
+        <p:nvSpPr>
+          <p:cNvPr id="4" name="Date Placeholder 3"/>
           <p:cNvSpPr>
             <a:spLocks noGrp="1"/>
           </p:cNvSpPr>
@@ -1120,7 +1179,7 @@
           <a:p>
             <a:fld id="{D0C5E3A8-0447-4545-B48D-0E4810B15C6B}" type="datetimeFigureOut">
               <a:rPr lang="pt-PT" smtClean="0"/>
-              <a:t>29/07/2018</a:t>
+              <a:t>22/09/2018</a:t>
             </a:fld>
             <a:endParaRPr lang="pt-PT"/>
           </a:p>
@@ -1128,13 +1187,7 @@
       </p:sp>
       <p:sp>
         <p:nvSpPr>
-          <p:cNvPr id="5" name="Marcador de Posição do Rodapé 4">
-            <a:extLst>
-              <a:ext uri="{FF2B5EF4-FFF2-40B4-BE49-F238E27FC236}">
-                <a16:creationId xmlns:a16="http://schemas.microsoft.com/office/drawing/2014/main" id="{259111D9-B4DC-41B2-AC28-4EA6D72520A4}"/>
-              </a:ext>
-            </a:extLst>
-          </p:cNvPr>
+          <p:cNvPr id="5" name="Footer Placeholder 4"/>
           <p:cNvSpPr>
             <a:spLocks noGrp="1"/>
           </p:cNvSpPr>
@@ -1153,13 +1206,7 @@
       </p:sp>
       <p:sp>
         <p:nvSpPr>
-          <p:cNvPr id="6" name="Marcador de Posição do Número do Diapositivo 5">
-            <a:extLst>
-              <a:ext uri="{FF2B5EF4-FFF2-40B4-BE49-F238E27FC236}">
-                <a16:creationId xmlns:a16="http://schemas.microsoft.com/office/drawing/2014/main" id="{B9B6610E-0FAD-4D9A-B438-2614B36EE4DB}"/>
-              </a:ext>
-            </a:extLst>
-          </p:cNvPr>
+          <p:cNvPr id="6" name="Slide Number Placeholder 5"/>
           <p:cNvSpPr>
             <a:spLocks noGrp="1"/>
           </p:cNvSpPr>
@@ -1183,7 +1230,7 @@
     </p:spTree>
     <p:extLst>
       <p:ext uri="{BB962C8B-B14F-4D97-AF65-F5344CB8AC3E}">
-        <p14:creationId xmlns:p14="http://schemas.microsoft.com/office/powerpoint/2010/main" val="3867877728"/>
+        <p14:creationId xmlns:p14="http://schemas.microsoft.com/office/powerpoint/2010/main" val="462994152"/>
       </p:ext>
     </p:extLst>
   </p:cSld>
@@ -1212,13 +1259,7 @@
       </p:grpSpPr>
       <p:sp>
         <p:nvSpPr>
-          <p:cNvPr id="2" name="Título 1">
-            <a:extLst>
-              <a:ext uri="{FF2B5EF4-FFF2-40B4-BE49-F238E27FC236}">
-                <a16:creationId xmlns:a16="http://schemas.microsoft.com/office/drawing/2014/main" id="{FE4C9A9F-823A-41E0-8CEB-8FF82BDD9DD9}"/>
-              </a:ext>
-            </a:extLst>
-          </p:cNvPr>
+          <p:cNvPr id="2" name="Title 1"/>
           <p:cNvSpPr>
             <a:spLocks noGrp="1"/>
           </p:cNvSpPr>
@@ -1235,18 +1276,13 @@
               <a:rPr lang="pt-PT"/>
               <a:t>Clique para editar o estilo de título do Modelo Global</a:t>
             </a:r>
-          </a:p>
-        </p:txBody>
-      </p:sp>
-      <p:sp>
-        <p:nvSpPr>
-          <p:cNvPr id="3" name="Marcador de Posição de Conteúdo 2">
-            <a:extLst>
-              <a:ext uri="{FF2B5EF4-FFF2-40B4-BE49-F238E27FC236}">
-                <a16:creationId xmlns:a16="http://schemas.microsoft.com/office/drawing/2014/main" id="{F29911B2-6E5E-495A-A0B0-2AE0C57B3997}"/>
-              </a:ext>
-            </a:extLst>
-          </p:cNvPr>
+            <a:endParaRPr lang="en-US" dirty="0"/>
+          </a:p>
+        </p:txBody>
+      </p:sp>
+      <p:sp>
+        <p:nvSpPr>
+          <p:cNvPr id="3" name="Content Placeholder 2"/>
           <p:cNvSpPr>
             <a:spLocks noGrp="1"/>
           </p:cNvSpPr>
@@ -1292,18 +1328,13 @@
               <a:rPr lang="pt-PT"/>
               <a:t>Quinto nível</a:t>
             </a:r>
-          </a:p>
-        </p:txBody>
-      </p:sp>
-      <p:sp>
-        <p:nvSpPr>
-          <p:cNvPr id="4" name="Marcador de Posição da Data 3">
-            <a:extLst>
-              <a:ext uri="{FF2B5EF4-FFF2-40B4-BE49-F238E27FC236}">
-                <a16:creationId xmlns:a16="http://schemas.microsoft.com/office/drawing/2014/main" id="{2C80A2BB-0D6C-4B3A-858F-62BF244E9B15}"/>
-              </a:ext>
-            </a:extLst>
-          </p:cNvPr>
+            <a:endParaRPr lang="en-US" dirty="0"/>
+          </a:p>
+        </p:txBody>
+      </p:sp>
+      <p:sp>
+        <p:nvSpPr>
+          <p:cNvPr id="4" name="Date Placeholder 3"/>
           <p:cNvSpPr>
             <a:spLocks noGrp="1"/>
           </p:cNvSpPr>
@@ -1318,7 +1349,7 @@
           <a:p>
             <a:fld id="{D0C5E3A8-0447-4545-B48D-0E4810B15C6B}" type="datetimeFigureOut">
               <a:rPr lang="pt-PT" smtClean="0"/>
-              <a:t>29/07/2018</a:t>
+              <a:t>22/09/2018</a:t>
             </a:fld>
             <a:endParaRPr lang="pt-PT"/>
           </a:p>
@@ -1326,13 +1357,7 @@
       </p:sp>
       <p:sp>
         <p:nvSpPr>
-          <p:cNvPr id="5" name="Marcador de Posição do Rodapé 4">
-            <a:extLst>
-              <a:ext uri="{FF2B5EF4-FFF2-40B4-BE49-F238E27FC236}">
-                <a16:creationId xmlns:a16="http://schemas.microsoft.com/office/drawing/2014/main" id="{C8570528-FE79-4487-9730-573DDD3973B1}"/>
-              </a:ext>
-            </a:extLst>
-          </p:cNvPr>
+          <p:cNvPr id="5" name="Footer Placeholder 4"/>
           <p:cNvSpPr>
             <a:spLocks noGrp="1"/>
           </p:cNvSpPr>
@@ -1351,13 +1376,7 @@
       </p:sp>
       <p:sp>
         <p:nvSpPr>
-          <p:cNvPr id="6" name="Marcador de Posição do Número do Diapositivo 5">
-            <a:extLst>
-              <a:ext uri="{FF2B5EF4-FFF2-40B4-BE49-F238E27FC236}">
-                <a16:creationId xmlns:a16="http://schemas.microsoft.com/office/drawing/2014/main" id="{7E617C36-62CC-4B9F-805A-46BDD39978D6}"/>
-              </a:ext>
-            </a:extLst>
-          </p:cNvPr>
+          <p:cNvPr id="6" name="Slide Number Placeholder 5"/>
           <p:cNvSpPr>
             <a:spLocks noGrp="1"/>
           </p:cNvSpPr>
@@ -1381,7 +1400,7 @@
     </p:spTree>
     <p:extLst>
       <p:ext uri="{BB962C8B-B14F-4D97-AF65-F5344CB8AC3E}">
-        <p14:creationId xmlns:p14="http://schemas.microsoft.com/office/powerpoint/2010/main" val="1244633983"/>
+        <p14:creationId xmlns:p14="http://schemas.microsoft.com/office/powerpoint/2010/main" val="2564560321"/>
       </p:ext>
     </p:extLst>
   </p:cSld>
@@ -1410,13 +1429,7 @@
       </p:grpSpPr>
       <p:sp>
         <p:nvSpPr>
-          <p:cNvPr id="2" name="Título 1">
-            <a:extLst>
-              <a:ext uri="{FF2B5EF4-FFF2-40B4-BE49-F238E27FC236}">
-                <a16:creationId xmlns:a16="http://schemas.microsoft.com/office/drawing/2014/main" id="{B42B1EFE-45E1-4D6D-ACED-29BC87B8049B}"/>
-              </a:ext>
-            </a:extLst>
-          </p:cNvPr>
+          <p:cNvPr id="2" name="Title 1"/>
           <p:cNvSpPr>
             <a:spLocks noGrp="1"/>
           </p:cNvSpPr>
@@ -1426,15 +1439,43 @@
         </p:nvSpPr>
         <p:spPr>
           <a:xfrm>
-            <a:off x="831850" y="1709738"/>
-            <a:ext cx="10515600" cy="2852737"/>
+            <a:off x="1106424" y="1173575"/>
+            <a:ext cx="9966960" cy="2926080"/>
           </a:xfrm>
         </p:spPr>
         <p:txBody>
-          <a:bodyPr anchor="b"/>
+          <a:bodyPr anchor="b">
+            <a:noAutofit/>
+          </a:bodyPr>
           <a:lstStyle>
-            <a:lvl1pPr>
-              <a:defRPr sz="6000"/>
+            <a:lvl1pPr marL="0" algn="ctr" defTabSz="914400" rtl="0" eaLnBrk="1" latinLnBrk="0" hangingPunct="1">
+              <a:lnSpc>
+                <a:spcPct val="85000"/>
+              </a:lnSpc>
+              <a:spcBef>
+                <a:spcPct val="0"/>
+              </a:spcBef>
+              <a:buNone/>
+              <a:defRPr kumimoji="0" lang="en-US" sz="7200" b="1" i="0" u="none" strike="noStrike" kern="1200" cap="all" spc="0" normalizeH="0" baseline="0" dirty="0">
+                <a:ln w="15875">
+                  <a:solidFill>
+                    <a:sysClr val="window" lastClr="FFFFFF"/>
+                  </a:solidFill>
+                </a:ln>
+                <a:solidFill>
+                  <a:srgbClr val="DF5327"/>
+                </a:solidFill>
+                <a:effectLst>
+                  <a:outerShdw dist="38100" dir="2700000" algn="tl" rotWithShape="0">
+                    <a:srgbClr val="DF5327"/>
+                  </a:outerShdw>
+                </a:effectLst>
+                <a:uLnTx/>
+                <a:uFillTx/>
+                <a:latin typeface="Corbel" pitchFamily="34" charset="0"/>
+                <a:ea typeface="+mn-ea"/>
+                <a:cs typeface="+mn-cs"/>
+              </a:defRPr>
             </a:lvl1pPr>
           </a:lstStyle>
           <a:p>
@@ -1442,18 +1483,13 @@
               <a:rPr lang="pt-PT"/>
               <a:t>Clique para editar o estilo de título do Modelo Global</a:t>
             </a:r>
-          </a:p>
-        </p:txBody>
-      </p:sp>
-      <p:sp>
-        <p:nvSpPr>
-          <p:cNvPr id="3" name="Marcador de Posição do Texto 2">
-            <a:extLst>
-              <a:ext uri="{FF2B5EF4-FFF2-40B4-BE49-F238E27FC236}">
-                <a16:creationId xmlns:a16="http://schemas.microsoft.com/office/drawing/2014/main" id="{BF1EFCB7-72CD-4156-9983-BE43CCBC741F}"/>
-              </a:ext>
-            </a:extLst>
-          </p:cNvPr>
+            <a:endParaRPr lang="en-US" dirty="0"/>
+          </a:p>
+        </p:txBody>
+      </p:sp>
+      <p:sp>
+        <p:nvSpPr>
+          <p:cNvPr id="3" name="Text Placeholder 2"/>
           <p:cNvSpPr>
             <a:spLocks noGrp="1"/>
           </p:cNvSpPr>
@@ -1463,26 +1499,26 @@
         </p:nvSpPr>
         <p:spPr>
           <a:xfrm>
-            <a:off x="831850" y="4589463"/>
-            <a:ext cx="10515600" cy="1500187"/>
+            <a:off x="1709928" y="4154520"/>
+            <a:ext cx="8769096" cy="1363806"/>
           </a:xfrm>
         </p:spPr>
         <p:txBody>
-          <a:bodyPr/>
+          <a:bodyPr anchor="t">
+            <a:normAutofit/>
+          </a:bodyPr>
           <a:lstStyle>
-            <a:lvl1pPr marL="0" indent="0">
+            <a:lvl1pPr marL="0" indent="0" algn="ctr">
               <a:buNone/>
-              <a:defRPr sz="2400">
+              <a:defRPr sz="2200">
                 <a:solidFill>
-                  <a:schemeClr val="tx1">
-                    <a:tint val="75000"/>
-                  </a:schemeClr>
+                  <a:schemeClr val="accent1"/>
                 </a:solidFill>
               </a:defRPr>
             </a:lvl1pPr>
             <a:lvl2pPr marL="457200" indent="0">
               <a:buNone/>
-              <a:defRPr sz="2000">
+              <a:defRPr sz="1800">
                 <a:solidFill>
                   <a:schemeClr val="tx1">
                     <a:tint val="75000"/>
@@ -1492,7 +1528,7 @@
             </a:lvl2pPr>
             <a:lvl3pPr marL="914400" indent="0">
               <a:buNone/>
-              <a:defRPr sz="1800">
+              <a:defRPr sz="1600">
                 <a:solidFill>
                   <a:schemeClr val="tx1">
                     <a:tint val="75000"/>
@@ -1502,7 +1538,7 @@
             </a:lvl3pPr>
             <a:lvl4pPr marL="1371600" indent="0">
               <a:buNone/>
-              <a:defRPr sz="1600">
+              <a:defRPr sz="1400">
                 <a:solidFill>
                   <a:schemeClr val="tx1">
                     <a:tint val="75000"/>
@@ -1512,7 +1548,7 @@
             </a:lvl4pPr>
             <a:lvl5pPr marL="1828800" indent="0">
               <a:buNone/>
-              <a:defRPr sz="1600">
+              <a:defRPr sz="1400">
                 <a:solidFill>
                   <a:schemeClr val="tx1">
                     <a:tint val="75000"/>
@@ -1522,7 +1558,7 @@
             </a:lvl5pPr>
             <a:lvl6pPr marL="2286000" indent="0">
               <a:buNone/>
-              <a:defRPr sz="1600">
+              <a:defRPr sz="1400">
                 <a:solidFill>
                   <a:schemeClr val="tx1">
                     <a:tint val="75000"/>
@@ -1532,7 +1568,7 @@
             </a:lvl6pPr>
             <a:lvl7pPr marL="2743200" indent="0">
               <a:buNone/>
-              <a:defRPr sz="1600">
+              <a:defRPr sz="1400">
                 <a:solidFill>
                   <a:schemeClr val="tx1">
                     <a:tint val="75000"/>
@@ -1542,7 +1578,7 @@
             </a:lvl7pPr>
             <a:lvl8pPr marL="3200400" indent="0">
               <a:buNone/>
-              <a:defRPr sz="1600">
+              <a:defRPr sz="1400">
                 <a:solidFill>
                   <a:schemeClr val="tx1">
                     <a:tint val="75000"/>
@@ -1552,7 +1588,7 @@
             </a:lvl8pPr>
             <a:lvl9pPr marL="3657600" indent="0">
               <a:buNone/>
-              <a:defRPr sz="1600">
+              <a:defRPr sz="1400">
                 <a:solidFill>
                   <a:schemeClr val="tx1">
                     <a:tint val="75000"/>
@@ -1572,13 +1608,7 @@
       </p:sp>
       <p:sp>
         <p:nvSpPr>
-          <p:cNvPr id="4" name="Marcador de Posição da Data 3">
-            <a:extLst>
-              <a:ext uri="{FF2B5EF4-FFF2-40B4-BE49-F238E27FC236}">
-                <a16:creationId xmlns:a16="http://schemas.microsoft.com/office/drawing/2014/main" id="{FC64EA9A-7C18-453D-BDD7-31B7AEB42F57}"/>
-              </a:ext>
-            </a:extLst>
-          </p:cNvPr>
+          <p:cNvPr id="4" name="Date Placeholder 3"/>
           <p:cNvSpPr>
             <a:spLocks noGrp="1"/>
           </p:cNvSpPr>
@@ -1593,7 +1623,7 @@
           <a:p>
             <a:fld id="{D0C5E3A8-0447-4545-B48D-0E4810B15C6B}" type="datetimeFigureOut">
               <a:rPr lang="pt-PT" smtClean="0"/>
-              <a:t>29/07/2018</a:t>
+              <a:t>22/09/2018</a:t>
             </a:fld>
             <a:endParaRPr lang="pt-PT"/>
           </a:p>
@@ -1601,13 +1631,7 @@
       </p:sp>
       <p:sp>
         <p:nvSpPr>
-          <p:cNvPr id="5" name="Marcador de Posição do Rodapé 4">
-            <a:extLst>
-              <a:ext uri="{FF2B5EF4-FFF2-40B4-BE49-F238E27FC236}">
-                <a16:creationId xmlns:a16="http://schemas.microsoft.com/office/drawing/2014/main" id="{FB9BAEE4-0E3C-43F7-B63C-F35AEAB605FD}"/>
-              </a:ext>
-            </a:extLst>
-          </p:cNvPr>
+          <p:cNvPr id="5" name="Footer Placeholder 4"/>
           <p:cNvSpPr>
             <a:spLocks noGrp="1"/>
           </p:cNvSpPr>
@@ -1626,13 +1650,7 @@
       </p:sp>
       <p:sp>
         <p:nvSpPr>
-          <p:cNvPr id="6" name="Marcador de Posição do Número do Diapositivo 5">
-            <a:extLst>
-              <a:ext uri="{FF2B5EF4-FFF2-40B4-BE49-F238E27FC236}">
-                <a16:creationId xmlns:a16="http://schemas.microsoft.com/office/drawing/2014/main" id="{AC3192AA-3584-482D-A947-E107026B37B0}"/>
-              </a:ext>
-            </a:extLst>
-          </p:cNvPr>
+          <p:cNvPr id="6" name="Slide Number Placeholder 5"/>
           <p:cNvSpPr>
             <a:spLocks noGrp="1"/>
           </p:cNvSpPr>
@@ -1653,10 +1671,45 @@
           </a:p>
         </p:txBody>
       </p:sp>
+      <p:cxnSp>
+        <p:nvCxnSpPr>
+          <p:cNvPr id="7" name="Straight Connector 6"/>
+          <p:cNvCxnSpPr/>
+          <p:nvPr/>
+        </p:nvCxnSpPr>
+        <p:spPr>
+          <a:xfrm>
+            <a:off x="1981200" y="4020408"/>
+            <a:ext cx="8229601" cy="0"/>
+          </a:xfrm>
+          <a:prstGeom prst="line">
+            <a:avLst/>
+          </a:prstGeom>
+          <a:ln>
+            <a:solidFill>
+              <a:schemeClr val="accent1"/>
+            </a:solidFill>
+          </a:ln>
+        </p:spPr>
+        <p:style>
+          <a:lnRef idx="1">
+            <a:schemeClr val="accent1"/>
+          </a:lnRef>
+          <a:fillRef idx="0">
+            <a:schemeClr val="accent1"/>
+          </a:fillRef>
+          <a:effectRef idx="0">
+            <a:schemeClr val="accent1"/>
+          </a:effectRef>
+          <a:fontRef idx="minor">
+            <a:schemeClr val="tx1"/>
+          </a:fontRef>
+        </p:style>
+      </p:cxnSp>
     </p:spTree>
     <p:extLst>
       <p:ext uri="{BB962C8B-B14F-4D97-AF65-F5344CB8AC3E}">
-        <p14:creationId xmlns:p14="http://schemas.microsoft.com/office/powerpoint/2010/main" val="2212141557"/>
+        <p14:creationId xmlns:p14="http://schemas.microsoft.com/office/powerpoint/2010/main" val="440205035"/>
       </p:ext>
     </p:extLst>
   </p:cSld>
@@ -1685,13 +1738,7 @@
       </p:grpSpPr>
       <p:sp>
         <p:nvSpPr>
-          <p:cNvPr id="2" name="Título 1">
-            <a:extLst>
-              <a:ext uri="{FF2B5EF4-FFF2-40B4-BE49-F238E27FC236}">
-                <a16:creationId xmlns:a16="http://schemas.microsoft.com/office/drawing/2014/main" id="{40E6F489-6FF4-4C1B-8BF6-16B376E4293F}"/>
-              </a:ext>
-            </a:extLst>
-          </p:cNvPr>
+          <p:cNvPr id="8" name="Title 7"/>
           <p:cNvSpPr>
             <a:spLocks noGrp="1"/>
           </p:cNvSpPr>
@@ -1708,18 +1755,13 @@
               <a:rPr lang="pt-PT"/>
               <a:t>Clique para editar o estilo de título do Modelo Global</a:t>
             </a:r>
-          </a:p>
-        </p:txBody>
-      </p:sp>
-      <p:sp>
-        <p:nvSpPr>
-          <p:cNvPr id="3" name="Marcador de Posição de Conteúdo 2">
-            <a:extLst>
-              <a:ext uri="{FF2B5EF4-FFF2-40B4-BE49-F238E27FC236}">
-                <a16:creationId xmlns:a16="http://schemas.microsoft.com/office/drawing/2014/main" id="{5CB0A3A1-E19C-4EDE-969F-3D0E6A226BE4}"/>
-              </a:ext>
-            </a:extLst>
-          </p:cNvPr>
+            <a:endParaRPr lang="en-US" dirty="0"/>
+          </a:p>
+        </p:txBody>
+      </p:sp>
+      <p:sp>
+        <p:nvSpPr>
+          <p:cNvPr id="3" name="Content Placeholder 2"/>
           <p:cNvSpPr>
             <a:spLocks noGrp="1"/>
           </p:cNvSpPr>
@@ -1729,13 +1771,41 @@
         </p:nvSpPr>
         <p:spPr>
           <a:xfrm>
-            <a:off x="838200" y="1825625"/>
-            <a:ext cx="5181600" cy="4351338"/>
+            <a:off x="1143000" y="2057399"/>
+            <a:ext cx="4754880" cy="4023360"/>
           </a:xfrm>
         </p:spPr>
         <p:txBody>
           <a:bodyPr/>
-          <a:lstStyle/>
+          <a:lstStyle>
+            <a:lvl1pPr>
+              <a:defRPr sz="2200"/>
+            </a:lvl1pPr>
+            <a:lvl2pPr>
+              <a:defRPr sz="2000"/>
+            </a:lvl2pPr>
+            <a:lvl3pPr>
+              <a:defRPr sz="1800"/>
+            </a:lvl3pPr>
+            <a:lvl4pPr>
+              <a:defRPr sz="1600"/>
+            </a:lvl4pPr>
+            <a:lvl5pPr>
+              <a:defRPr sz="1600"/>
+            </a:lvl5pPr>
+            <a:lvl6pPr>
+              <a:defRPr sz="1600"/>
+            </a:lvl6pPr>
+            <a:lvl7pPr>
+              <a:defRPr sz="1600"/>
+            </a:lvl7pPr>
+            <a:lvl8pPr>
+              <a:defRPr sz="1600"/>
+            </a:lvl8pPr>
+            <a:lvl9pPr>
+              <a:defRPr sz="1600"/>
+            </a:lvl9pPr>
+          </a:lstStyle>
           <a:p>
             <a:pPr lvl="0"/>
             <a:r>
@@ -1770,18 +1840,13 @@
               <a:rPr lang="pt-PT"/>
               <a:t>Quinto nível</a:t>
             </a:r>
-          </a:p>
-        </p:txBody>
-      </p:sp>
-      <p:sp>
-        <p:nvSpPr>
-          <p:cNvPr id="4" name="Marcador de Posição de Conteúdo 3">
-            <a:extLst>
-              <a:ext uri="{FF2B5EF4-FFF2-40B4-BE49-F238E27FC236}">
-                <a16:creationId xmlns:a16="http://schemas.microsoft.com/office/drawing/2014/main" id="{E2856090-2D90-428C-B65A-B7BF0F9E3E16}"/>
-              </a:ext>
-            </a:extLst>
-          </p:cNvPr>
+            <a:endParaRPr lang="en-US" dirty="0"/>
+          </a:p>
+        </p:txBody>
+      </p:sp>
+      <p:sp>
+        <p:nvSpPr>
+          <p:cNvPr id="4" name="Content Placeholder 3"/>
           <p:cNvSpPr>
             <a:spLocks noGrp="1"/>
           </p:cNvSpPr>
@@ -1791,13 +1856,41 @@
         </p:nvSpPr>
         <p:spPr>
           <a:xfrm>
-            <a:off x="6172200" y="1825625"/>
-            <a:ext cx="5181600" cy="4351338"/>
+            <a:off x="6267612" y="2057400"/>
+            <a:ext cx="4754880" cy="4023360"/>
           </a:xfrm>
         </p:spPr>
         <p:txBody>
           <a:bodyPr/>
-          <a:lstStyle/>
+          <a:lstStyle>
+            <a:lvl1pPr>
+              <a:defRPr sz="2200"/>
+            </a:lvl1pPr>
+            <a:lvl2pPr>
+              <a:defRPr sz="2000"/>
+            </a:lvl2pPr>
+            <a:lvl3pPr>
+              <a:defRPr sz="1800"/>
+            </a:lvl3pPr>
+            <a:lvl4pPr>
+              <a:defRPr sz="1600"/>
+            </a:lvl4pPr>
+            <a:lvl5pPr>
+              <a:defRPr sz="1600"/>
+            </a:lvl5pPr>
+            <a:lvl6pPr>
+              <a:defRPr sz="1600"/>
+            </a:lvl6pPr>
+            <a:lvl7pPr>
+              <a:defRPr sz="1600"/>
+            </a:lvl7pPr>
+            <a:lvl8pPr>
+              <a:defRPr sz="1600"/>
+            </a:lvl8pPr>
+            <a:lvl9pPr>
+              <a:defRPr sz="1600"/>
+            </a:lvl9pPr>
+          </a:lstStyle>
           <a:p>
             <a:pPr lvl="0"/>
             <a:r>
@@ -1832,18 +1925,13 @@
               <a:rPr lang="pt-PT"/>
               <a:t>Quinto nível</a:t>
             </a:r>
-          </a:p>
-        </p:txBody>
-      </p:sp>
-      <p:sp>
-        <p:nvSpPr>
-          <p:cNvPr id="5" name="Marcador de Posição da Data 4">
-            <a:extLst>
-              <a:ext uri="{FF2B5EF4-FFF2-40B4-BE49-F238E27FC236}">
-                <a16:creationId xmlns:a16="http://schemas.microsoft.com/office/drawing/2014/main" id="{B59AE1E8-B8FE-455C-9C0A-86C437DFABA4}"/>
-              </a:ext>
-            </a:extLst>
-          </p:cNvPr>
+            <a:endParaRPr lang="en-US" dirty="0"/>
+          </a:p>
+        </p:txBody>
+      </p:sp>
+      <p:sp>
+        <p:nvSpPr>
+          <p:cNvPr id="5" name="Date Placeholder 4"/>
           <p:cNvSpPr>
             <a:spLocks noGrp="1"/>
           </p:cNvSpPr>
@@ -1858,7 +1946,7 @@
           <a:p>
             <a:fld id="{D0C5E3A8-0447-4545-B48D-0E4810B15C6B}" type="datetimeFigureOut">
               <a:rPr lang="pt-PT" smtClean="0"/>
-              <a:t>29/07/2018</a:t>
+              <a:t>22/09/2018</a:t>
             </a:fld>
             <a:endParaRPr lang="pt-PT"/>
           </a:p>
@@ -1866,13 +1954,7 @@
       </p:sp>
       <p:sp>
         <p:nvSpPr>
-          <p:cNvPr id="6" name="Marcador de Posição do Rodapé 5">
-            <a:extLst>
-              <a:ext uri="{FF2B5EF4-FFF2-40B4-BE49-F238E27FC236}">
-                <a16:creationId xmlns:a16="http://schemas.microsoft.com/office/drawing/2014/main" id="{951939EE-0C4F-46F1-94A0-B71E0BE159AD}"/>
-              </a:ext>
-            </a:extLst>
-          </p:cNvPr>
+          <p:cNvPr id="6" name="Footer Placeholder 5"/>
           <p:cNvSpPr>
             <a:spLocks noGrp="1"/>
           </p:cNvSpPr>
@@ -1891,13 +1973,7 @@
       </p:sp>
       <p:sp>
         <p:nvSpPr>
-          <p:cNvPr id="7" name="Marcador de Posição do Número do Diapositivo 6">
-            <a:extLst>
-              <a:ext uri="{FF2B5EF4-FFF2-40B4-BE49-F238E27FC236}">
-                <a16:creationId xmlns:a16="http://schemas.microsoft.com/office/drawing/2014/main" id="{50CA57F0-6FE9-4795-AD57-C149AF5A36FA}"/>
-              </a:ext>
-            </a:extLst>
-          </p:cNvPr>
+          <p:cNvPr id="7" name="Slide Number Placeholder 6"/>
           <p:cNvSpPr>
             <a:spLocks noGrp="1"/>
           </p:cNvSpPr>
@@ -1921,7 +1997,7 @@
     </p:spTree>
     <p:extLst>
       <p:ext uri="{BB962C8B-B14F-4D97-AF65-F5344CB8AC3E}">
-        <p14:creationId xmlns:p14="http://schemas.microsoft.com/office/powerpoint/2010/main" val="1307901552"/>
+        <p14:creationId xmlns:p14="http://schemas.microsoft.com/office/powerpoint/2010/main" val="1986359142"/>
       </p:ext>
     </p:extLst>
   </p:cSld>
@@ -1950,63 +2026,50 @@
       </p:grpSpPr>
       <p:sp>
         <p:nvSpPr>
-          <p:cNvPr id="2" name="Título 1">
-            <a:extLst>
-              <a:ext uri="{FF2B5EF4-FFF2-40B4-BE49-F238E27FC236}">
-                <a16:creationId xmlns:a16="http://schemas.microsoft.com/office/drawing/2014/main" id="{7B399E8C-9377-49A7-BFCC-23FFC7E4EB38}"/>
-              </a:ext>
-            </a:extLst>
-          </p:cNvPr>
+          <p:cNvPr id="10" name="Title 9"/>
           <p:cNvSpPr>
             <a:spLocks noGrp="1"/>
           </p:cNvSpPr>
           <p:nvPr>
             <p:ph type="title"/>
+          </p:nvPr>
+        </p:nvSpPr>
+        <p:spPr/>
+        <p:txBody>
+          <a:bodyPr/>
+          <a:lstStyle/>
+          <a:p>
+            <a:r>
+              <a:rPr lang="pt-PT"/>
+              <a:t>Clique para editar o estilo de título do Modelo Global</a:t>
+            </a:r>
+            <a:endParaRPr lang="en-US" dirty="0"/>
+          </a:p>
+        </p:txBody>
+      </p:sp>
+      <p:sp>
+        <p:nvSpPr>
+          <p:cNvPr id="3" name="Text Placeholder 2"/>
+          <p:cNvSpPr>
+            <a:spLocks noGrp="1"/>
+          </p:cNvSpPr>
+          <p:nvPr>
+            <p:ph type="body" idx="1"/>
           </p:nvPr>
         </p:nvSpPr>
         <p:spPr>
           <a:xfrm>
-            <a:off x="839788" y="365125"/>
-            <a:ext cx="10515600" cy="1325563"/>
+            <a:off x="1143000" y="2001511"/>
+            <a:ext cx="4754880" cy="777240"/>
           </a:xfrm>
         </p:spPr>
         <p:txBody>
-          <a:bodyPr/>
-          <a:lstStyle/>
-          <a:p>
-            <a:r>
-              <a:rPr lang="pt-PT"/>
-              <a:t>Clique para editar o estilo de título do Modelo Global</a:t>
-            </a:r>
-          </a:p>
-        </p:txBody>
-      </p:sp>
-      <p:sp>
-        <p:nvSpPr>
-          <p:cNvPr id="3" name="Marcador de Posição do Texto 2">
-            <a:extLst>
-              <a:ext uri="{FF2B5EF4-FFF2-40B4-BE49-F238E27FC236}">
-                <a16:creationId xmlns:a16="http://schemas.microsoft.com/office/drawing/2014/main" id="{A1C57C17-48D5-42C3-9820-4B566A004413}"/>
-              </a:ext>
-            </a:extLst>
-          </p:cNvPr>
-          <p:cNvSpPr>
-            <a:spLocks noGrp="1"/>
-          </p:cNvSpPr>
-          <p:nvPr>
-            <p:ph type="body" idx="1"/>
-          </p:nvPr>
-        </p:nvSpPr>
-        <p:spPr>
-          <a:xfrm>
-            <a:off x="839788" y="1681163"/>
-            <a:ext cx="5157787" cy="823912"/>
-          </a:xfrm>
-        </p:spPr>
-        <p:txBody>
-          <a:bodyPr anchor="b"/>
+          <a:bodyPr anchor="ctr"/>
           <a:lstStyle>
             <a:lvl1pPr marL="0" indent="0">
+              <a:spcBef>
+                <a:spcPts val="0"/>
+              </a:spcBef>
               <a:buNone/>
               <a:defRPr sz="2400" b="1"/>
             </a:lvl1pPr>
@@ -2054,13 +2117,7 @@
       </p:sp>
       <p:sp>
         <p:nvSpPr>
-          <p:cNvPr id="4" name="Marcador de Posição de Conteúdo 3">
-            <a:extLst>
-              <a:ext uri="{FF2B5EF4-FFF2-40B4-BE49-F238E27FC236}">
-                <a16:creationId xmlns:a16="http://schemas.microsoft.com/office/drawing/2014/main" id="{A30CD202-9724-431A-BF1D-991AF1C3E09B}"/>
-              </a:ext>
-            </a:extLst>
-          </p:cNvPr>
+          <p:cNvPr id="4" name="Content Placeholder 3"/>
           <p:cNvSpPr>
             <a:spLocks noGrp="1"/>
           </p:cNvSpPr>
@@ -2070,13 +2127,41 @@
         </p:nvSpPr>
         <p:spPr>
           <a:xfrm>
-            <a:off x="839788" y="2505075"/>
-            <a:ext cx="5157787" cy="3684588"/>
+            <a:off x="1143000" y="2721483"/>
+            <a:ext cx="4754880" cy="3383280"/>
           </a:xfrm>
         </p:spPr>
         <p:txBody>
           <a:bodyPr/>
-          <a:lstStyle/>
+          <a:lstStyle>
+            <a:lvl1pPr>
+              <a:defRPr sz="2200"/>
+            </a:lvl1pPr>
+            <a:lvl2pPr>
+              <a:defRPr sz="2000"/>
+            </a:lvl2pPr>
+            <a:lvl3pPr>
+              <a:defRPr sz="1800"/>
+            </a:lvl3pPr>
+            <a:lvl4pPr>
+              <a:defRPr sz="1600"/>
+            </a:lvl4pPr>
+            <a:lvl5pPr>
+              <a:defRPr sz="1600"/>
+            </a:lvl5pPr>
+            <a:lvl6pPr>
+              <a:defRPr sz="1600"/>
+            </a:lvl6pPr>
+            <a:lvl7pPr>
+              <a:defRPr sz="1600"/>
+            </a:lvl7pPr>
+            <a:lvl8pPr>
+              <a:defRPr sz="1600"/>
+            </a:lvl8pPr>
+            <a:lvl9pPr>
+              <a:defRPr sz="1600"/>
+            </a:lvl9pPr>
+          </a:lstStyle>
           <a:p>
             <a:pPr lvl="0"/>
             <a:r>
@@ -2111,18 +2196,13 @@
               <a:rPr lang="pt-PT"/>
               <a:t>Quinto nível</a:t>
             </a:r>
-          </a:p>
-        </p:txBody>
-      </p:sp>
-      <p:sp>
-        <p:nvSpPr>
-          <p:cNvPr id="5" name="Marcador de Posição do Texto 4">
-            <a:extLst>
-              <a:ext uri="{FF2B5EF4-FFF2-40B4-BE49-F238E27FC236}">
-                <a16:creationId xmlns:a16="http://schemas.microsoft.com/office/drawing/2014/main" id="{D21A91FA-0ACE-4C95-9B1E-C5490AA9C77B}"/>
-              </a:ext>
-            </a:extLst>
-          </p:cNvPr>
+            <a:endParaRPr lang="en-US" dirty="0"/>
+          </a:p>
+        </p:txBody>
+      </p:sp>
+      <p:sp>
+        <p:nvSpPr>
+          <p:cNvPr id="5" name="Text Placeholder 4"/>
           <p:cNvSpPr>
             <a:spLocks noGrp="1"/>
           </p:cNvSpPr>
@@ -2132,14 +2212,17 @@
         </p:nvSpPr>
         <p:spPr>
           <a:xfrm>
-            <a:off x="6172200" y="1681163"/>
-            <a:ext cx="5183188" cy="823912"/>
+            <a:off x="6269173" y="1999032"/>
+            <a:ext cx="4754880" cy="777240"/>
           </a:xfrm>
         </p:spPr>
         <p:txBody>
-          <a:bodyPr anchor="b"/>
+          <a:bodyPr anchor="ctr"/>
           <a:lstStyle>
             <a:lvl1pPr marL="0" indent="0">
+              <a:spcBef>
+                <a:spcPts val="0"/>
+              </a:spcBef>
               <a:buNone/>
               <a:defRPr sz="2400" b="1"/>
             </a:lvl1pPr>
@@ -2187,13 +2270,7 @@
       </p:sp>
       <p:sp>
         <p:nvSpPr>
-          <p:cNvPr id="6" name="Marcador de Posição de Conteúdo 5">
-            <a:extLst>
-              <a:ext uri="{FF2B5EF4-FFF2-40B4-BE49-F238E27FC236}">
-                <a16:creationId xmlns:a16="http://schemas.microsoft.com/office/drawing/2014/main" id="{A0B1F700-077D-48B3-85F6-96886EE9FDDD}"/>
-              </a:ext>
-            </a:extLst>
-          </p:cNvPr>
+          <p:cNvPr id="6" name="Content Placeholder 5"/>
           <p:cNvSpPr>
             <a:spLocks noGrp="1"/>
           </p:cNvSpPr>
@@ -2203,13 +2280,41 @@
         </p:nvSpPr>
         <p:spPr>
           <a:xfrm>
-            <a:off x="6172200" y="2505075"/>
-            <a:ext cx="5183188" cy="3684588"/>
+            <a:off x="6269173" y="2719322"/>
+            <a:ext cx="4754880" cy="3383280"/>
           </a:xfrm>
         </p:spPr>
         <p:txBody>
           <a:bodyPr/>
-          <a:lstStyle/>
+          <a:lstStyle>
+            <a:lvl1pPr>
+              <a:defRPr sz="2200"/>
+            </a:lvl1pPr>
+            <a:lvl2pPr>
+              <a:defRPr sz="2000"/>
+            </a:lvl2pPr>
+            <a:lvl3pPr>
+              <a:defRPr sz="1800"/>
+            </a:lvl3pPr>
+            <a:lvl4pPr>
+              <a:defRPr sz="1600"/>
+            </a:lvl4pPr>
+            <a:lvl5pPr>
+              <a:defRPr sz="1600"/>
+            </a:lvl5pPr>
+            <a:lvl6pPr>
+              <a:defRPr sz="1600"/>
+            </a:lvl6pPr>
+            <a:lvl7pPr>
+              <a:defRPr sz="1600"/>
+            </a:lvl7pPr>
+            <a:lvl8pPr>
+              <a:defRPr sz="1600"/>
+            </a:lvl8pPr>
+            <a:lvl9pPr>
+              <a:defRPr sz="1600"/>
+            </a:lvl9pPr>
+          </a:lstStyle>
           <a:p>
             <a:pPr lvl="0"/>
             <a:r>
@@ -2244,18 +2349,13 @@
               <a:rPr lang="pt-PT"/>
               <a:t>Quinto nível</a:t>
             </a:r>
-          </a:p>
-        </p:txBody>
-      </p:sp>
-      <p:sp>
-        <p:nvSpPr>
-          <p:cNvPr id="7" name="Marcador de Posição da Data 6">
-            <a:extLst>
-              <a:ext uri="{FF2B5EF4-FFF2-40B4-BE49-F238E27FC236}">
-                <a16:creationId xmlns:a16="http://schemas.microsoft.com/office/drawing/2014/main" id="{A07FC3E2-B25D-4C3E-B0B2-55115C88128B}"/>
-              </a:ext>
-            </a:extLst>
-          </p:cNvPr>
+            <a:endParaRPr lang="en-US" dirty="0"/>
+          </a:p>
+        </p:txBody>
+      </p:sp>
+      <p:sp>
+        <p:nvSpPr>
+          <p:cNvPr id="7" name="Date Placeholder 6"/>
           <p:cNvSpPr>
             <a:spLocks noGrp="1"/>
           </p:cNvSpPr>
@@ -2270,7 +2370,7 @@
           <a:p>
             <a:fld id="{D0C5E3A8-0447-4545-B48D-0E4810B15C6B}" type="datetimeFigureOut">
               <a:rPr lang="pt-PT" smtClean="0"/>
-              <a:t>29/07/2018</a:t>
+              <a:t>22/09/2018</a:t>
             </a:fld>
             <a:endParaRPr lang="pt-PT"/>
           </a:p>
@@ -2278,13 +2378,7 @@
       </p:sp>
       <p:sp>
         <p:nvSpPr>
-          <p:cNvPr id="8" name="Marcador de Posição do Rodapé 7">
-            <a:extLst>
-              <a:ext uri="{FF2B5EF4-FFF2-40B4-BE49-F238E27FC236}">
-                <a16:creationId xmlns:a16="http://schemas.microsoft.com/office/drawing/2014/main" id="{BBD10FA3-F35A-4114-85A8-ABBB39F2DE78}"/>
-              </a:ext>
-            </a:extLst>
-          </p:cNvPr>
+          <p:cNvPr id="8" name="Footer Placeholder 7"/>
           <p:cNvSpPr>
             <a:spLocks noGrp="1"/>
           </p:cNvSpPr>
@@ -2303,13 +2397,7 @@
       </p:sp>
       <p:sp>
         <p:nvSpPr>
-          <p:cNvPr id="9" name="Marcador de Posição do Número do Diapositivo 8">
-            <a:extLst>
-              <a:ext uri="{FF2B5EF4-FFF2-40B4-BE49-F238E27FC236}">
-                <a16:creationId xmlns:a16="http://schemas.microsoft.com/office/drawing/2014/main" id="{D408F4C3-F9B6-43AF-AA51-40404EFC740B}"/>
-              </a:ext>
-            </a:extLst>
-          </p:cNvPr>
+          <p:cNvPr id="9" name="Slide Number Placeholder 8"/>
           <p:cNvSpPr>
             <a:spLocks noGrp="1"/>
           </p:cNvSpPr>
@@ -2333,7 +2421,7 @@
     </p:spTree>
     <p:extLst>
       <p:ext uri="{BB962C8B-B14F-4D97-AF65-F5344CB8AC3E}">
-        <p14:creationId xmlns:p14="http://schemas.microsoft.com/office/powerpoint/2010/main" val="4025098494"/>
+        <p14:creationId xmlns:p14="http://schemas.microsoft.com/office/powerpoint/2010/main" val="271485906"/>
       </p:ext>
     </p:extLst>
   </p:cSld>
@@ -2362,13 +2450,7 @@
       </p:grpSpPr>
       <p:sp>
         <p:nvSpPr>
-          <p:cNvPr id="2" name="Título 1">
-            <a:extLst>
-              <a:ext uri="{FF2B5EF4-FFF2-40B4-BE49-F238E27FC236}">
-                <a16:creationId xmlns:a16="http://schemas.microsoft.com/office/drawing/2014/main" id="{A1ADDACF-691D-499A-A777-7F2BAD51AF0F}"/>
-              </a:ext>
-            </a:extLst>
-          </p:cNvPr>
+          <p:cNvPr id="2" name="Title 1"/>
           <p:cNvSpPr>
             <a:spLocks noGrp="1"/>
           </p:cNvSpPr>
@@ -2385,18 +2467,13 @@
               <a:rPr lang="pt-PT"/>
               <a:t>Clique para editar o estilo de título do Modelo Global</a:t>
             </a:r>
-          </a:p>
-        </p:txBody>
-      </p:sp>
-      <p:sp>
-        <p:nvSpPr>
-          <p:cNvPr id="3" name="Marcador de Posição da Data 2">
-            <a:extLst>
-              <a:ext uri="{FF2B5EF4-FFF2-40B4-BE49-F238E27FC236}">
-                <a16:creationId xmlns:a16="http://schemas.microsoft.com/office/drawing/2014/main" id="{C9C22106-EBCD-4B05-9DAC-8D662C3B7A0D}"/>
-              </a:ext>
-            </a:extLst>
-          </p:cNvPr>
+            <a:endParaRPr lang="en-US" dirty="0"/>
+          </a:p>
+        </p:txBody>
+      </p:sp>
+      <p:sp>
+        <p:nvSpPr>
+          <p:cNvPr id="3" name="Date Placeholder 2"/>
           <p:cNvSpPr>
             <a:spLocks noGrp="1"/>
           </p:cNvSpPr>
@@ -2411,7 +2488,7 @@
           <a:p>
             <a:fld id="{D0C5E3A8-0447-4545-B48D-0E4810B15C6B}" type="datetimeFigureOut">
               <a:rPr lang="pt-PT" smtClean="0"/>
-              <a:t>29/07/2018</a:t>
+              <a:t>22/09/2018</a:t>
             </a:fld>
             <a:endParaRPr lang="pt-PT"/>
           </a:p>
@@ -2419,13 +2496,7 @@
       </p:sp>
       <p:sp>
         <p:nvSpPr>
-          <p:cNvPr id="4" name="Marcador de Posição do Rodapé 3">
-            <a:extLst>
-              <a:ext uri="{FF2B5EF4-FFF2-40B4-BE49-F238E27FC236}">
-                <a16:creationId xmlns:a16="http://schemas.microsoft.com/office/drawing/2014/main" id="{B7C29077-38BA-4368-82CE-15C87B0AC9F8}"/>
-              </a:ext>
-            </a:extLst>
-          </p:cNvPr>
+          <p:cNvPr id="4" name="Footer Placeholder 3"/>
           <p:cNvSpPr>
             <a:spLocks noGrp="1"/>
           </p:cNvSpPr>
@@ -2444,13 +2515,7 @@
       </p:sp>
       <p:sp>
         <p:nvSpPr>
-          <p:cNvPr id="5" name="Marcador de Posição do Número do Diapositivo 4">
-            <a:extLst>
-              <a:ext uri="{FF2B5EF4-FFF2-40B4-BE49-F238E27FC236}">
-                <a16:creationId xmlns:a16="http://schemas.microsoft.com/office/drawing/2014/main" id="{03407A78-2359-4746-ABB4-37FF358D7635}"/>
-              </a:ext>
-            </a:extLst>
-          </p:cNvPr>
+          <p:cNvPr id="5" name="Slide Number Placeholder 4"/>
           <p:cNvSpPr>
             <a:spLocks noGrp="1"/>
           </p:cNvSpPr>
@@ -2474,7 +2539,7 @@
     </p:spTree>
     <p:extLst>
       <p:ext uri="{BB962C8B-B14F-4D97-AF65-F5344CB8AC3E}">
-        <p14:creationId xmlns:p14="http://schemas.microsoft.com/office/powerpoint/2010/main" val="1293789426"/>
+        <p14:creationId xmlns:p14="http://schemas.microsoft.com/office/powerpoint/2010/main" val="855930166"/>
       </p:ext>
     </p:extLst>
   </p:cSld>
@@ -2503,13 +2568,7 @@
       </p:grpSpPr>
       <p:sp>
         <p:nvSpPr>
-          <p:cNvPr id="2" name="Marcador de Posição da Data 1">
-            <a:extLst>
-              <a:ext uri="{FF2B5EF4-FFF2-40B4-BE49-F238E27FC236}">
-                <a16:creationId xmlns:a16="http://schemas.microsoft.com/office/drawing/2014/main" id="{6B978831-EFCC-48C5-8FA8-635F9C03E9E3}"/>
-              </a:ext>
-            </a:extLst>
-          </p:cNvPr>
+          <p:cNvPr id="2" name="Date Placeholder 1"/>
           <p:cNvSpPr>
             <a:spLocks noGrp="1"/>
           </p:cNvSpPr>
@@ -2524,7 +2583,7 @@
           <a:p>
             <a:fld id="{D0C5E3A8-0447-4545-B48D-0E4810B15C6B}" type="datetimeFigureOut">
               <a:rPr lang="pt-PT" smtClean="0"/>
-              <a:t>29/07/2018</a:t>
+              <a:t>22/09/2018</a:t>
             </a:fld>
             <a:endParaRPr lang="pt-PT"/>
           </a:p>
@@ -2532,13 +2591,7 @@
       </p:sp>
       <p:sp>
         <p:nvSpPr>
-          <p:cNvPr id="3" name="Marcador de Posição do Rodapé 2">
-            <a:extLst>
-              <a:ext uri="{FF2B5EF4-FFF2-40B4-BE49-F238E27FC236}">
-                <a16:creationId xmlns:a16="http://schemas.microsoft.com/office/drawing/2014/main" id="{EC1084F2-D532-40F8-8A60-7FFD03A6E672}"/>
-              </a:ext>
-            </a:extLst>
-          </p:cNvPr>
+          <p:cNvPr id="3" name="Footer Placeholder 2"/>
           <p:cNvSpPr>
             <a:spLocks noGrp="1"/>
           </p:cNvSpPr>
@@ -2557,13 +2610,7 @@
       </p:sp>
       <p:sp>
         <p:nvSpPr>
-          <p:cNvPr id="4" name="Marcador de Posição do Número do Diapositivo 3">
-            <a:extLst>
-              <a:ext uri="{FF2B5EF4-FFF2-40B4-BE49-F238E27FC236}">
-                <a16:creationId xmlns:a16="http://schemas.microsoft.com/office/drawing/2014/main" id="{2E3FACE6-C60F-481D-AFF2-BBCB74A9354B}"/>
-              </a:ext>
-            </a:extLst>
-          </p:cNvPr>
+          <p:cNvPr id="4" name="Slide Number Placeholder 3"/>
           <p:cNvSpPr>
             <a:spLocks noGrp="1"/>
           </p:cNvSpPr>
@@ -2587,7 +2634,7 @@
     </p:spTree>
     <p:extLst>
       <p:ext uri="{BB962C8B-B14F-4D97-AF65-F5344CB8AC3E}">
-        <p14:creationId xmlns:p14="http://schemas.microsoft.com/office/powerpoint/2010/main" val="1827730782"/>
+        <p14:creationId xmlns:p14="http://schemas.microsoft.com/office/powerpoint/2010/main" val="3171917655"/>
       </p:ext>
     </p:extLst>
   </p:cSld>
@@ -2616,13 +2663,7 @@
       </p:grpSpPr>
       <p:sp>
         <p:nvSpPr>
-          <p:cNvPr id="2" name="Título 1">
-            <a:extLst>
-              <a:ext uri="{FF2B5EF4-FFF2-40B4-BE49-F238E27FC236}">
-                <a16:creationId xmlns:a16="http://schemas.microsoft.com/office/drawing/2014/main" id="{D3A8ACE0-F1B7-457E-9491-F8D9C354440D}"/>
-              </a:ext>
-            </a:extLst>
-          </p:cNvPr>
+          <p:cNvPr id="2" name="Title 1"/>
           <p:cNvSpPr>
             <a:spLocks noGrp="1"/>
           </p:cNvSpPr>
@@ -2632,15 +2673,20 @@
         </p:nvSpPr>
         <p:spPr>
           <a:xfrm>
-            <a:off x="839788" y="457200"/>
-            <a:ext cx="3932237" cy="1600200"/>
+            <a:off x="1143000" y="1097280"/>
+            <a:ext cx="3931920" cy="1737360"/>
           </a:xfrm>
         </p:spPr>
         <p:txBody>
-          <a:bodyPr anchor="b"/>
+          <a:bodyPr anchor="b">
+            <a:noAutofit/>
+          </a:bodyPr>
           <a:lstStyle>
             <a:lvl1pPr>
-              <a:defRPr sz="3200"/>
+              <a:lnSpc>
+                <a:spcPct val="90000"/>
+              </a:lnSpc>
+              <a:defRPr sz="4000" b="0"/>
             </a:lvl1pPr>
           </a:lstStyle>
           <a:p>
@@ -2648,18 +2694,13 @@
               <a:rPr lang="pt-PT"/>
               <a:t>Clique para editar o estilo de título do Modelo Global</a:t>
             </a:r>
-          </a:p>
-        </p:txBody>
-      </p:sp>
-      <p:sp>
-        <p:nvSpPr>
-          <p:cNvPr id="3" name="Marcador de Posição de Conteúdo 2">
-            <a:extLst>
-              <a:ext uri="{FF2B5EF4-FFF2-40B4-BE49-F238E27FC236}">
-                <a16:creationId xmlns:a16="http://schemas.microsoft.com/office/drawing/2014/main" id="{02E3EEC9-90D5-40E5-ABA4-9A87C89E3183}"/>
-              </a:ext>
-            </a:extLst>
-          </p:cNvPr>
+            <a:endParaRPr lang="en-US" dirty="0"/>
+          </a:p>
+        </p:txBody>
+      </p:sp>
+      <p:sp>
+        <p:nvSpPr>
+          <p:cNvPr id="3" name="Content Placeholder 2"/>
           <p:cNvSpPr>
             <a:spLocks noGrp="1"/>
           </p:cNvSpPr>
@@ -2669,8 +2710,8 @@
         </p:nvSpPr>
         <p:spPr>
           <a:xfrm>
-            <a:off x="5183188" y="987425"/>
-            <a:ext cx="6172200" cy="4873625"/>
+            <a:off x="5852159" y="1097280"/>
+            <a:ext cx="5212080" cy="4663440"/>
           </a:xfrm>
         </p:spPr>
         <p:txBody>
@@ -2738,18 +2779,13 @@
               <a:rPr lang="pt-PT"/>
               <a:t>Quinto nível</a:t>
             </a:r>
-          </a:p>
-        </p:txBody>
-      </p:sp>
-      <p:sp>
-        <p:nvSpPr>
-          <p:cNvPr id="4" name="Marcador de Posição do Texto 3">
-            <a:extLst>
-              <a:ext uri="{FF2B5EF4-FFF2-40B4-BE49-F238E27FC236}">
-                <a16:creationId xmlns:a16="http://schemas.microsoft.com/office/drawing/2014/main" id="{C094D594-A2DB-48CB-B216-953136330443}"/>
-              </a:ext>
-            </a:extLst>
-          </p:cNvPr>
+            <a:endParaRPr lang="en-US" dirty="0"/>
+          </a:p>
+        </p:txBody>
+      </p:sp>
+      <p:sp>
+        <p:nvSpPr>
+          <p:cNvPr id="4" name="Text Placeholder 3"/>
           <p:cNvSpPr>
             <a:spLocks noGrp="1"/>
           </p:cNvSpPr>
@@ -2759,48 +2795,56 @@
         </p:nvSpPr>
         <p:spPr>
           <a:xfrm>
-            <a:off x="839788" y="2057400"/>
-            <a:ext cx="3932237" cy="3811588"/>
+            <a:off x="1143000" y="2834640"/>
+            <a:ext cx="3931920" cy="3017520"/>
           </a:xfrm>
         </p:spPr>
         <p:txBody>
-          <a:bodyPr/>
+          <a:bodyPr>
+            <a:normAutofit/>
+          </a:bodyPr>
           <a:lstStyle>
             <a:lvl1pPr marL="0" indent="0">
+              <a:lnSpc>
+                <a:spcPct val="100000"/>
+              </a:lnSpc>
+              <a:spcBef>
+                <a:spcPts val="1000"/>
+              </a:spcBef>
               <a:buNone/>
-              <a:defRPr sz="1600"/>
+              <a:defRPr sz="1700"/>
             </a:lvl1pPr>
             <a:lvl2pPr marL="457200" indent="0">
               <a:buNone/>
-              <a:defRPr sz="1400"/>
+              <a:defRPr sz="1200"/>
             </a:lvl2pPr>
             <a:lvl3pPr marL="914400" indent="0">
               <a:buNone/>
-              <a:defRPr sz="1200"/>
+              <a:defRPr sz="1000"/>
             </a:lvl3pPr>
             <a:lvl4pPr marL="1371600" indent="0">
               <a:buNone/>
-              <a:defRPr sz="1000"/>
+              <a:defRPr sz="900"/>
             </a:lvl4pPr>
             <a:lvl5pPr marL="1828800" indent="0">
               <a:buNone/>
-              <a:defRPr sz="1000"/>
+              <a:defRPr sz="900"/>
             </a:lvl5pPr>
             <a:lvl6pPr marL="2286000" indent="0">
               <a:buNone/>
-              <a:defRPr sz="1000"/>
+              <a:defRPr sz="900"/>
             </a:lvl6pPr>
             <a:lvl7pPr marL="2743200" indent="0">
               <a:buNone/>
-              <a:defRPr sz="1000"/>
+              <a:defRPr sz="900"/>
             </a:lvl7pPr>
             <a:lvl8pPr marL="3200400" indent="0">
               <a:buNone/>
-              <a:defRPr sz="1000"/>
+              <a:defRPr sz="900"/>
             </a:lvl8pPr>
             <a:lvl9pPr marL="3657600" indent="0">
               <a:buNone/>
-              <a:defRPr sz="1000"/>
+              <a:defRPr sz="900"/>
             </a:lvl9pPr>
           </a:lstStyle>
           <a:p>
@@ -2814,13 +2858,7 @@
       </p:sp>
       <p:sp>
         <p:nvSpPr>
-          <p:cNvPr id="5" name="Marcador de Posição da Data 4">
-            <a:extLst>
-              <a:ext uri="{FF2B5EF4-FFF2-40B4-BE49-F238E27FC236}">
-                <a16:creationId xmlns:a16="http://schemas.microsoft.com/office/drawing/2014/main" id="{F6F14E57-B229-49B7-8E23-E0EA3D9B47CD}"/>
-              </a:ext>
-            </a:extLst>
-          </p:cNvPr>
+          <p:cNvPr id="5" name="Date Placeholder 4"/>
           <p:cNvSpPr>
             <a:spLocks noGrp="1"/>
           </p:cNvSpPr>
@@ -2835,7 +2873,7 @@
           <a:p>
             <a:fld id="{D0C5E3A8-0447-4545-B48D-0E4810B15C6B}" type="datetimeFigureOut">
               <a:rPr lang="pt-PT" smtClean="0"/>
-              <a:t>29/07/2018</a:t>
+              <a:t>22/09/2018</a:t>
             </a:fld>
             <a:endParaRPr lang="pt-PT"/>
           </a:p>
@@ -2843,13 +2881,7 @@
       </p:sp>
       <p:sp>
         <p:nvSpPr>
-          <p:cNvPr id="6" name="Marcador de Posição do Rodapé 5">
-            <a:extLst>
-              <a:ext uri="{FF2B5EF4-FFF2-40B4-BE49-F238E27FC236}">
-                <a16:creationId xmlns:a16="http://schemas.microsoft.com/office/drawing/2014/main" id="{4AD933CA-2F35-496C-A12E-D60F5A2416D8}"/>
-              </a:ext>
-            </a:extLst>
-          </p:cNvPr>
+          <p:cNvPr id="6" name="Footer Placeholder 5"/>
           <p:cNvSpPr>
             <a:spLocks noGrp="1"/>
           </p:cNvSpPr>
@@ -2868,13 +2900,7 @@
       </p:sp>
       <p:sp>
         <p:nvSpPr>
-          <p:cNvPr id="7" name="Marcador de Posição do Número do Diapositivo 6">
-            <a:extLst>
-              <a:ext uri="{FF2B5EF4-FFF2-40B4-BE49-F238E27FC236}">
-                <a16:creationId xmlns:a16="http://schemas.microsoft.com/office/drawing/2014/main" id="{2D10C720-84A7-4A00-AC47-5B56889DBAAE}"/>
-              </a:ext>
-            </a:extLst>
-          </p:cNvPr>
+          <p:cNvPr id="7" name="Slide Number Placeholder 6"/>
           <p:cNvSpPr>
             <a:spLocks noGrp="1"/>
           </p:cNvSpPr>
@@ -2898,7 +2924,7 @@
     </p:spTree>
     <p:extLst>
       <p:ext uri="{BB962C8B-B14F-4D97-AF65-F5344CB8AC3E}">
-        <p14:creationId xmlns:p14="http://schemas.microsoft.com/office/powerpoint/2010/main" val="1971414414"/>
+        <p14:creationId xmlns:p14="http://schemas.microsoft.com/office/powerpoint/2010/main" val="3053701269"/>
       </p:ext>
     </p:extLst>
   </p:cSld>
@@ -2927,13 +2953,7 @@
       </p:grpSpPr>
       <p:sp>
         <p:nvSpPr>
-          <p:cNvPr id="2" name="Título 1">
-            <a:extLst>
-              <a:ext uri="{FF2B5EF4-FFF2-40B4-BE49-F238E27FC236}">
-                <a16:creationId xmlns:a16="http://schemas.microsoft.com/office/drawing/2014/main" id="{3E538F70-A11F-4AB0-ACB3-15BC1F9AC200}"/>
-              </a:ext>
-            </a:extLst>
-          </p:cNvPr>
+          <p:cNvPr id="2" name="Title 1"/>
           <p:cNvSpPr>
             <a:spLocks noGrp="1"/>
           </p:cNvSpPr>
@@ -2943,15 +2963,20 @@
         </p:nvSpPr>
         <p:spPr>
           <a:xfrm>
-            <a:off x="839788" y="457200"/>
-            <a:ext cx="3932237" cy="1600200"/>
+            <a:off x="1143000" y="1097280"/>
+            <a:ext cx="3931920" cy="1737360"/>
           </a:xfrm>
         </p:spPr>
         <p:txBody>
-          <a:bodyPr anchor="b"/>
+          <a:bodyPr anchor="b">
+            <a:noAutofit/>
+          </a:bodyPr>
           <a:lstStyle>
             <a:lvl1pPr>
-              <a:defRPr sz="3200"/>
+              <a:lnSpc>
+                <a:spcPct val="90000"/>
+              </a:lnSpc>
+              <a:defRPr sz="4000" b="0"/>
             </a:lvl1pPr>
           </a:lstStyle>
           <a:p>
@@ -2959,20 +2984,15 @@
               <a:rPr lang="pt-PT"/>
               <a:t>Clique para editar o estilo de título do Modelo Global</a:t>
             </a:r>
-          </a:p>
-        </p:txBody>
-      </p:sp>
-      <p:sp>
-        <p:nvSpPr>
-          <p:cNvPr id="3" name="Marcador de Posição da Imagem 2">
-            <a:extLst>
-              <a:ext uri="{FF2B5EF4-FFF2-40B4-BE49-F238E27FC236}">
-                <a16:creationId xmlns:a16="http://schemas.microsoft.com/office/drawing/2014/main" id="{246C2300-CF7B-49A5-874B-A8EF2C7EF13F}"/>
-              </a:ext>
-            </a:extLst>
-          </p:cNvPr>
-          <p:cNvSpPr>
-            <a:spLocks noGrp="1"/>
+            <a:endParaRPr lang="en-US" dirty="0"/>
+          </a:p>
+        </p:txBody>
+      </p:sp>
+      <p:sp>
+        <p:nvSpPr>
+          <p:cNvPr id="3" name="Picture Placeholder 2"/>
+          <p:cNvSpPr>
+            <a:spLocks noGrp="1" noChangeAspect="1"/>
           </p:cNvSpPr>
           <p:nvPr>
             <p:ph type="pic" idx="1"/>
@@ -2980,16 +3000,18 @@
         </p:nvSpPr>
         <p:spPr>
           <a:xfrm>
-            <a:off x="5183188" y="987425"/>
-            <a:ext cx="6172200" cy="4873625"/>
+            <a:off x="5413248" y="1069847"/>
+            <a:ext cx="6099048" cy="4800600"/>
           </a:xfrm>
         </p:spPr>
         <p:txBody>
-          <a:bodyPr/>
+          <a:bodyPr lIns="274320" tIns="182880" anchor="t">
+            <a:normAutofit/>
+          </a:bodyPr>
           <a:lstStyle>
             <a:lvl1pPr marL="0" indent="0">
               <a:buNone/>
-              <a:defRPr sz="3200"/>
+              <a:defRPr sz="2800"/>
             </a:lvl1pPr>
             <a:lvl2pPr marL="457200" indent="0">
               <a:buNone/>
@@ -3025,19 +3047,17 @@
             </a:lvl9pPr>
           </a:lstStyle>
           <a:p>
-            <a:endParaRPr lang="pt-PT"/>
-          </a:p>
-        </p:txBody>
-      </p:sp>
-      <p:sp>
-        <p:nvSpPr>
-          <p:cNvPr id="4" name="Marcador de Posição do Texto 3">
-            <a:extLst>
-              <a:ext uri="{FF2B5EF4-FFF2-40B4-BE49-F238E27FC236}">
-                <a16:creationId xmlns:a16="http://schemas.microsoft.com/office/drawing/2014/main" id="{FB93114F-E8E5-4266-89D8-1E1559E36F61}"/>
-              </a:ext>
-            </a:extLst>
-          </p:cNvPr>
+            <a:r>
+              <a:rPr lang="pt-PT"/>
+              <a:t>Clique no ícone para adicionar uma imagem</a:t>
+            </a:r>
+            <a:endParaRPr lang="en-US" dirty="0"/>
+          </a:p>
+        </p:txBody>
+      </p:sp>
+      <p:sp>
+        <p:nvSpPr>
+          <p:cNvPr id="4" name="Text Placeholder 3"/>
           <p:cNvSpPr>
             <a:spLocks noGrp="1"/>
           </p:cNvSpPr>
@@ -3047,48 +3067,56 @@
         </p:nvSpPr>
         <p:spPr>
           <a:xfrm>
-            <a:off x="839788" y="2057400"/>
-            <a:ext cx="3932237" cy="3811588"/>
+            <a:off x="1143000" y="2834640"/>
+            <a:ext cx="3931920" cy="2880360"/>
           </a:xfrm>
         </p:spPr>
         <p:txBody>
-          <a:bodyPr/>
+          <a:bodyPr>
+            <a:normAutofit/>
+          </a:bodyPr>
           <a:lstStyle>
             <a:lvl1pPr marL="0" indent="0">
+              <a:lnSpc>
+                <a:spcPct val="100000"/>
+              </a:lnSpc>
+              <a:spcBef>
+                <a:spcPts val="1000"/>
+              </a:spcBef>
               <a:buNone/>
-              <a:defRPr sz="1600"/>
+              <a:defRPr sz="1700"/>
             </a:lvl1pPr>
             <a:lvl2pPr marL="457200" indent="0">
               <a:buNone/>
-              <a:defRPr sz="1400"/>
+              <a:defRPr sz="1200"/>
             </a:lvl2pPr>
             <a:lvl3pPr marL="914400" indent="0">
               <a:buNone/>
-              <a:defRPr sz="1200"/>
+              <a:defRPr sz="1000"/>
             </a:lvl3pPr>
             <a:lvl4pPr marL="1371600" indent="0">
               <a:buNone/>
-              <a:defRPr sz="1000"/>
+              <a:defRPr sz="900"/>
             </a:lvl4pPr>
             <a:lvl5pPr marL="1828800" indent="0">
               <a:buNone/>
-              <a:defRPr sz="1000"/>
+              <a:defRPr sz="900"/>
             </a:lvl5pPr>
             <a:lvl6pPr marL="2286000" indent="0">
               <a:buNone/>
-              <a:defRPr sz="1000"/>
+              <a:defRPr sz="900"/>
             </a:lvl6pPr>
             <a:lvl7pPr marL="2743200" indent="0">
               <a:buNone/>
-              <a:defRPr sz="1000"/>
+              <a:defRPr sz="900"/>
             </a:lvl7pPr>
             <a:lvl8pPr marL="3200400" indent="0">
               <a:buNone/>
-              <a:defRPr sz="1000"/>
+              <a:defRPr sz="900"/>
             </a:lvl8pPr>
             <a:lvl9pPr marL="3657600" indent="0">
               <a:buNone/>
-              <a:defRPr sz="1000"/>
+              <a:defRPr sz="900"/>
             </a:lvl9pPr>
           </a:lstStyle>
           <a:p>
@@ -3102,13 +3130,7 @@
       </p:sp>
       <p:sp>
         <p:nvSpPr>
-          <p:cNvPr id="5" name="Marcador de Posição da Data 4">
-            <a:extLst>
-              <a:ext uri="{FF2B5EF4-FFF2-40B4-BE49-F238E27FC236}">
-                <a16:creationId xmlns:a16="http://schemas.microsoft.com/office/drawing/2014/main" id="{482A0896-3E14-45A9-8F40-AC2258EB6252}"/>
-              </a:ext>
-            </a:extLst>
-          </p:cNvPr>
+          <p:cNvPr id="5" name="Date Placeholder 4"/>
           <p:cNvSpPr>
             <a:spLocks noGrp="1"/>
           </p:cNvSpPr>
@@ -3123,7 +3145,7 @@
           <a:p>
             <a:fld id="{D0C5E3A8-0447-4545-B48D-0E4810B15C6B}" type="datetimeFigureOut">
               <a:rPr lang="pt-PT" smtClean="0"/>
-              <a:t>29/07/2018</a:t>
+              <a:t>22/09/2018</a:t>
             </a:fld>
             <a:endParaRPr lang="pt-PT"/>
           </a:p>
@@ -3131,13 +3153,7 @@
       </p:sp>
       <p:sp>
         <p:nvSpPr>
-          <p:cNvPr id="6" name="Marcador de Posição do Rodapé 5">
-            <a:extLst>
-              <a:ext uri="{FF2B5EF4-FFF2-40B4-BE49-F238E27FC236}">
-                <a16:creationId xmlns:a16="http://schemas.microsoft.com/office/drawing/2014/main" id="{353DB9DD-D26F-405A-9414-F258720CF03E}"/>
-              </a:ext>
-            </a:extLst>
-          </p:cNvPr>
+          <p:cNvPr id="6" name="Footer Placeholder 5"/>
           <p:cNvSpPr>
             <a:spLocks noGrp="1"/>
           </p:cNvSpPr>
@@ -3156,13 +3172,7 @@
       </p:sp>
       <p:sp>
         <p:nvSpPr>
-          <p:cNvPr id="7" name="Marcador de Posição do Número do Diapositivo 6">
-            <a:extLst>
-              <a:ext uri="{FF2B5EF4-FFF2-40B4-BE49-F238E27FC236}">
-                <a16:creationId xmlns:a16="http://schemas.microsoft.com/office/drawing/2014/main" id="{E235C3FD-F829-49BC-A4CC-373E47EF30F2}"/>
-              </a:ext>
-            </a:extLst>
-          </p:cNvPr>
+          <p:cNvPr id="7" name="Slide Number Placeholder 6"/>
           <p:cNvSpPr>
             <a:spLocks noGrp="1"/>
           </p:cNvSpPr>
@@ -3186,7 +3196,7 @@
     </p:spTree>
     <p:extLst>
       <p:ext uri="{BB962C8B-B14F-4D97-AF65-F5344CB8AC3E}">
-        <p14:creationId xmlns:p14="http://schemas.microsoft.com/office/powerpoint/2010/main" val="2480577014"/>
+        <p14:creationId xmlns:p14="http://schemas.microsoft.com/office/powerpoint/2010/main" val="3681309183"/>
       </p:ext>
     </p:extLst>
   </p:cSld>
@@ -3200,9 +3210,12 @@
 <p:sldMaster xmlns:a="http://schemas.openxmlformats.org/drawingml/2006/main" xmlns:r="http://schemas.openxmlformats.org/officeDocument/2006/relationships" xmlns:p="http://schemas.openxmlformats.org/presentationml/2006/main">
   <p:cSld>
     <p:bg>
-      <p:bgRef idx="1001">
-        <a:schemeClr val="bg1"/>
-      </p:bgRef>
+      <p:bgPr>
+        <a:solidFill>
+          <a:schemeClr val="accent1"/>
+        </a:solidFill>
+        <a:effectLst/>
+      </p:bgPr>
     </p:bg>
     <p:spTree>
       <p:nvGrpSpPr>
@@ -3220,24 +3233,58 @@
       </p:grpSpPr>
       <p:sp>
         <p:nvSpPr>
-          <p:cNvPr id="2" name="Marcador de Posição do Título 1">
-            <a:extLst>
-              <a:ext uri="{FF2B5EF4-FFF2-40B4-BE49-F238E27FC236}">
-                <a16:creationId xmlns:a16="http://schemas.microsoft.com/office/drawing/2014/main" id="{68782497-DD07-4925-B3E0-E426F915A13F}"/>
-              </a:ext>
-            </a:extLst>
-          </p:cNvPr>
-          <p:cNvSpPr>
-            <a:spLocks noGrp="1"/>
-          </p:cNvSpPr>
-          <p:nvPr>
-            <p:ph type="title"/>
-          </p:nvPr>
+          <p:cNvPr id="7" name="Rectangle 6"/>
+          <p:cNvSpPr>
+            <a:spLocks noChangeAspect="1"/>
+          </p:cNvSpPr>
+          <p:nvPr/>
         </p:nvSpPr>
         <p:spPr>
           <a:xfrm>
-            <a:off x="838200" y="365125"/>
-            <a:ext cx="10515600" cy="1325563"/>
+            <a:off x="231140" y="243840"/>
+            <a:ext cx="11724640" cy="6377939"/>
+          </a:xfrm>
+          <a:prstGeom prst="rect">
+            <a:avLst/>
+          </a:prstGeom>
+          <a:solidFill>
+            <a:schemeClr val="bg1"/>
+          </a:solidFill>
+          <a:ln w="12700">
+            <a:noFill/>
+          </a:ln>
+        </p:spPr>
+        <p:style>
+          <a:lnRef idx="2">
+            <a:schemeClr val="accent1">
+              <a:shade val="50000"/>
+            </a:schemeClr>
+          </a:lnRef>
+          <a:fillRef idx="1">
+            <a:schemeClr val="accent1"/>
+          </a:fillRef>
+          <a:effectRef idx="0">
+            <a:schemeClr val="accent1"/>
+          </a:effectRef>
+          <a:fontRef idx="minor">
+            <a:schemeClr val="lt1"/>
+          </a:fontRef>
+        </p:style>
+      </p:sp>
+      <p:sp>
+        <p:nvSpPr>
+          <p:cNvPr id="2" name="Title Placeholder 1"/>
+          <p:cNvSpPr>
+            <a:spLocks noGrp="1"/>
+          </p:cNvSpPr>
+          <p:nvPr>
+            <p:ph type="title"/>
+          </p:nvPr>
+        </p:nvSpPr>
+        <p:spPr>
+          <a:xfrm>
+            <a:off x="1143000" y="609600"/>
+            <a:ext cx="9875520" cy="1356360"/>
           </a:xfrm>
           <a:prstGeom prst="rect">
             <a:avLst/>
@@ -3253,18 +3300,13 @@
               <a:rPr lang="pt-PT"/>
               <a:t>Clique para editar o estilo de título do Modelo Global</a:t>
             </a:r>
-          </a:p>
-        </p:txBody>
-      </p:sp>
-      <p:sp>
-        <p:nvSpPr>
-          <p:cNvPr id="3" name="Marcador de Posição do Texto 2">
-            <a:extLst>
-              <a:ext uri="{FF2B5EF4-FFF2-40B4-BE49-F238E27FC236}">
-                <a16:creationId xmlns:a16="http://schemas.microsoft.com/office/drawing/2014/main" id="{2E2F13C8-1E3E-4168-9BC1-50527D74EE62}"/>
-              </a:ext>
-            </a:extLst>
-          </p:cNvPr>
+            <a:endParaRPr lang="en-US" dirty="0"/>
+          </a:p>
+        </p:txBody>
+      </p:sp>
+      <p:sp>
+        <p:nvSpPr>
+          <p:cNvPr id="3" name="Text Placeholder 2"/>
           <p:cNvSpPr>
             <a:spLocks noGrp="1"/>
           </p:cNvSpPr>
@@ -3274,8 +3316,8 @@
         </p:nvSpPr>
         <p:spPr>
           <a:xfrm>
-            <a:off x="838200" y="1825625"/>
-            <a:ext cx="10515600" cy="4351338"/>
+            <a:off x="1143000" y="2057400"/>
+            <a:ext cx="9872871" cy="4038600"/>
           </a:xfrm>
           <a:prstGeom prst="rect">
             <a:avLst/>
@@ -3320,18 +3362,13 @@
               <a:rPr lang="pt-PT"/>
               <a:t>Quinto nível</a:t>
             </a:r>
-          </a:p>
-        </p:txBody>
-      </p:sp>
-      <p:sp>
-        <p:nvSpPr>
-          <p:cNvPr id="4" name="Marcador de Posição da Data 3">
-            <a:extLst>
-              <a:ext uri="{FF2B5EF4-FFF2-40B4-BE49-F238E27FC236}">
-                <a16:creationId xmlns:a16="http://schemas.microsoft.com/office/drawing/2014/main" id="{84678C51-4A85-42B6-B0F6-F4B4809AD085}"/>
-              </a:ext>
-            </a:extLst>
-          </p:cNvPr>
+            <a:endParaRPr lang="en-US" dirty="0"/>
+          </a:p>
+        </p:txBody>
+      </p:sp>
+      <p:sp>
+        <p:nvSpPr>
+          <p:cNvPr id="4" name="Date Placeholder 3"/>
           <p:cNvSpPr>
             <a:spLocks noGrp="1"/>
           </p:cNvSpPr>
@@ -3341,8 +3378,8 @@
         </p:nvSpPr>
         <p:spPr>
           <a:xfrm>
-            <a:off x="838200" y="6356350"/>
-            <a:ext cx="2743200" cy="365125"/>
+            <a:off x="1142996" y="6223828"/>
+            <a:ext cx="2329074" cy="365125"/>
           </a:xfrm>
           <a:prstGeom prst="rect">
             <a:avLst/>
@@ -3354,9 +3391,7 @@
             <a:lvl1pPr algn="l">
               <a:defRPr sz="1200">
                 <a:solidFill>
-                  <a:schemeClr val="tx1">
-                    <a:tint val="75000"/>
-                  </a:schemeClr>
+                  <a:schemeClr val="accent1"/>
                 </a:solidFill>
               </a:defRPr>
             </a:lvl1pPr>
@@ -3364,7 +3399,7 @@
           <a:p>
             <a:fld id="{D0C5E3A8-0447-4545-B48D-0E4810B15C6B}" type="datetimeFigureOut">
               <a:rPr lang="pt-PT" smtClean="0"/>
-              <a:t>29/07/2018</a:t>
+              <a:t>22/09/2018</a:t>
             </a:fld>
             <a:endParaRPr lang="pt-PT"/>
           </a:p>
@@ -3372,13 +3407,7 @@
       </p:sp>
       <p:sp>
         <p:nvSpPr>
-          <p:cNvPr id="5" name="Marcador de Posição do Rodapé 4">
-            <a:extLst>
-              <a:ext uri="{FF2B5EF4-FFF2-40B4-BE49-F238E27FC236}">
-                <a16:creationId xmlns:a16="http://schemas.microsoft.com/office/drawing/2014/main" id="{50664CE8-1AC8-4A4C-BF92-DE8FE9430689}"/>
-              </a:ext>
-            </a:extLst>
-          </p:cNvPr>
+          <p:cNvPr id="5" name="Footer Placeholder 4"/>
           <p:cNvSpPr>
             <a:spLocks noGrp="1"/>
           </p:cNvSpPr>
@@ -3388,8 +3417,8 @@
         </p:nvSpPr>
         <p:spPr>
           <a:xfrm>
-            <a:off x="4038600" y="6356350"/>
-            <a:ext cx="4114800" cy="365125"/>
+            <a:off x="3949148" y="6223828"/>
+            <a:ext cx="4717774" cy="365125"/>
           </a:xfrm>
           <a:prstGeom prst="rect">
             <a:avLst/>
@@ -3401,9 +3430,7 @@
             <a:lvl1pPr algn="ctr">
               <a:defRPr sz="1200">
                 <a:solidFill>
-                  <a:schemeClr val="tx1">
-                    <a:tint val="75000"/>
-                  </a:schemeClr>
+                  <a:schemeClr val="accent1"/>
                 </a:solidFill>
               </a:defRPr>
             </a:lvl1pPr>
@@ -3415,13 +3442,7 @@
       </p:sp>
       <p:sp>
         <p:nvSpPr>
-          <p:cNvPr id="6" name="Marcador de Posição do Número do Diapositivo 5">
-            <a:extLst>
-              <a:ext uri="{FF2B5EF4-FFF2-40B4-BE49-F238E27FC236}">
-                <a16:creationId xmlns:a16="http://schemas.microsoft.com/office/drawing/2014/main" id="{EB49CA3C-EF3B-48AF-BE84-86D41A81F4DB}"/>
-              </a:ext>
-            </a:extLst>
-          </p:cNvPr>
+          <p:cNvPr id="6" name="Slide Number Placeholder 5"/>
           <p:cNvSpPr>
             <a:spLocks noGrp="1"/>
           </p:cNvSpPr>
@@ -3431,8 +3452,8 @@
         </p:nvSpPr>
         <p:spPr>
           <a:xfrm>
-            <a:off x="8610600" y="6356350"/>
-            <a:ext cx="2743200" cy="365125"/>
+            <a:off x="9329530" y="6223828"/>
+            <a:ext cx="1706217" cy="365125"/>
           </a:xfrm>
           <a:prstGeom prst="rect">
             <a:avLst/>
@@ -3444,9 +3465,7 @@
             <a:lvl1pPr algn="r">
               <a:defRPr sz="1200">
                 <a:solidFill>
-                  <a:schemeClr val="tx1">
-                    <a:tint val="75000"/>
-                  </a:schemeClr>
+                  <a:schemeClr val="accent1"/>
                 </a:solidFill>
               </a:defRPr>
             </a:lvl1pPr>
@@ -3463,23 +3482,23 @@
     </p:spTree>
     <p:extLst>
       <p:ext uri="{BB962C8B-B14F-4D97-AF65-F5344CB8AC3E}">
-        <p14:creationId xmlns:p14="http://schemas.microsoft.com/office/powerpoint/2010/main" val="1752879043"/>
+        <p14:creationId xmlns:p14="http://schemas.microsoft.com/office/powerpoint/2010/main" val="2014890470"/>
       </p:ext>
     </p:extLst>
   </p:cSld>
   <p:clrMap bg1="lt1" tx1="dk1" bg2="lt2" tx2="dk2" accent1="accent1" accent2="accent2" accent3="accent3" accent4="accent4" accent5="accent5" accent6="accent6" hlink="hlink" folHlink="folHlink"/>
   <p:sldLayoutIdLst>
-    <p:sldLayoutId id="2147483649" r:id="rId1"/>
-    <p:sldLayoutId id="2147483650" r:id="rId2"/>
-    <p:sldLayoutId id="2147483651" r:id="rId3"/>
-    <p:sldLayoutId id="2147483652" r:id="rId4"/>
-    <p:sldLayoutId id="2147483653" r:id="rId5"/>
-    <p:sldLayoutId id="2147483654" r:id="rId6"/>
-    <p:sldLayoutId id="2147483655" r:id="rId7"/>
-    <p:sldLayoutId id="2147483656" r:id="rId8"/>
-    <p:sldLayoutId id="2147483657" r:id="rId9"/>
-    <p:sldLayoutId id="2147483658" r:id="rId10"/>
-    <p:sldLayoutId id="2147483659" r:id="rId11"/>
+    <p:sldLayoutId id="2147483802" r:id="rId1"/>
+    <p:sldLayoutId id="2147483803" r:id="rId2"/>
+    <p:sldLayoutId id="2147483804" r:id="rId3"/>
+    <p:sldLayoutId id="2147483805" r:id="rId4"/>
+    <p:sldLayoutId id="2147483806" r:id="rId5"/>
+    <p:sldLayoutId id="2147483807" r:id="rId6"/>
+    <p:sldLayoutId id="2147483808" r:id="rId7"/>
+    <p:sldLayoutId id="2147483809" r:id="rId8"/>
+    <p:sldLayoutId id="2147483810" r:id="rId9"/>
+    <p:sldLayoutId id="2147483811" r:id="rId10"/>
+    <p:sldLayoutId id="2147483812" r:id="rId11"/>
   </p:sldLayoutIdLst>
   <p:txStyles>
     <p:titleStyle>
@@ -3493,7 +3512,7 @@
         <a:buNone/>
         <a:defRPr sz="4400" kern="1200">
           <a:solidFill>
-            <a:schemeClr val="tx1"/>
+            <a:schemeClr val="accent1"/>
           </a:solidFill>
           <a:latin typeface="+mj-lt"/>
           <a:ea typeface="+mj-ea"/>
@@ -3502,162 +3521,222 @@
       </a:lvl1pPr>
     </p:titleStyle>
     <p:bodyStyle>
-      <a:lvl1pPr marL="228600" indent="-228600" algn="l" defTabSz="914400" rtl="0" eaLnBrk="1" latinLnBrk="0" hangingPunct="1">
+      <a:lvl1pPr marL="228600" indent="-182880" algn="l" defTabSz="914400" rtl="0" eaLnBrk="1" latinLnBrk="0" hangingPunct="1">
         <a:lnSpc>
           <a:spcPct val="90000"/>
         </a:lnSpc>
         <a:spcBef>
-          <a:spcPts val="1000"/>
+          <a:spcPts val="1400"/>
         </a:spcBef>
-        <a:buFont typeface="Arial" panose="020B0604020202020204" pitchFamily="34" charset="0"/>
+        <a:buClr>
+          <a:schemeClr val="accent1"/>
+        </a:buClr>
+        <a:buSzPct val="80000"/>
+        <a:buFont typeface="Corbel" pitchFamily="34" charset="0"/>
         <a:buChar char="•"/>
-        <a:defRPr sz="2800" kern="1200">
+        <a:defRPr sz="2200" kern="1200">
           <a:solidFill>
-            <a:schemeClr val="tx1"/>
+            <a:schemeClr val="accent1"/>
           </a:solidFill>
           <a:latin typeface="+mn-lt"/>
           <a:ea typeface="+mn-ea"/>
           <a:cs typeface="+mn-cs"/>
         </a:defRPr>
       </a:lvl1pPr>
-      <a:lvl2pPr marL="685800" indent="-228600" algn="l" defTabSz="914400" rtl="0" eaLnBrk="1" latinLnBrk="0" hangingPunct="1">
+      <a:lvl2pPr marL="457200" indent="-182880" algn="l" defTabSz="914400" rtl="0" eaLnBrk="1" latinLnBrk="0" hangingPunct="1">
         <a:lnSpc>
           <a:spcPct val="90000"/>
         </a:lnSpc>
         <a:spcBef>
-          <a:spcPts val="500"/>
+          <a:spcPts val="200"/>
         </a:spcBef>
-        <a:buFont typeface="Arial" panose="020B0604020202020204" pitchFamily="34" charset="0"/>
+        <a:spcAft>
+          <a:spcPts val="400"/>
+        </a:spcAft>
+        <a:buClr>
+          <a:schemeClr val="accent1"/>
+        </a:buClr>
+        <a:buSzPct val="80000"/>
+        <a:buFont typeface="Corbel" pitchFamily="34" charset="0"/>
         <a:buChar char="•"/>
-        <a:defRPr sz="2400" kern="1200">
+        <a:defRPr sz="2000" kern="1200">
           <a:solidFill>
-            <a:schemeClr val="tx1"/>
+            <a:schemeClr val="accent1"/>
           </a:solidFill>
           <a:latin typeface="+mn-lt"/>
           <a:ea typeface="+mn-ea"/>
           <a:cs typeface="+mn-cs"/>
         </a:defRPr>
       </a:lvl2pPr>
-      <a:lvl3pPr marL="1143000" indent="-228600" algn="l" defTabSz="914400" rtl="0" eaLnBrk="1" latinLnBrk="0" hangingPunct="1">
+      <a:lvl3pPr marL="731520" indent="-182880" algn="l" defTabSz="914400" rtl="0" eaLnBrk="1" latinLnBrk="0" hangingPunct="1">
         <a:lnSpc>
           <a:spcPct val="90000"/>
         </a:lnSpc>
         <a:spcBef>
-          <a:spcPts val="500"/>
+          <a:spcPts val="200"/>
         </a:spcBef>
-        <a:buFont typeface="Arial" panose="020B0604020202020204" pitchFamily="34" charset="0"/>
+        <a:spcAft>
+          <a:spcPts val="400"/>
+        </a:spcAft>
+        <a:buClr>
+          <a:schemeClr val="accent1"/>
+        </a:buClr>
+        <a:buSzPct val="80000"/>
+        <a:buFont typeface="Corbel" pitchFamily="34" charset="0"/>
         <a:buChar char="•"/>
-        <a:defRPr sz="2000" kern="1200">
+        <a:defRPr sz="1800" kern="1200">
           <a:solidFill>
-            <a:schemeClr val="tx1"/>
+            <a:schemeClr val="accent1"/>
           </a:solidFill>
           <a:latin typeface="+mn-lt"/>
           <a:ea typeface="+mn-ea"/>
           <a:cs typeface="+mn-cs"/>
         </a:defRPr>
       </a:lvl3pPr>
-      <a:lvl4pPr marL="1600200" indent="-228600" algn="l" defTabSz="914400" rtl="0" eaLnBrk="1" latinLnBrk="0" hangingPunct="1">
+      <a:lvl4pPr marL="1005840" indent="-182880" algn="l" defTabSz="914400" rtl="0" eaLnBrk="1" latinLnBrk="0" hangingPunct="1">
         <a:lnSpc>
           <a:spcPct val="90000"/>
         </a:lnSpc>
         <a:spcBef>
-          <a:spcPts val="500"/>
+          <a:spcPts val="200"/>
         </a:spcBef>
-        <a:buFont typeface="Arial" panose="020B0604020202020204" pitchFamily="34" charset="0"/>
+        <a:spcAft>
+          <a:spcPts val="400"/>
+        </a:spcAft>
+        <a:buClr>
+          <a:schemeClr val="accent1"/>
+        </a:buClr>
+        <a:buSzPct val="80000"/>
+        <a:buFont typeface="Corbel" pitchFamily="34" charset="0"/>
         <a:buChar char="•"/>
-        <a:defRPr sz="1800" kern="1200">
+        <a:defRPr sz="1600" kern="1200">
           <a:solidFill>
-            <a:schemeClr val="tx1"/>
+            <a:schemeClr val="accent1"/>
           </a:solidFill>
           <a:latin typeface="+mn-lt"/>
           <a:ea typeface="+mn-ea"/>
           <a:cs typeface="+mn-cs"/>
         </a:defRPr>
       </a:lvl4pPr>
-      <a:lvl5pPr marL="2057400" indent="-228600" algn="l" defTabSz="914400" rtl="0" eaLnBrk="1" latinLnBrk="0" hangingPunct="1">
+      <a:lvl5pPr marL="1280160" indent="-182880" algn="l" defTabSz="914400" rtl="0" eaLnBrk="1" latinLnBrk="0" hangingPunct="1">
         <a:lnSpc>
           <a:spcPct val="90000"/>
         </a:lnSpc>
         <a:spcBef>
-          <a:spcPts val="500"/>
+          <a:spcPts val="200"/>
         </a:spcBef>
-        <a:buFont typeface="Arial" panose="020B0604020202020204" pitchFamily="34" charset="0"/>
+        <a:spcAft>
+          <a:spcPts val="400"/>
+        </a:spcAft>
+        <a:buClr>
+          <a:schemeClr val="accent1"/>
+        </a:buClr>
+        <a:buSzPct val="80000"/>
+        <a:buFont typeface="Corbel" pitchFamily="34" charset="0"/>
         <a:buChar char="•"/>
-        <a:defRPr sz="1800" kern="1200">
+        <a:defRPr sz="1600" kern="1200">
           <a:solidFill>
-            <a:schemeClr val="tx1"/>
+            <a:schemeClr val="accent1"/>
           </a:solidFill>
           <a:latin typeface="+mn-lt"/>
           <a:ea typeface="+mn-ea"/>
           <a:cs typeface="+mn-cs"/>
         </a:defRPr>
       </a:lvl5pPr>
-      <a:lvl6pPr marL="2514600" indent="-228600" algn="l" defTabSz="914400" rtl="0" eaLnBrk="1" latinLnBrk="0" hangingPunct="1">
+      <a:lvl6pPr marL="1600000" indent="-228600" algn="l" defTabSz="914400" rtl="0" eaLnBrk="1" latinLnBrk="0" hangingPunct="1">
         <a:lnSpc>
           <a:spcPct val="90000"/>
         </a:lnSpc>
         <a:spcBef>
-          <a:spcPts val="500"/>
+          <a:spcPts val="200"/>
         </a:spcBef>
-        <a:buFont typeface="Arial" panose="020B0604020202020204" pitchFamily="34" charset="0"/>
+        <a:spcAft>
+          <a:spcPts val="400"/>
+        </a:spcAft>
+        <a:buClr>
+          <a:schemeClr val="accent1"/>
+        </a:buClr>
+        <a:buSzPct val="80000"/>
+        <a:buFont typeface="Corbel" pitchFamily="34" charset="0"/>
         <a:buChar char="•"/>
-        <a:defRPr sz="1800" kern="1200">
+        <a:defRPr sz="1600" kern="1200">
           <a:solidFill>
-            <a:schemeClr val="tx1"/>
+            <a:schemeClr val="accent1"/>
           </a:solidFill>
           <a:latin typeface="+mn-lt"/>
           <a:ea typeface="+mn-ea"/>
           <a:cs typeface="+mn-cs"/>
         </a:defRPr>
       </a:lvl6pPr>
-      <a:lvl7pPr marL="2971800" indent="-228600" algn="l" defTabSz="914400" rtl="0" eaLnBrk="1" latinLnBrk="0" hangingPunct="1">
+      <a:lvl7pPr marL="1900000" indent="-228600" algn="l" defTabSz="914400" rtl="0" eaLnBrk="1" latinLnBrk="0" hangingPunct="1">
         <a:lnSpc>
           <a:spcPct val="90000"/>
         </a:lnSpc>
         <a:spcBef>
-          <a:spcPts val="500"/>
+          <a:spcPts val="200"/>
         </a:spcBef>
-        <a:buFont typeface="Arial" panose="020B0604020202020204" pitchFamily="34" charset="0"/>
+        <a:spcAft>
+          <a:spcPts val="400"/>
+        </a:spcAft>
+        <a:buClr>
+          <a:schemeClr val="accent1"/>
+        </a:buClr>
+        <a:buSzPct val="80000"/>
+        <a:buFont typeface="Corbel" pitchFamily="34" charset="0"/>
         <a:buChar char="•"/>
-        <a:defRPr sz="1800" kern="1200">
+        <a:defRPr sz="1600" kern="1200">
           <a:solidFill>
-            <a:schemeClr val="tx1"/>
+            <a:schemeClr val="accent1"/>
           </a:solidFill>
           <a:latin typeface="+mn-lt"/>
           <a:ea typeface="+mn-ea"/>
           <a:cs typeface="+mn-cs"/>
         </a:defRPr>
       </a:lvl7pPr>
-      <a:lvl8pPr marL="3429000" indent="-228600" algn="l" defTabSz="914400" rtl="0" eaLnBrk="1" latinLnBrk="0" hangingPunct="1">
+      <a:lvl8pPr marL="2200000" indent="-228600" algn="l" defTabSz="914400" rtl="0" eaLnBrk="1" latinLnBrk="0" hangingPunct="1">
         <a:lnSpc>
           <a:spcPct val="90000"/>
         </a:lnSpc>
         <a:spcBef>
-          <a:spcPts val="500"/>
+          <a:spcPts val="200"/>
         </a:spcBef>
-        <a:buFont typeface="Arial" panose="020B0604020202020204" pitchFamily="34" charset="0"/>
+        <a:spcAft>
+          <a:spcPts val="400"/>
+        </a:spcAft>
+        <a:buClr>
+          <a:schemeClr val="accent1"/>
+        </a:buClr>
+        <a:buSzPct val="80000"/>
+        <a:buFont typeface="Corbel" pitchFamily="34" charset="0"/>
         <a:buChar char="•"/>
-        <a:defRPr sz="1800" kern="1200">
+        <a:defRPr sz="1600" kern="1200">
           <a:solidFill>
-            <a:schemeClr val="tx1"/>
+            <a:schemeClr val="accent1"/>
           </a:solidFill>
           <a:latin typeface="+mn-lt"/>
           <a:ea typeface="+mn-ea"/>
           <a:cs typeface="+mn-cs"/>
         </a:defRPr>
       </a:lvl8pPr>
-      <a:lvl9pPr marL="3886200" indent="-228600" algn="l" defTabSz="914400" rtl="0" eaLnBrk="1" latinLnBrk="0" hangingPunct="1">
+      <a:lvl9pPr marL="2500000" indent="-228600" algn="l" defTabSz="914400" rtl="0" eaLnBrk="1" latinLnBrk="0" hangingPunct="1">
         <a:lnSpc>
           <a:spcPct val="90000"/>
         </a:lnSpc>
         <a:spcBef>
-          <a:spcPts val="500"/>
+          <a:spcPts val="200"/>
         </a:spcBef>
-        <a:buFont typeface="Arial" panose="020B0604020202020204" pitchFamily="34" charset="0"/>
+        <a:spcAft>
+          <a:spcPts val="400"/>
+        </a:spcAft>
+        <a:buClr>
+          <a:schemeClr val="accent1"/>
+        </a:buClr>
+        <a:buSzPct val="80000"/>
+        <a:buFont typeface="Corbel" pitchFamily="34" charset="0"/>
         <a:buChar char="•"/>
-        <a:defRPr sz="1800" kern="1200">
+        <a:defRPr sz="1600" kern="1200">
           <a:solidFill>
-            <a:schemeClr val="tx1"/>
+            <a:schemeClr val="accent1"/>
           </a:solidFill>
           <a:latin typeface="+mn-lt"/>
           <a:ea typeface="+mn-ea"/>
@@ -3667,7 +3746,7 @@
     </p:bodyStyle>
     <p:otherStyle>
       <a:defPPr>
-        <a:defRPr lang="pt-PT"/>
+        <a:defRPr lang="en-US"/>
       </a:defPPr>
       <a:lvl1pPr marL="0" algn="l" defTabSz="914400" rtl="0" eaLnBrk="1" latinLnBrk="0" hangingPunct="1">
         <a:defRPr sz="1800" kern="1200">
@@ -3847,13 +3926,16 @@
         </p:spPr>
         <p:txBody>
           <a:bodyPr>
-            <a:normAutofit/>
+            <a:normAutofit fontScale="92500" lnSpcReduction="20000"/>
           </a:bodyPr>
           <a:lstStyle/>
           <a:p>
+            <a:endParaRPr lang="pt-PT" dirty="0"/>
+          </a:p>
+          <a:p>
             <a:r>
               <a:rPr lang="pt-PT" dirty="0"/>
-              <a:t>LEIC – Projeto e Seminário 1718</a:t>
+              <a:t>LEIC – Projeto e Seminário 2017/2018</a:t>
             </a:r>
           </a:p>
           <a:p>
@@ -3949,10 +4031,10 @@
       </p:sp>
       <p:pic>
         <p:nvPicPr>
-          <p:cNvPr id="5" name="Marcador de Posição de Conteúdo 4">
+          <p:cNvPr id="6" name="Marcador de Posição de Conteúdo 5">
             <a:extLst>
               <a:ext uri="{FF2B5EF4-FFF2-40B4-BE49-F238E27FC236}">
-                <a16:creationId xmlns:a16="http://schemas.microsoft.com/office/drawing/2014/main" id="{A440926E-2FDD-4E61-BE9A-F751BCF774ED}"/>
+                <a16:creationId xmlns:a16="http://schemas.microsoft.com/office/drawing/2014/main" id="{0D86D657-38D2-45AF-AC56-78B0B122E781}"/>
               </a:ext>
             </a:extLst>
           </p:cNvPr>
@@ -3977,8 +4059,8 @@
         </p:blipFill>
         <p:spPr>
           <a:xfrm>
-            <a:off x="3170004" y="1825625"/>
-            <a:ext cx="5851991" cy="4351338"/>
+            <a:off x="2973078" y="1575582"/>
+            <a:ext cx="6107782" cy="4987460"/>
           </a:xfrm>
         </p:spPr>
       </p:pic>
@@ -4028,7 +4110,12 @@
             <p:ph type="title"/>
           </p:nvPr>
         </p:nvSpPr>
-        <p:spPr/>
+        <p:spPr>
+          <a:xfrm>
+            <a:off x="1082040" y="230114"/>
+            <a:ext cx="9875520" cy="1356360"/>
+          </a:xfrm>
+        </p:spPr>
         <p:txBody>
           <a:bodyPr/>
           <a:lstStyle/>
@@ -4082,7 +4169,7 @@
         </p:blipFill>
         <p:spPr>
           <a:xfrm>
-            <a:off x="838200" y="1417662"/>
+            <a:off x="838200" y="1586474"/>
             <a:ext cx="5181600" cy="2300630"/>
           </a:xfrm>
         </p:spPr>
@@ -4150,7 +4237,7 @@
         </p:blipFill>
         <p:spPr>
           <a:xfrm>
-            <a:off x="6605956" y="1417662"/>
+            <a:off x="6605956" y="1586474"/>
             <a:ext cx="5181600" cy="2300630"/>
           </a:xfrm>
           <a:prstGeom prst="rect">
@@ -4246,8 +4333,8 @@
           <a:lstStyle/>
           <a:p>
             <a:r>
-              <a:rPr lang="pt-PT" dirty="0"/>
-              <a:t>Interação – novo Candidato</a:t>
+              <a:rPr lang="pt-PT" b="1" dirty="0"/>
+              <a:t>Interação – Novo Candidato</a:t>
             </a:r>
           </a:p>
         </p:txBody>
@@ -4282,8 +4369,8 @@
         </p:blipFill>
         <p:spPr>
           <a:xfrm>
-            <a:off x="2776154" y="1924099"/>
-            <a:ext cx="6639691" cy="4351338"/>
+            <a:off x="2400298" y="1645921"/>
+            <a:ext cx="7391404" cy="4843975"/>
           </a:xfrm>
         </p:spPr>
       </p:pic>
@@ -4339,7 +4426,7 @@
           <a:lstStyle/>
           <a:p>
             <a:r>
-              <a:rPr lang="pt-PT" dirty="0"/>
+              <a:rPr lang="pt-PT" b="1" dirty="0"/>
               <a:t>Interação – novo Candidato</a:t>
             </a:r>
           </a:p>
@@ -4403,8 +4490,8 @@
         </p:blipFill>
         <p:spPr>
           <a:xfrm>
-            <a:off x="884678" y="3561447"/>
-            <a:ext cx="5068007" cy="1571844"/>
+            <a:off x="1143000" y="3675935"/>
+            <a:ext cx="4754563" cy="1474629"/>
           </a:xfrm>
         </p:spPr>
       </p:pic>
@@ -4466,8 +4553,8 @@
         </p:blipFill>
         <p:spPr>
           <a:xfrm>
-            <a:off x="6172200" y="3376217"/>
-            <a:ext cx="5183188" cy="1942304"/>
+            <a:off x="6269038" y="3520026"/>
+            <a:ext cx="4754562" cy="1781685"/>
           </a:xfrm>
         </p:spPr>
       </p:pic>
@@ -4523,7 +4610,7 @@
           <a:lstStyle/>
           <a:p>
             <a:r>
-              <a:rPr lang="pt-PT" dirty="0"/>
+              <a:rPr lang="pt-PT" b="1" dirty="0"/>
               <a:t>Interação – Vaga e Candidatura</a:t>
             </a:r>
           </a:p>
@@ -4531,10 +4618,10 @@
       </p:sp>
       <p:pic>
         <p:nvPicPr>
-          <p:cNvPr id="5" name="Marcador de Posição de Conteúdo 4" descr="Uma imagem com texto, mapa&#10;&#10;Descrição gerada com confiança muito alta">
+          <p:cNvPr id="7" name="Marcador de Posição de Conteúdo 6" descr="Uma imagem com mapa, texto&#10;&#10;Descrição gerada com confiança muito alta">
             <a:extLst>
               <a:ext uri="{FF2B5EF4-FFF2-40B4-BE49-F238E27FC236}">
-                <a16:creationId xmlns:a16="http://schemas.microsoft.com/office/drawing/2014/main" id="{F6316725-3AD5-4EC4-A1C3-95C94F5E6DE3}"/>
+                <a16:creationId xmlns:a16="http://schemas.microsoft.com/office/drawing/2014/main" id="{53505968-40B4-4027-B810-35961734EF96}"/>
               </a:ext>
             </a:extLst>
           </p:cNvPr>
@@ -4559,8 +4646,8 @@
         </p:blipFill>
         <p:spPr>
           <a:xfrm>
-            <a:off x="3666441" y="1825624"/>
-            <a:ext cx="4640066" cy="5032376"/>
+            <a:off x="3888611" y="1602544"/>
+            <a:ext cx="4414778" cy="4645856"/>
           </a:xfrm>
         </p:spPr>
       </p:pic>
@@ -4616,7 +4703,7 @@
           <a:lstStyle/>
           <a:p>
             <a:r>
-              <a:rPr lang="pt-PT" dirty="0"/>
+              <a:rPr lang="pt-PT" b="1" dirty="0"/>
               <a:t>Interação – Vaga e Candidatura</a:t>
             </a:r>
           </a:p>
@@ -4638,7 +4725,12 @@
             <p:ph type="body" idx="1"/>
           </p:nvPr>
         </p:nvSpPr>
-        <p:spPr/>
+        <p:spPr>
+          <a:xfrm>
+            <a:off x="1203310" y="1577340"/>
+            <a:ext cx="4754880" cy="777240"/>
+          </a:xfrm>
+        </p:spPr>
         <p:txBody>
           <a:bodyPr/>
           <a:lstStyle/>
@@ -4680,8 +4772,8 @@
         </p:blipFill>
         <p:spPr>
           <a:xfrm>
-            <a:off x="1004153" y="2603549"/>
-            <a:ext cx="4829055" cy="3684588"/>
+            <a:off x="1302370" y="2720975"/>
+            <a:ext cx="4435822" cy="3384550"/>
           </a:xfrm>
         </p:spPr>
       </p:pic>
@@ -4701,24 +4793,29 @@
             <p:ph type="body" sz="quarter" idx="3"/>
           </p:nvPr>
         </p:nvSpPr>
-        <p:spPr/>
+        <p:spPr>
+          <a:xfrm>
+            <a:off x="6096000" y="1577340"/>
+            <a:ext cx="4754880" cy="777240"/>
+          </a:xfrm>
+        </p:spPr>
         <p:txBody>
           <a:bodyPr/>
           <a:lstStyle/>
           <a:p>
             <a:r>
               <a:rPr lang="pt-PT" dirty="0"/>
-              <a:t>Pesquisar Vaga</a:t>
+              <a:t>Continuar Candidatura</a:t>
             </a:r>
           </a:p>
         </p:txBody>
       </p:sp>
       <p:pic>
         <p:nvPicPr>
-          <p:cNvPr id="19" name="Marcador de Posição de Conteúdo 18">
+          <p:cNvPr id="9" name="Marcador de Posição de Conteúdo 11" descr="Uma imagem com mapa&#10;&#10;Descrição gerada com confiança muito alta">
             <a:extLst>
               <a:ext uri="{FF2B5EF4-FFF2-40B4-BE49-F238E27FC236}">
-                <a16:creationId xmlns:a16="http://schemas.microsoft.com/office/drawing/2014/main" id="{209E9B75-51B4-4AF7-8C30-14208B0EB9B1}"/>
+                <a16:creationId xmlns:a16="http://schemas.microsoft.com/office/drawing/2014/main" id="{5D47F12B-DB12-4D50-A01E-7DD6D8420749}"/>
               </a:ext>
             </a:extLst>
           </p:cNvPr>
@@ -4743,45 +4840,9 @@
         </p:blipFill>
         <p:spPr>
           <a:xfrm>
-            <a:off x="6194427" y="2564375"/>
-            <a:ext cx="5183188" cy="1881468"/>
+            <a:off x="6057250" y="2279705"/>
+            <a:ext cx="5676888" cy="4267090"/>
           </a:xfrm>
-        </p:spPr>
-      </p:pic>
-      <p:pic>
-        <p:nvPicPr>
-          <p:cNvPr id="21" name="Imagem 20" descr="Uma imagem com texto, mapa&#10;&#10;Descrição gerada com confiança muito alta">
-            <a:extLst>
-              <a:ext uri="{FF2B5EF4-FFF2-40B4-BE49-F238E27FC236}">
-                <a16:creationId xmlns:a16="http://schemas.microsoft.com/office/drawing/2014/main" id="{46244C0B-DB1D-4CEA-9B9A-AAEAA7EF0EE6}"/>
-              </a:ext>
-            </a:extLst>
-          </p:cNvPr>
-          <p:cNvPicPr>
-            <a:picLocks noChangeAspect="1"/>
-          </p:cNvPicPr>
-          <p:nvPr/>
-        </p:nvPicPr>
-        <p:blipFill>
-          <a:blip r:embed="rId4">
-            <a:extLst>
-              <a:ext uri="{28A0092B-C50C-407E-A947-70E740481C1C}">
-                <a14:useLocalDpi xmlns:a14="http://schemas.microsoft.com/office/drawing/2010/main" val="0"/>
-              </a:ext>
-            </a:extLst>
-          </a:blip>
-          <a:stretch>
-            <a:fillRect/>
-          </a:stretch>
-        </p:blipFill>
-        <p:spPr>
-          <a:xfrm>
-            <a:off x="6358794" y="4445843"/>
-            <a:ext cx="4715533" cy="2362530"/>
-          </a:xfrm>
-          <a:prstGeom prst="rect">
-            <a:avLst/>
-          </a:prstGeom>
         </p:spPr>
       </p:pic>
     </p:spTree>
@@ -4816,10 +4877,10 @@
       </p:grpSpPr>
       <p:sp>
         <p:nvSpPr>
-          <p:cNvPr id="4" name="Título 3">
+          <p:cNvPr id="2" name="Título 1">
             <a:extLst>
               <a:ext uri="{FF2B5EF4-FFF2-40B4-BE49-F238E27FC236}">
-                <a16:creationId xmlns:a16="http://schemas.microsoft.com/office/drawing/2014/main" id="{2B32078D-0409-484A-97AE-E259BAC3E843}"/>
+                <a16:creationId xmlns:a16="http://schemas.microsoft.com/office/drawing/2014/main" id="{6E32D5B5-37CB-4923-9757-FBB043F95545}"/>
               </a:ext>
             </a:extLst>
           </p:cNvPr>
@@ -4836,54 +4897,31 @@
           <a:lstStyle/>
           <a:p>
             <a:r>
-              <a:rPr lang="pt-PT" dirty="0"/>
-              <a:t>Interação – Vaga e Candidatura</a:t>
-            </a:r>
-          </a:p>
-        </p:txBody>
-      </p:sp>
-      <p:sp>
-        <p:nvSpPr>
-          <p:cNvPr id="5" name="Marcador de Posição do Texto 4">
-            <a:extLst>
-              <a:ext uri="{FF2B5EF4-FFF2-40B4-BE49-F238E27FC236}">
-                <a16:creationId xmlns:a16="http://schemas.microsoft.com/office/drawing/2014/main" id="{1EAB4FEF-17C9-42B0-8519-425401BBC642}"/>
-              </a:ext>
-            </a:extLst>
-          </p:cNvPr>
-          <p:cNvSpPr>
-            <a:spLocks noGrp="1"/>
-          </p:cNvSpPr>
-          <p:nvPr>
-            <p:ph type="body" idx="1"/>
-          </p:nvPr>
-        </p:nvSpPr>
-        <p:spPr/>
-        <p:txBody>
-          <a:bodyPr/>
-          <a:lstStyle/>
-          <a:p>
-            <a:r>
-              <a:rPr lang="pt-PT" dirty="0"/>
-              <a:t>Continuar Candidatura</a:t>
-            </a:r>
+              <a:rPr lang="pt-PT" b="1" dirty="0"/>
+              <a:t>Testes – </a:t>
+            </a:r>
+            <a:r>
+              <a:rPr lang="pt-PT" b="1" dirty="0" err="1"/>
+              <a:t>Accão</a:t>
+            </a:r>
+            <a:endParaRPr lang="pt-PT" b="1" dirty="0"/>
           </a:p>
         </p:txBody>
       </p:sp>
       <p:pic>
         <p:nvPicPr>
-          <p:cNvPr id="10" name="Marcador de Posição de Conteúdo 9" descr="Uma imagem com mapa, texto&#10;&#10;Descrição gerada com confiança muito alta">
+          <p:cNvPr id="15" name="Marcador de Posição de Conteúdo 14" descr="C:\Users\Diogo\AppData\Local\Microsoft\Windows\INetCache\Content.Word\candidatura espo.png">
             <a:extLst>
               <a:ext uri="{FF2B5EF4-FFF2-40B4-BE49-F238E27FC236}">
-                <a16:creationId xmlns:a16="http://schemas.microsoft.com/office/drawing/2014/main" id="{820928B1-D5F3-4D8F-8333-DB896EA5D8EB}"/>
+                <a16:creationId xmlns:a16="http://schemas.microsoft.com/office/drawing/2014/main" id="{8F22BC38-C7A8-4749-93E8-831C509E5CE9}"/>
               </a:ext>
             </a:extLst>
           </p:cNvPr>
           <p:cNvPicPr>
-            <a:picLocks noGrp="1" noChangeAspect="1"/>
+            <a:picLocks noGrp="1"/>
           </p:cNvPicPr>
           <p:nvPr>
-            <p:ph sz="half" idx="2"/>
+            <p:ph idx="1"/>
           </p:nvPr>
         </p:nvPicPr>
         <p:blipFill>
@@ -4898,80 +4936,62 @@
             <a:fillRect/>
           </a:stretch>
         </p:blipFill>
+        <p:spPr bwMode="auto">
+          <a:xfrm>
+            <a:off x="1857494" y="1987684"/>
+            <a:ext cx="5794137" cy="4038600"/>
+          </a:xfrm>
+          <a:prstGeom prst="rect">
+            <a:avLst/>
+          </a:prstGeom>
+          <a:noFill/>
+          <a:ln>
+            <a:noFill/>
+          </a:ln>
+        </p:spPr>
+      </p:pic>
+      <p:sp>
+        <p:nvSpPr>
+          <p:cNvPr id="4" name="Marcador de Posição de Conteúdo 3">
+            <a:extLst>
+              <a:ext uri="{FF2B5EF4-FFF2-40B4-BE49-F238E27FC236}">
+                <a16:creationId xmlns:a16="http://schemas.microsoft.com/office/drawing/2014/main" id="{612B09FE-F0AA-4984-BF7A-31C0EBACDCA5}"/>
+              </a:ext>
+            </a:extLst>
+          </p:cNvPr>
+          <p:cNvSpPr>
+            <a:spLocks noGrp="1"/>
+          </p:cNvSpPr>
+          <p:nvPr>
+            <p:ph sz="quarter" idx="4294967295"/>
+          </p:nvPr>
+        </p:nvSpPr>
         <p:spPr>
           <a:xfrm>
-            <a:off x="1558703" y="2628713"/>
-            <a:ext cx="3719956" cy="4155432"/>
+            <a:off x="7437438" y="2719388"/>
+            <a:ext cx="4754562" cy="3382962"/>
           </a:xfrm>
         </p:spPr>
-      </p:pic>
-      <p:sp>
-        <p:nvSpPr>
-          <p:cNvPr id="7" name="Marcador de Posição do Texto 6">
-            <a:extLst>
-              <a:ext uri="{FF2B5EF4-FFF2-40B4-BE49-F238E27FC236}">
-                <a16:creationId xmlns:a16="http://schemas.microsoft.com/office/drawing/2014/main" id="{5622E1C3-35BE-4EEF-A06C-57021866BE18}"/>
-              </a:ext>
-            </a:extLst>
-          </p:cNvPr>
-          <p:cNvSpPr>
-            <a:spLocks noGrp="1"/>
-          </p:cNvSpPr>
-          <p:nvPr>
-            <p:ph type="body" sz="quarter" idx="3"/>
-          </p:nvPr>
-        </p:nvSpPr>
-        <p:spPr/>
-        <p:txBody>
-          <a:bodyPr/>
-          <a:lstStyle/>
-          <a:p>
-            <a:r>
-              <a:rPr lang="pt-PT"/>
-              <a:t>Marcar Entrevista</a:t>
-            </a:r>
-          </a:p>
-        </p:txBody>
-      </p:sp>
-      <p:pic>
-        <p:nvPicPr>
-          <p:cNvPr id="12" name="Marcador de Posição de Conteúdo 11" descr="Uma imagem com mapa&#10;&#10;Descrição gerada com confiança muito alta">
-            <a:extLst>
-              <a:ext uri="{FF2B5EF4-FFF2-40B4-BE49-F238E27FC236}">
-                <a16:creationId xmlns:a16="http://schemas.microsoft.com/office/drawing/2014/main" id="{E0B474E0-A16D-42D1-86B2-5FDCE11853D5}"/>
-              </a:ext>
-            </a:extLst>
-          </p:cNvPr>
-          <p:cNvPicPr>
-            <a:picLocks noGrp="1" noChangeAspect="1"/>
-          </p:cNvPicPr>
-          <p:nvPr>
-            <p:ph sz="quarter" idx="4"/>
-          </p:nvPr>
-        </p:nvPicPr>
-        <p:blipFill>
-          <a:blip r:embed="rId3">
-            <a:extLst>
-              <a:ext uri="{28A0092B-C50C-407E-A947-70E740481C1C}">
-                <a14:useLocalDpi xmlns:a14="http://schemas.microsoft.com/office/drawing/2010/main" val="0"/>
-              </a:ext>
-            </a:extLst>
-          </a:blip>
-          <a:stretch>
-            <a:fillRect/>
-          </a:stretch>
-        </p:blipFill>
-        <p:spPr>
-          <a:xfrm>
-            <a:off x="6312827" y="2740497"/>
-            <a:ext cx="4901934" cy="3684588"/>
-          </a:xfrm>
-        </p:spPr>
-      </p:pic>
+        <p:txBody>
+          <a:bodyPr>
+            <a:normAutofit/>
+          </a:bodyPr>
+          <a:lstStyle/>
+          <a:p>
+            <a:endParaRPr lang="pt-PT" dirty="0"/>
+          </a:p>
+          <a:p>
+            <a:endParaRPr lang="pt-PT" dirty="0"/>
+          </a:p>
+          <a:p>
+            <a:endParaRPr lang="pt-PT" dirty="0"/>
+          </a:p>
+        </p:txBody>
+      </p:sp>
     </p:spTree>
     <p:extLst>
       <p:ext uri="{BB962C8B-B14F-4D97-AF65-F5344CB8AC3E}">
-        <p14:creationId xmlns:p14="http://schemas.microsoft.com/office/powerpoint/2010/main" val="2769592408"/>
+        <p14:creationId xmlns:p14="http://schemas.microsoft.com/office/powerpoint/2010/main" val="2653467689"/>
       </p:ext>
     </p:extLst>
   </p:cSld>
@@ -5000,10 +5020,10 @@
       </p:grpSpPr>
       <p:sp>
         <p:nvSpPr>
-          <p:cNvPr id="2" name="Título 1">
+          <p:cNvPr id="7" name="Título 6">
             <a:extLst>
               <a:ext uri="{FF2B5EF4-FFF2-40B4-BE49-F238E27FC236}">
-                <a16:creationId xmlns:a16="http://schemas.microsoft.com/office/drawing/2014/main" id="{6E32D5B5-37CB-4923-9757-FBB043F95545}"/>
+                <a16:creationId xmlns:a16="http://schemas.microsoft.com/office/drawing/2014/main" id="{86EE5D73-46F2-4FF0-AAD8-0D261A95B0AD}"/>
               </a:ext>
             </a:extLst>
           </p:cNvPr>
@@ -5021,17 +5041,17 @@
           <a:p>
             <a:r>
               <a:rPr lang="pt-PT" dirty="0"/>
-              <a:t>Testes</a:t>
-            </a:r>
-          </a:p>
-        </p:txBody>
-      </p:sp>
-      <p:sp>
-        <p:nvSpPr>
-          <p:cNvPr id="17" name="Marcador de Posição do Texto 16">
+              <a:t>Testes – Resultados Esperados</a:t>
+            </a:r>
+          </a:p>
+        </p:txBody>
+      </p:sp>
+      <p:sp>
+        <p:nvSpPr>
+          <p:cNvPr id="8" name="Marcador de Posição de Conteúdo 7">
             <a:extLst>
               <a:ext uri="{FF2B5EF4-FFF2-40B4-BE49-F238E27FC236}">
-                <a16:creationId xmlns:a16="http://schemas.microsoft.com/office/drawing/2014/main" id="{1A95F92D-5485-418B-B198-A1AEF9940607}"/>
+                <a16:creationId xmlns:a16="http://schemas.microsoft.com/office/drawing/2014/main" id="{28CAE83C-6B31-4F29-BE38-279F79A5D806}"/>
               </a:ext>
             </a:extLst>
           </p:cNvPr>
@@ -5039,41 +5059,31 @@
             <a:spLocks noGrp="1"/>
           </p:cNvSpPr>
           <p:nvPr>
-            <p:ph type="body" idx="1"/>
-          </p:nvPr>
-        </p:nvSpPr>
-        <p:spPr>
-          <a:xfrm>
-            <a:off x="836612" y="1353980"/>
-            <a:ext cx="5157787" cy="823912"/>
-          </a:xfrm>
-        </p:spPr>
+            <p:ph idx="1"/>
+          </p:nvPr>
+        </p:nvSpPr>
+        <p:spPr/>
         <p:txBody>
           <a:bodyPr/>
           <a:lstStyle/>
           <a:p>
-            <a:r>
-              <a:rPr lang="pt-PT" dirty="0"/>
-              <a:t>Acão</a:t>
-            </a:r>
+            <a:endParaRPr lang="pt-PT" dirty="0"/>
           </a:p>
         </p:txBody>
       </p:sp>
       <p:pic>
         <p:nvPicPr>
-          <p:cNvPr id="15" name="Marcador de Posição de Conteúdo 14" descr="C:\Users\Diogo\AppData\Local\Microsoft\Windows\INetCache\Content.Word\candidatura espo.png">
+          <p:cNvPr id="9" name="Imagem 8" descr="Uma imagem com captura de ecrã&#10;&#10;Descrição gerada com confiança muito alta">
             <a:extLst>
               <a:ext uri="{FF2B5EF4-FFF2-40B4-BE49-F238E27FC236}">
-                <a16:creationId xmlns:a16="http://schemas.microsoft.com/office/drawing/2014/main" id="{8F22BC38-C7A8-4749-93E8-831C509E5CE9}"/>
+                <a16:creationId xmlns:a16="http://schemas.microsoft.com/office/drawing/2014/main" id="{DF328E42-4B53-4DE8-8758-928A10035354}"/>
               </a:ext>
             </a:extLst>
           </p:cNvPr>
           <p:cNvPicPr>
-            <a:picLocks noGrp="1"/>
+            <a:picLocks noChangeAspect="1"/>
           </p:cNvPicPr>
-          <p:nvPr>
-            <p:ph sz="half" idx="2"/>
-          </p:nvPr>
+          <p:nvPr/>
         </p:nvPicPr>
         <p:blipFill>
           <a:blip r:embed="rId2">
@@ -5087,92 +5097,22 @@
             <a:fillRect/>
           </a:stretch>
         </p:blipFill>
-        <p:spPr bwMode="auto">
+        <p:spPr>
           <a:xfrm>
-            <a:off x="836612" y="2282556"/>
-            <a:ext cx="4899830" cy="3372656"/>
+            <a:off x="1093178" y="1788963"/>
+            <a:ext cx="6729827" cy="977636"/>
           </a:xfrm>
           <a:prstGeom prst="rect">
             <a:avLst/>
           </a:prstGeom>
-          <a:noFill/>
-          <a:ln>
-            <a:noFill/>
-          </a:ln>
         </p:spPr>
       </p:pic>
-      <p:sp>
-        <p:nvSpPr>
-          <p:cNvPr id="18" name="Marcador de Posição do Texto 17">
-            <a:extLst>
-              <a:ext uri="{FF2B5EF4-FFF2-40B4-BE49-F238E27FC236}">
-                <a16:creationId xmlns:a16="http://schemas.microsoft.com/office/drawing/2014/main" id="{C6DB82B9-EB11-4045-97CF-E73102489EB3}"/>
-              </a:ext>
-            </a:extLst>
-          </p:cNvPr>
-          <p:cNvSpPr>
-            <a:spLocks noGrp="1"/>
-          </p:cNvSpPr>
-          <p:nvPr>
-            <p:ph type="body" sz="quarter" idx="3"/>
-          </p:nvPr>
-        </p:nvSpPr>
-        <p:spPr>
-          <a:xfrm>
-            <a:off x="6172200" y="1353980"/>
-            <a:ext cx="5183188" cy="823912"/>
-          </a:xfrm>
-        </p:spPr>
-        <p:txBody>
-          <a:bodyPr/>
-          <a:lstStyle/>
-          <a:p>
-            <a:r>
-              <a:rPr lang="pt-PT" dirty="0"/>
-              <a:t>Resultado Esperado</a:t>
-            </a:r>
-          </a:p>
-        </p:txBody>
-      </p:sp>
-      <p:sp>
-        <p:nvSpPr>
-          <p:cNvPr id="4" name="Marcador de Posição de Conteúdo 3">
-            <a:extLst>
-              <a:ext uri="{FF2B5EF4-FFF2-40B4-BE49-F238E27FC236}">
-                <a16:creationId xmlns:a16="http://schemas.microsoft.com/office/drawing/2014/main" id="{612B09FE-F0AA-4984-BF7A-31C0EBACDCA5}"/>
-              </a:ext>
-            </a:extLst>
-          </p:cNvPr>
-          <p:cNvSpPr>
-            <a:spLocks noGrp="1"/>
-          </p:cNvSpPr>
-          <p:nvPr>
-            <p:ph sz="quarter" idx="4"/>
-          </p:nvPr>
-        </p:nvSpPr>
-        <p:spPr/>
-        <p:txBody>
-          <a:bodyPr>
-            <a:normAutofit/>
-          </a:bodyPr>
-          <a:lstStyle/>
-          <a:p>
-            <a:endParaRPr lang="pt-PT" dirty="0"/>
-          </a:p>
-          <a:p>
-            <a:endParaRPr lang="pt-PT" dirty="0"/>
-          </a:p>
-          <a:p>
-            <a:endParaRPr lang="pt-PT" dirty="0"/>
-          </a:p>
-        </p:txBody>
-      </p:sp>
       <p:pic>
         <p:nvPicPr>
-          <p:cNvPr id="23" name="Imagem 22" descr="Uma imagem com captura de ecrã&#10;&#10;Descrição gerada com confiança muito alta">
+          <p:cNvPr id="10" name="Imagem 9" descr="Uma imagem com captura de ecrã&#10;&#10;Descrição gerada com confiança muito alta">
             <a:extLst>
               <a:ext uri="{FF2B5EF4-FFF2-40B4-BE49-F238E27FC236}">
-                <a16:creationId xmlns:a16="http://schemas.microsoft.com/office/drawing/2014/main" id="{C7A9A50D-89AD-454D-97E0-50149EB08824}"/>
+                <a16:creationId xmlns:a16="http://schemas.microsoft.com/office/drawing/2014/main" id="{933B0AF3-BFED-471F-B4BE-240D80D08292}"/>
               </a:ext>
             </a:extLst>
           </p:cNvPr>
@@ -5195,8 +5135,8 @@
         </p:blipFill>
         <p:spPr>
           <a:xfrm>
-            <a:off x="5994399" y="2363445"/>
-            <a:ext cx="6019410" cy="733333"/>
+            <a:off x="1093177" y="2978572"/>
+            <a:ext cx="6729827" cy="1149964"/>
           </a:xfrm>
           <a:prstGeom prst="rect">
             <a:avLst/>
@@ -5205,10 +5145,10 @@
       </p:pic>
       <p:pic>
         <p:nvPicPr>
-          <p:cNvPr id="25" name="Imagem 24" descr="Uma imagem com captura de ecrã&#10;&#10;Descrição gerada com confiança muito alta">
+          <p:cNvPr id="11" name="Imagem 10" descr="Uma imagem com captura de ecrã&#10;&#10;Descrição gerada com confiança muito alta">
             <a:extLst>
               <a:ext uri="{FF2B5EF4-FFF2-40B4-BE49-F238E27FC236}">
-                <a16:creationId xmlns:a16="http://schemas.microsoft.com/office/drawing/2014/main" id="{19B9CCD5-7919-4CD8-83AA-0DF31CE65AA3}"/>
+                <a16:creationId xmlns:a16="http://schemas.microsoft.com/office/drawing/2014/main" id="{06BDDE8B-9115-47E4-8A5D-6CFB3CC30E4F}"/>
               </a:ext>
             </a:extLst>
           </p:cNvPr>
@@ -5231,8 +5171,8 @@
         </p:blipFill>
         <p:spPr>
           <a:xfrm>
-            <a:off x="5994399" y="3318798"/>
-            <a:ext cx="6019410" cy="1028571"/>
+            <a:off x="1093178" y="4153142"/>
+            <a:ext cx="6680005" cy="1185115"/>
           </a:xfrm>
           <a:prstGeom prst="rect">
             <a:avLst/>
@@ -5241,10 +5181,10 @@
       </p:pic>
       <p:pic>
         <p:nvPicPr>
-          <p:cNvPr id="27" name="Imagem 26" descr="Uma imagem com captura de ecrã&#10;&#10;Descrição gerada com confiança muito alta">
+          <p:cNvPr id="12" name="Imagem 11" descr="Uma imagem com exterior&#10;&#10;Descrição gerada com confiança alta">
             <a:extLst>
               <a:ext uri="{FF2B5EF4-FFF2-40B4-BE49-F238E27FC236}">
-                <a16:creationId xmlns:a16="http://schemas.microsoft.com/office/drawing/2014/main" id="{5466464A-7A61-4C42-B5A3-8E4A2B448902}"/>
+                <a16:creationId xmlns:a16="http://schemas.microsoft.com/office/drawing/2014/main" id="{09D3DB8D-0AEF-4850-803E-201005414C3B}"/>
               </a:ext>
             </a:extLst>
           </p:cNvPr>
@@ -5267,44 +5207,8 @@
         </p:blipFill>
         <p:spPr>
           <a:xfrm>
-            <a:off x="5890845" y="4417731"/>
-            <a:ext cx="6122964" cy="1086289"/>
-          </a:xfrm>
-          <a:prstGeom prst="rect">
-            <a:avLst/>
-          </a:prstGeom>
-        </p:spPr>
-      </p:pic>
-      <p:pic>
-        <p:nvPicPr>
-          <p:cNvPr id="29" name="Imagem 28" descr="Uma imagem com exterior&#10;&#10;Descrição gerada com confiança alta">
-            <a:extLst>
-              <a:ext uri="{FF2B5EF4-FFF2-40B4-BE49-F238E27FC236}">
-                <a16:creationId xmlns:a16="http://schemas.microsoft.com/office/drawing/2014/main" id="{4D505739-0348-4D48-9CFB-836F1BB333D5}"/>
-              </a:ext>
-            </a:extLst>
-          </p:cNvPr>
-          <p:cNvPicPr>
-            <a:picLocks noChangeAspect="1"/>
-          </p:cNvPicPr>
-          <p:nvPr/>
-        </p:nvPicPr>
-        <p:blipFill>
-          <a:blip r:embed="rId6">
-            <a:extLst>
-              <a:ext uri="{28A0092B-C50C-407E-A947-70E740481C1C}">
-                <a14:useLocalDpi xmlns:a14="http://schemas.microsoft.com/office/drawing/2010/main" val="0"/>
-              </a:ext>
-            </a:extLst>
-          </a:blip>
-          <a:stretch>
-            <a:fillRect/>
-          </a:stretch>
-        </p:blipFill>
-        <p:spPr>
-          <a:xfrm>
-            <a:off x="6062364" y="5655212"/>
-            <a:ext cx="5951445" cy="600318"/>
+            <a:off x="1176129" y="5495681"/>
+            <a:ext cx="5951452" cy="600319"/>
           </a:xfrm>
           <a:prstGeom prst="rect">
             <a:avLst/>
@@ -5314,7 +5218,7 @@
     </p:spTree>
     <p:extLst>
       <p:ext uri="{BB962C8B-B14F-4D97-AF65-F5344CB8AC3E}">
-        <p14:creationId xmlns:p14="http://schemas.microsoft.com/office/powerpoint/2010/main" val="2653467689"/>
+        <p14:creationId xmlns:p14="http://schemas.microsoft.com/office/powerpoint/2010/main" val="3111746763"/>
       </p:ext>
     </p:extLst>
   </p:cSld>
@@ -5363,8 +5267,8 @@
           <a:lstStyle/>
           <a:p>
             <a:r>
-              <a:rPr lang="pt-PT" dirty="0"/>
-              <a:t>Conclusão (3 ultima)</a:t>
+              <a:rPr lang="pt-PT" b="1" dirty="0"/>
+              <a:t>Conclusão</a:t>
             </a:r>
           </a:p>
         </p:txBody>
@@ -5388,7 +5292,7 @@
         <p:spPr/>
         <p:txBody>
           <a:bodyPr>
-            <a:normAutofit fontScale="92500"/>
+            <a:normAutofit/>
           </a:bodyPr>
           <a:lstStyle/>
           <a:p>
@@ -5400,34 +5304,28 @@
               <a:rPr lang="pt-PT" i="1" dirty="0" err="1"/>
               <a:t>Outsystems</a:t>
             </a:r>
-            <a:endParaRPr lang="pt-PT" i="1" dirty="0"/>
-          </a:p>
-          <a:p>
             <a:r>
               <a:rPr lang="pt-PT" i="1" dirty="0"/>
-              <a:t>O projeto inicialmente centrava-se em ajudar candidatos, mas com o tempo envolvido para uma mais valia para candidatos e colaboradores</a:t>
+              <a:t>;</a:t>
             </a:r>
           </a:p>
           <a:p>
             <a:r>
               <a:rPr lang="pt-PT" dirty="0"/>
-              <a:t>Utilização do Google Calendar fui o único objetivo que gostaríamos de completar</a:t>
+              <a:t>Utilização do Google Calendar fui o único objetivo que gostaríamos de completar;</a:t>
             </a:r>
           </a:p>
           <a:p>
             <a:r>
               <a:rPr lang="pt-PT" dirty="0"/>
-              <a:t>Converter a base de dados da aplicação numa base de dados externa envolvia muitas desvantagens que ultrapassavam qualquer vantagem</a:t>
+              <a:t>Converter a base de dados da aplicação numa base de dados externa envolvia muitas desvantagens que ultrapassavam qualquer vantagem.</a:t>
             </a:r>
           </a:p>
           <a:p>
             <a:r>
               <a:rPr lang="pt-PT" dirty="0"/>
-              <a:t>Tornar a aplicação acessível a vários grupos envolvia muitos problemas de partilha de informação sensíveis  </a:t>
-            </a:r>
-          </a:p>
-          <a:p>
-            <a:endParaRPr lang="pt-PT" dirty="0"/>
+              <a:t>Tornar a aplicação acessível a vários grupos envolvia muitos problemas de partilha de informação sensíveis.</a:t>
+            </a:r>
           </a:p>
         </p:txBody>
       </p:sp>
@@ -5483,8 +5381,8 @@
           <a:lstStyle/>
           <a:p>
             <a:r>
-              <a:rPr lang="pt-PT" dirty="0"/>
-              <a:t>Desenvolvimentos Futuros (penúltima) </a:t>
+              <a:rPr lang="pt-PT" b="1" dirty="0"/>
+              <a:t>Desenvolvimentos Futuros</a:t>
             </a:r>
           </a:p>
         </p:txBody>
@@ -5518,18 +5416,6 @@
           <a:p>
             <a:r>
               <a:rPr lang="pt-PT" dirty="0"/>
-              <a:t>Notificações de cargos criados</a:t>
-            </a:r>
-          </a:p>
-          <a:p>
-            <a:r>
-              <a:rPr lang="pt-PT" dirty="0"/>
-              <a:t>Adição de características a formulários</a:t>
-            </a:r>
-          </a:p>
-          <a:p>
-            <a:r>
-              <a:rPr lang="pt-PT" dirty="0"/>
               <a:t>Utilização de notificações web</a:t>
             </a:r>
           </a:p>
@@ -5537,12 +5423,6 @@
             <a:r>
               <a:rPr lang="pt-PT" dirty="0"/>
               <a:t>Incluir capacidade de comunicação entre participantes pelas aplicações</a:t>
-            </a:r>
-          </a:p>
-          <a:p>
-            <a:r>
-              <a:rPr lang="pt-PT" dirty="0"/>
-              <a:t>Uniformizar notificações</a:t>
             </a:r>
           </a:p>
         </p:txBody>
@@ -5599,9 +5479,10 @@
           <a:lstStyle/>
           <a:p>
             <a:r>
-              <a:rPr lang="pt-PT" dirty="0"/>
-              <a:t>Indicie</a:t>
-            </a:r>
+              <a:rPr lang="pt-PT" b="1" dirty="0" err="1"/>
+              <a:t>Indice</a:t>
+            </a:r>
+            <a:endParaRPr lang="pt-PT" b="1" dirty="0"/>
           </a:p>
         </p:txBody>
       </p:sp>
@@ -5682,8 +5563,8 @@
           <a:lstStyle/>
           <a:p>
             <a:r>
-              <a:rPr lang="pt-PT" dirty="0"/>
-              <a:t>Demos (Ultima)</a:t>
+              <a:rPr lang="pt-PT" b="1" dirty="0"/>
+              <a:t>Demos</a:t>
             </a:r>
           </a:p>
         </p:txBody>
@@ -5765,7 +5646,7 @@
           <a:lstStyle/>
           <a:p>
             <a:r>
-              <a:rPr lang="pt-PT" dirty="0"/>
+              <a:rPr lang="pt-PT" b="1" dirty="0"/>
               <a:t>Motivação</a:t>
             </a:r>
           </a:p>
@@ -5843,13 +5724,13 @@
           <a:p>
             <a:r>
               <a:rPr lang="pt-PT" dirty="0"/>
-              <a:t>Processos de entrevistas algo que desatualizado e limitados, não utilizando capacidades tecnológicas</a:t>
+              <a:t>Processos de entrevistas algo que desatualizado e limitados, não utilizando as  capacidades tecnológicas existentes atualmente;</a:t>
             </a:r>
           </a:p>
           <a:p>
             <a:r>
               <a:rPr lang="pt-PT" dirty="0"/>
-              <a:t>Muitas grupos na área incluem um aplicação semelhante, com a falta de comunicação </a:t>
+              <a:t>Muitos grupos na área incluem aplicações semelhantes, com a falta de comunicação </a:t>
             </a:r>
             <a:r>
               <a:rPr lang="pt-PT" dirty="0" err="1"/>
@@ -5863,7 +5744,10 @@
               <a:rPr lang="pt-PT" dirty="0" err="1"/>
               <a:t>ways</a:t>
             </a:r>
-            <a:endParaRPr lang="pt-PT" dirty="0"/>
+            <a:r>
+              <a:rPr lang="pt-PT" dirty="0"/>
+              <a:t>.</a:t>
+            </a:r>
           </a:p>
           <a:p>
             <a:endParaRPr lang="pt-PT" dirty="0"/>
@@ -5925,7 +5809,7 @@
           <a:lstStyle/>
           <a:p>
             <a:r>
-              <a:rPr lang="pt-PT" dirty="0"/>
+              <a:rPr lang="pt-PT" b="1" dirty="0"/>
               <a:t>Objetivos</a:t>
             </a:r>
           </a:p>
@@ -5961,8 +5845,8 @@
         </p:blipFill>
         <p:spPr>
           <a:xfrm>
-            <a:off x="838200" y="2092524"/>
-            <a:ext cx="5181600" cy="3817539"/>
+            <a:off x="606503" y="1800665"/>
+            <a:ext cx="5474896" cy="4033625"/>
           </a:xfrm>
         </p:spPr>
       </p:pic>
@@ -5990,7 +5874,7 @@
         </p:spPr>
         <p:txBody>
           <a:bodyPr>
-            <a:normAutofit/>
+            <a:normAutofit lnSpcReduction="10000"/>
           </a:bodyPr>
           <a:lstStyle/>
           <a:p>
@@ -6003,49 +5887,56 @@
             <a:pPr lvl="1"/>
             <a:r>
               <a:rPr lang="pt-PT" dirty="0"/>
-              <a:t>Candidatos</a:t>
+              <a:t>Candidatos;</a:t>
             </a:r>
           </a:p>
           <a:p>
             <a:pPr lvl="2"/>
             <a:r>
               <a:rPr lang="pt-PT" dirty="0"/>
-              <a:t>Realizar candidatura</a:t>
+              <a:t>Realizar candidatura;</a:t>
             </a:r>
           </a:p>
           <a:p>
             <a:pPr lvl="2"/>
             <a:r>
               <a:rPr lang="pt-PT" dirty="0"/>
-              <a:t>Verificar oportunidades, entrevistas marcadas e candidaturas</a:t>
+              <a:t>Verificar oportunidades, entrevistas marcadas e candidaturas;</a:t>
             </a:r>
           </a:p>
           <a:p>
             <a:pPr lvl="2"/>
             <a:r>
               <a:rPr lang="pt-PT" dirty="0"/>
-              <a:t>Editar currículos e dossier de capacidades</a:t>
+              <a:t>Editar currículos e dossier de capacidades;</a:t>
+            </a:r>
+          </a:p>
+          <a:p>
+            <a:pPr lvl="2"/>
+            <a:r>
+              <a:rPr lang="pt-PT" dirty="0"/>
+              <a:t>Recebe emails sobre alterações de entrevistas ou candidaturas.</a:t>
             </a:r>
           </a:p>
           <a:p>
             <a:pPr lvl="1"/>
             <a:r>
               <a:rPr lang="pt-PT" dirty="0"/>
-              <a:t>Colaboradores</a:t>
+              <a:t>Colaboradores.</a:t>
             </a:r>
           </a:p>
           <a:p>
             <a:pPr lvl="2"/>
             <a:r>
               <a:rPr lang="pt-PT" dirty="0"/>
-              <a:t>Marcar entrevistas</a:t>
+              <a:t>Marcar entrevistas;</a:t>
             </a:r>
           </a:p>
           <a:p>
             <a:pPr lvl="2"/>
             <a:r>
               <a:rPr lang="pt-PT" dirty="0"/>
-              <a:t>Gerir Projetos, Ofertas, Candidaturas e Candidatos</a:t>
+              <a:t>Gerir Projetos, Ofertas, Candidaturas e Candidatos.</a:t>
             </a:r>
           </a:p>
           <a:p>
@@ -6058,14 +5949,25 @@
             <a:pPr lvl="1"/>
             <a:r>
               <a:rPr lang="pt-PT" dirty="0"/>
-              <a:t>Verificar candidaturas e entrevistas</a:t>
+              <a:t>Verificar candidaturas e entrevistas;</a:t>
             </a:r>
           </a:p>
           <a:p>
             <a:pPr lvl="1"/>
             <a:r>
               <a:rPr lang="pt-PT" dirty="0"/>
-              <a:t>Gerir informação geral</a:t>
+              <a:t>Gerir informação geral;</a:t>
+            </a:r>
+          </a:p>
+          <a:p>
+            <a:pPr lvl="1"/>
+            <a:r>
+              <a:rPr lang="pt-PT"/>
+              <a:t>Recebe notificações </a:t>
+            </a:r>
+            <a:r>
+              <a:rPr lang="pt-PT" dirty="0"/>
+              <a:t>sobre alterações de entrevistas ou candidaturas</a:t>
             </a:r>
           </a:p>
           <a:p>
@@ -6130,9 +6032,66 @@
           <a:lstStyle/>
           <a:p>
             <a:r>
+              <a:rPr lang="pt-PT" b="1" dirty="0"/>
+              <a:t>Estado</a:t>
+            </a:r>
+            <a:r>
+              <a:rPr lang="pt-PT" b="1" dirty="0">
+                <a:effectLst>
+                  <a:outerShdw blurRad="38100" dist="38100" dir="2700000" algn="tl">
+                    <a:srgbClr val="000000">
+                      <a:alpha val="43137"/>
+                    </a:srgbClr>
+                  </a:outerShdw>
+                </a:effectLst>
+              </a:rPr>
+              <a:t> </a:t>
+            </a:r>
+            <a:r>
+              <a:rPr lang="pt-PT" b="1" dirty="0"/>
+              <a:t>da Arte</a:t>
+            </a:r>
+          </a:p>
+        </p:txBody>
+      </p:sp>
+      <p:sp>
+        <p:nvSpPr>
+          <p:cNvPr id="5" name="Marcador de Posição do Texto 4">
+            <a:extLst>
+              <a:ext uri="{FF2B5EF4-FFF2-40B4-BE49-F238E27FC236}">
+                <a16:creationId xmlns:a16="http://schemas.microsoft.com/office/drawing/2014/main" id="{B7699140-1540-4D2F-B0D4-77844E5E782E}"/>
+              </a:ext>
+            </a:extLst>
+          </p:cNvPr>
+          <p:cNvSpPr>
+            <a:spLocks noGrp="1"/>
+          </p:cNvSpPr>
+          <p:nvPr>
+            <p:ph type="body" idx="1"/>
+          </p:nvPr>
+        </p:nvSpPr>
+        <p:spPr/>
+        <p:txBody>
+          <a:bodyPr/>
+          <a:lstStyle/>
+          <a:p>
+            <a:r>
               <a:rPr lang="pt-PT" dirty="0"/>
-              <a:t>Estado da Arte</a:t>
-            </a:r>
+              <a:t>Portal de Emprego, </a:t>
+            </a:r>
+            <a:r>
+              <a:rPr lang="pt-PT" dirty="0" err="1"/>
+              <a:t>Mind</a:t>
+            </a:r>
+            <a:r>
+              <a:rPr lang="pt-PT" dirty="0"/>
+              <a:t> </a:t>
+            </a:r>
+            <a:r>
+              <a:rPr lang="pt-PT" dirty="0" err="1"/>
+              <a:t>Source</a:t>
+            </a:r>
+            <a:endParaRPr lang="pt-PT" dirty="0"/>
           </a:p>
         </p:txBody>
       </p:sp>
@@ -6149,28 +6108,75 @@
             <a:spLocks noGrp="1"/>
           </p:cNvSpPr>
           <p:nvPr>
-            <p:ph idx="1"/>
+            <p:ph sz="half" idx="2"/>
           </p:nvPr>
         </p:nvSpPr>
         <p:spPr/>
         <p:txBody>
+          <a:bodyPr>
+            <a:normAutofit/>
+          </a:bodyPr>
+          <a:lstStyle/>
+          <a:p>
+            <a:pPr lvl="1"/>
+            <a:r>
+              <a:rPr lang="pt-PT" dirty="0"/>
+              <a:t>Realizar candidatura e verificar estado da mesma;</a:t>
+            </a:r>
+          </a:p>
+          <a:p>
+            <a:pPr lvl="2"/>
+            <a:r>
+              <a:rPr lang="pt-PT" dirty="0"/>
+              <a:t>Informação limitada sobre as duas.</a:t>
+            </a:r>
+          </a:p>
+          <a:p>
+            <a:pPr lvl="1"/>
+            <a:r>
+              <a:rPr lang="pt-PT" dirty="0"/>
+              <a:t>Gerir currículo e dossier.</a:t>
+            </a:r>
+          </a:p>
+          <a:p>
+            <a:pPr lvl="2"/>
+            <a:r>
+              <a:rPr lang="pt-PT" dirty="0"/>
+              <a:t>Gerir repositório.</a:t>
+            </a:r>
+          </a:p>
+          <a:p>
+            <a:pPr marL="274320" lvl="1" indent="0">
+              <a:buNone/>
+            </a:pPr>
+            <a:endParaRPr lang="pt-PT" dirty="0"/>
+          </a:p>
+        </p:txBody>
+      </p:sp>
+      <p:sp>
+        <p:nvSpPr>
+          <p:cNvPr id="6" name="Marcador de Posição do Texto 5">
+            <a:extLst>
+              <a:ext uri="{FF2B5EF4-FFF2-40B4-BE49-F238E27FC236}">
+                <a16:creationId xmlns:a16="http://schemas.microsoft.com/office/drawing/2014/main" id="{76A2DAD7-E83C-4D0C-A0BB-044125381AD0}"/>
+              </a:ext>
+            </a:extLst>
+          </p:cNvPr>
+          <p:cNvSpPr>
+            <a:spLocks noGrp="1"/>
+          </p:cNvSpPr>
+          <p:nvPr>
+            <p:ph type="body" sz="quarter" idx="3"/>
+          </p:nvPr>
+        </p:nvSpPr>
+        <p:spPr/>
+        <p:txBody>
           <a:bodyPr/>
           <a:lstStyle/>
           <a:p>
             <a:r>
-              <a:rPr lang="pt-PT" dirty="0"/>
-              <a:t>Aplicações Semelhantes:</a:t>
-            </a:r>
-          </a:p>
-          <a:p>
-            <a:pPr lvl="1"/>
-            <a:r>
-              <a:rPr lang="pt-PT" dirty="0"/>
-              <a:t>Portal de Emprego, </a:t>
-            </a:r>
-            <a:r>
               <a:rPr lang="pt-PT" dirty="0" err="1"/>
-              <a:t>Mind</a:t>
+              <a:t>My</a:t>
             </a:r>
             <a:r>
               <a:rPr lang="pt-PT" dirty="0"/>
@@ -6178,25 +6184,6 @@
             </a:r>
             <a:r>
               <a:rPr lang="pt-PT" dirty="0" err="1"/>
-              <a:t>Source</a:t>
-            </a:r>
-            <a:r>
-              <a:rPr lang="pt-PT" dirty="0"/>
-              <a:t> : permite o candidato gerir ficheiros, realizar candidatura e verificar estado da mesma</a:t>
-            </a:r>
-          </a:p>
-          <a:p>
-            <a:pPr lvl="1"/>
-            <a:r>
-              <a:rPr lang="pt-PT" dirty="0" err="1"/>
-              <a:t>My</a:t>
-            </a:r>
-            <a:r>
-              <a:rPr lang="pt-PT" dirty="0"/>
-              <a:t> </a:t>
-            </a:r>
-            <a:r>
-              <a:rPr lang="pt-PT" dirty="0" err="1"/>
               <a:t>Profile</a:t>
             </a:r>
             <a:r>
@@ -6207,47 +6194,43 @@
               <a:rPr lang="pt-PT" dirty="0" err="1"/>
               <a:t>Randstrand</a:t>
             </a:r>
+            <a:endParaRPr lang="pt-PT" dirty="0"/>
+          </a:p>
+        </p:txBody>
+      </p:sp>
+      <p:sp>
+        <p:nvSpPr>
+          <p:cNvPr id="7" name="Marcador de Posição de Conteúdo 6">
+            <a:extLst>
+              <a:ext uri="{FF2B5EF4-FFF2-40B4-BE49-F238E27FC236}">
+                <a16:creationId xmlns:a16="http://schemas.microsoft.com/office/drawing/2014/main" id="{8DDF4638-8F87-47A6-82D1-29157421EA59}"/>
+              </a:ext>
+            </a:extLst>
+          </p:cNvPr>
+          <p:cNvSpPr>
+            <a:spLocks noGrp="1"/>
+          </p:cNvSpPr>
+          <p:nvPr>
+            <p:ph sz="quarter" idx="4"/>
+          </p:nvPr>
+        </p:nvSpPr>
+        <p:spPr/>
+        <p:txBody>
+          <a:bodyPr>
+            <a:normAutofit/>
+          </a:bodyPr>
+          <a:lstStyle/>
+          <a:p>
             <a:r>
               <a:rPr lang="pt-PT" dirty="0"/>
-              <a:t> : permite candidato formar currículo de forma abrangente</a:t>
+              <a:t>Gerir currículo e dossier.</a:t>
             </a:r>
           </a:p>
           <a:p>
             <a:pPr lvl="1"/>
             <a:r>
-              <a:rPr lang="pt-PT" dirty="0" err="1"/>
-              <a:t>LinkedIn</a:t>
-            </a:r>
-            <a:r>
               <a:rPr lang="pt-PT" dirty="0"/>
-              <a:t>, </a:t>
-            </a:r>
-            <a:r>
-              <a:rPr lang="pt-PT" dirty="0" err="1"/>
-              <a:t>LinkedIn</a:t>
-            </a:r>
-            <a:r>
-              <a:rPr lang="pt-PT" dirty="0"/>
-              <a:t> </a:t>
-            </a:r>
-            <a:r>
-              <a:rPr lang="pt-PT" dirty="0" err="1"/>
-              <a:t>Corporation</a:t>
-            </a:r>
-            <a:r>
-              <a:rPr lang="pt-PT" dirty="0"/>
-              <a:t> : permite gerir currículo de forma geral</a:t>
-            </a:r>
-          </a:p>
-          <a:p>
-            <a:pPr lvl="1"/>
-            <a:r>
-              <a:rPr lang="pt-PT" dirty="0" err="1"/>
-              <a:t>ITJobs</a:t>
-            </a:r>
-            <a:r>
-              <a:rPr lang="pt-PT" dirty="0"/>
-              <a:t> : demonstra oportunidades de trabalho e de outra natureza</a:t>
+              <a:t>Forma mais acessível e comunicativa.</a:t>
             </a:r>
           </a:p>
         </p:txBody>
@@ -6298,24 +6281,29 @@
             <p:ph type="title"/>
           </p:nvPr>
         </p:nvSpPr>
-        <p:spPr/>
+        <p:spPr>
+          <a:xfrm>
+            <a:off x="1185204" y="289560"/>
+            <a:ext cx="3921369" cy="1356360"/>
+          </a:xfrm>
+        </p:spPr>
         <p:txBody>
           <a:bodyPr/>
           <a:lstStyle/>
           <a:p>
             <a:r>
-              <a:rPr lang="pt-PT" dirty="0"/>
-              <a:t>Use Cases - Simples</a:t>
+              <a:rPr lang="pt-PT" b="1" dirty="0"/>
+              <a:t>Casos de uso</a:t>
             </a:r>
           </a:p>
         </p:txBody>
       </p:sp>
       <p:pic>
         <p:nvPicPr>
-          <p:cNvPr id="5" name="Marcador de Posição de Conteúdo 4" descr="Uma imagem com texto, mapa&#10;&#10;Descrição gerada com confiança muito alta">
+          <p:cNvPr id="7" name="Marcador de Posição de Conteúdo 6">
             <a:extLst>
               <a:ext uri="{FF2B5EF4-FFF2-40B4-BE49-F238E27FC236}">
-                <a16:creationId xmlns:a16="http://schemas.microsoft.com/office/drawing/2014/main" id="{507856BE-95DC-4298-A9B5-F0FDEDE21A8D}"/>
+                <a16:creationId xmlns:a16="http://schemas.microsoft.com/office/drawing/2014/main" id="{C84FD7BE-0D73-435A-A11A-3A0FE663D4E4}"/>
               </a:ext>
             </a:extLst>
           </p:cNvPr>
@@ -6340,8 +6328,8 @@
         </p:blipFill>
         <p:spPr>
           <a:xfrm>
-            <a:off x="2961927" y="1825625"/>
-            <a:ext cx="6268145" cy="4351338"/>
+            <a:off x="2259797" y="1331617"/>
+            <a:ext cx="7672406" cy="5096145"/>
           </a:xfrm>
         </p:spPr>
       </p:pic>
@@ -6397,10 +6385,10 @@
           <a:lstStyle/>
           <a:p>
             <a:r>
-              <a:rPr lang="pt-PT" dirty="0" err="1"/>
+              <a:rPr lang="pt-PT" b="1" dirty="0" err="1"/>
               <a:t>OutSystems</a:t>
             </a:r>
-            <a:endParaRPr lang="pt-PT" dirty="0"/>
+            <a:endParaRPr lang="pt-PT" b="1" dirty="0"/>
           </a:p>
         </p:txBody>
       </p:sp>
@@ -6463,7 +6451,7 @@
         </p:spPr>
         <p:txBody>
           <a:bodyPr>
-            <a:normAutofit fontScale="92500"/>
+            <a:normAutofit/>
           </a:bodyPr>
           <a:lstStyle/>
           <a:p>
@@ -6472,33 +6460,39 @@
               <a:t>Plataforma de desenvolvimento </a:t>
             </a:r>
             <a:r>
-              <a:rPr lang="pt-PT" dirty="0" err="1"/>
+              <a:rPr lang="pt-PT" i="1" dirty="0" err="1"/>
               <a:t>low</a:t>
+            </a:r>
+            <a:r>
+              <a:rPr lang="pt-PT" i="1" dirty="0"/>
+              <a:t> </a:t>
+            </a:r>
+            <a:r>
+              <a:rPr lang="pt-PT" i="1" dirty="0" err="1"/>
+              <a:t>code</a:t>
+            </a:r>
+            <a:r>
+              <a:rPr lang="pt-PT" dirty="0"/>
+              <a:t>;</a:t>
+            </a:r>
+          </a:p>
+          <a:p>
+            <a:r>
+              <a:rPr lang="pt-PT" i="1" dirty="0" err="1"/>
+              <a:t>Code</a:t>
             </a:r>
             <a:r>
               <a:rPr lang="pt-PT" dirty="0"/>
               <a:t> </a:t>
             </a:r>
             <a:r>
-              <a:rPr lang="pt-PT" dirty="0" err="1"/>
-              <a:t>code</a:t>
-            </a:r>
-            <a:endParaRPr lang="pt-PT" dirty="0"/>
-          </a:p>
-          <a:p>
-            <a:r>
-              <a:rPr lang="pt-PT" i="1" dirty="0" err="1"/>
-              <a:t>Code</a:t>
-            </a:r>
-            <a:r>
-              <a:rPr lang="pt-PT" dirty="0"/>
-              <a:t> </a:t>
-            </a:r>
-            <a:r>
               <a:rPr lang="pt-PT" i="1" dirty="0" err="1"/>
               <a:t>Generator</a:t>
             </a:r>
-            <a:endParaRPr lang="pt-PT" i="1" dirty="0"/>
+            <a:r>
+              <a:rPr lang="pt-PT" i="1" dirty="0"/>
+              <a:t>;</a:t>
+            </a:r>
           </a:p>
           <a:p>
             <a:pPr lvl="1"/>
@@ -6517,10 +6511,9 @@
           <a:p>
             <a:pPr lvl="1"/>
             <a:r>
-              <a:rPr lang="pt-PT" dirty="0"/>
-              <a:t>Agrupa as capacidades de gestão de sessão, autenticação e configurações.</a:t>
-            </a:r>
-            <a:endParaRPr lang="pt-PT" i="1" dirty="0"/>
+              <a:rPr lang="pt-PT" i="1" dirty="0"/>
+              <a:t>Gere segurança.</a:t>
+            </a:r>
           </a:p>
           <a:p>
             <a:r>
@@ -6535,7 +6528,10 @@
               <a:rPr lang="pt-PT" i="1" dirty="0" err="1"/>
               <a:t>Service</a:t>
             </a:r>
-            <a:endParaRPr lang="pt-PT" i="1" dirty="0"/>
+            <a:r>
+              <a:rPr lang="pt-PT" i="1" dirty="0"/>
+              <a:t>;</a:t>
+            </a:r>
           </a:p>
           <a:p>
             <a:pPr lvl="1"/>
@@ -6549,15 +6545,7 @@
             </a:r>
             <a:r>
               <a:rPr lang="pt-PT" i="1" dirty="0"/>
-              <a:t> sobre </a:t>
-            </a:r>
-            <a:r>
-              <a:rPr lang="pt-PT" i="1" dirty="0" err="1"/>
-              <a:t>serveres</a:t>
-            </a:r>
-            <a:r>
-              <a:rPr lang="pt-PT" i="1" dirty="0"/>
-              <a:t> e </a:t>
+              <a:t> sobre servers e </a:t>
             </a:r>
             <a:r>
               <a:rPr lang="pt-PT" i="1" dirty="0" err="1"/>
@@ -6581,7 +6569,10 @@
               <a:rPr lang="pt-PT" i="1" dirty="0" err="1"/>
               <a:t>Service</a:t>
             </a:r>
-            <a:endParaRPr lang="pt-PT" i="1" dirty="0"/>
+            <a:r>
+              <a:rPr lang="pt-PT" i="1" dirty="0"/>
+              <a:t>.</a:t>
+            </a:r>
           </a:p>
           <a:p>
             <a:pPr lvl="1"/>
@@ -6613,15 +6604,7 @@
             <a:pPr lvl="1"/>
             <a:r>
               <a:rPr lang="pt-PT" dirty="0"/>
-              <a:t>Verifica o desempenho da </a:t>
-            </a:r>
-            <a:r>
-              <a:rPr lang="pt-PT" dirty="0" err="1"/>
-              <a:t>aplicaçao</a:t>
-            </a:r>
-            <a:r>
-              <a:rPr lang="pt-PT" dirty="0"/>
-              <a:t>.</a:t>
+              <a:t>Verifica o desempenho da aplicação.</a:t>
             </a:r>
           </a:p>
           <a:p>
@@ -6682,7 +6665,7 @@
           <a:lstStyle/>
           <a:p>
             <a:r>
-              <a:rPr lang="pt-PT" dirty="0"/>
+              <a:rPr lang="pt-PT" b="1" dirty="0"/>
               <a:t>Sincronismo</a:t>
             </a:r>
           </a:p>
@@ -6710,148 +6693,420 @@
           <a:lstStyle/>
           <a:p>
             <a:r>
-              <a:rPr lang="pt-PT" dirty="0" err="1"/>
+              <a:rPr lang="pt-PT" dirty="0" err="1">
+                <a:effectLst>
+                  <a:outerShdw blurRad="38100" dist="38100" dir="2700000" algn="tl">
+                    <a:srgbClr val="000000">
+                      <a:alpha val="43137"/>
+                    </a:srgbClr>
+                  </a:outerShdw>
+                </a:effectLst>
+              </a:rPr>
               <a:t>Read-Only</a:t>
             </a:r>
             <a:r>
+              <a:rPr lang="pt-PT" dirty="0">
+                <a:effectLst>
+                  <a:outerShdw blurRad="38100" dist="38100" dir="2700000" algn="tl">
+                    <a:srgbClr val="000000">
+                      <a:alpha val="43137"/>
+                    </a:srgbClr>
+                  </a:outerShdw>
+                </a:effectLst>
+              </a:rPr>
+              <a:t> Data </a:t>
+            </a:r>
+            <a:r>
               <a:rPr lang="pt-PT" dirty="0"/>
-              <a:t> Data – unicamente para leituras</a:t>
-            </a:r>
-          </a:p>
-          <a:p>
-            <a:r>
-              <a:rPr lang="pt-PT" dirty="0" err="1"/>
+              <a:t>– unicamente para leituras;</a:t>
+            </a:r>
+          </a:p>
+          <a:p>
+            <a:r>
+              <a:rPr lang="pt-PT" dirty="0" err="1">
+                <a:effectLst>
+                  <a:outerShdw blurRad="38100" dist="38100" dir="2700000" algn="tl">
+                    <a:srgbClr val="000000">
+                      <a:alpha val="43137"/>
+                    </a:srgbClr>
+                  </a:outerShdw>
+                </a:effectLst>
+              </a:rPr>
               <a:t>Read-Only</a:t>
-            </a:r>
-            <a:r>
-              <a:rPr lang="pt-PT" dirty="0"/>
-              <a:t> Data </a:t>
-            </a:r>
-            <a:r>
-              <a:rPr lang="pt-PT" dirty="0" err="1"/>
-              <a:t>Optimized</a:t>
-            </a:r>
-            <a:r>
-              <a:rPr lang="pt-PT" dirty="0"/>
-              <a:t> - unicamente para leituras de dimensões extensivas</a:t>
-            </a:r>
-          </a:p>
-          <a:p>
-            <a:r>
-              <a:rPr lang="pt-PT" dirty="0" err="1"/>
-              <a:t>Read</a:t>
-            </a:r>
-            <a:r>
-              <a:rPr lang="pt-PT" dirty="0"/>
-              <a:t>/</a:t>
-            </a:r>
-            <a:r>
-              <a:rPr lang="pt-PT" dirty="0" err="1"/>
-              <a:t>Write</a:t>
-            </a:r>
-            <a:r>
-              <a:rPr lang="pt-PT" dirty="0"/>
-              <a:t> Data </a:t>
-            </a:r>
-            <a:r>
-              <a:rPr lang="pt-PT" dirty="0" err="1"/>
-              <a:t>Last</a:t>
             </a:r>
             <a:r>
               <a:rPr lang="pt-PT" dirty="0"/>
               <a:t> </a:t>
             </a:r>
             <a:r>
-              <a:rPr lang="pt-PT" dirty="0" err="1"/>
+              <a:rPr lang="pt-PT" dirty="0">
+                <a:effectLst>
+                  <a:outerShdw blurRad="38100" dist="38100" dir="2700000" algn="tl">
+                    <a:srgbClr val="000000">
+                      <a:alpha val="43137"/>
+                    </a:srgbClr>
+                  </a:outerShdw>
+                </a:effectLst>
+              </a:rPr>
+              <a:t>Data </a:t>
+            </a:r>
+            <a:r>
+              <a:rPr lang="pt-PT" dirty="0" err="1">
+                <a:effectLst>
+                  <a:outerShdw blurRad="38100" dist="38100" dir="2700000" algn="tl">
+                    <a:srgbClr val="000000">
+                      <a:alpha val="43137"/>
+                    </a:srgbClr>
+                  </a:outerShdw>
+                </a:effectLst>
+              </a:rPr>
+              <a:t>Optimized</a:t>
+            </a:r>
+            <a:r>
+              <a:rPr lang="pt-PT" dirty="0">
+                <a:effectLst>
+                  <a:outerShdw blurRad="38100" dist="38100" dir="2700000" algn="tl">
+                    <a:srgbClr val="000000">
+                      <a:alpha val="43137"/>
+                    </a:srgbClr>
+                  </a:outerShdw>
+                </a:effectLst>
+              </a:rPr>
+              <a:t> </a:t>
+            </a:r>
+            <a:r>
+              <a:rPr lang="pt-PT" dirty="0"/>
+              <a:t>- unicamente para leituras de dimensões extensivas;</a:t>
+            </a:r>
+          </a:p>
+          <a:p>
+            <a:r>
+              <a:rPr lang="pt-PT" dirty="0" err="1">
+                <a:effectLst>
+                  <a:outerShdw blurRad="38100" dist="38100" dir="2700000" algn="tl">
+                    <a:srgbClr val="000000">
+                      <a:alpha val="43137"/>
+                    </a:srgbClr>
+                  </a:outerShdw>
+                </a:effectLst>
+              </a:rPr>
+              <a:t>Read</a:t>
+            </a:r>
+            <a:r>
+              <a:rPr lang="pt-PT" dirty="0">
+                <a:effectLst>
+                  <a:outerShdw blurRad="38100" dist="38100" dir="2700000" algn="tl">
+                    <a:srgbClr val="000000">
+                      <a:alpha val="43137"/>
+                    </a:srgbClr>
+                  </a:outerShdw>
+                </a:effectLst>
+              </a:rPr>
+              <a:t>/</a:t>
+            </a:r>
+            <a:r>
+              <a:rPr lang="pt-PT" dirty="0" err="1">
+                <a:effectLst>
+                  <a:outerShdw blurRad="38100" dist="38100" dir="2700000" algn="tl">
+                    <a:srgbClr val="000000">
+                      <a:alpha val="43137"/>
+                    </a:srgbClr>
+                  </a:outerShdw>
+                </a:effectLst>
+              </a:rPr>
               <a:t>Write</a:t>
             </a:r>
             <a:r>
+              <a:rPr lang="pt-PT" dirty="0">
+                <a:effectLst>
+                  <a:outerShdw blurRad="38100" dist="38100" dir="2700000" algn="tl">
+                    <a:srgbClr val="000000">
+                      <a:alpha val="43137"/>
+                    </a:srgbClr>
+                  </a:outerShdw>
+                </a:effectLst>
+              </a:rPr>
+              <a:t> Data </a:t>
+            </a:r>
+            <a:r>
+              <a:rPr lang="pt-PT" dirty="0" err="1">
+                <a:effectLst>
+                  <a:outerShdw blurRad="38100" dist="38100" dir="2700000" algn="tl">
+                    <a:srgbClr val="000000">
+                      <a:alpha val="43137"/>
+                    </a:srgbClr>
+                  </a:outerShdw>
+                </a:effectLst>
+              </a:rPr>
+              <a:t>Last</a:t>
+            </a:r>
+            <a:r>
+              <a:rPr lang="pt-PT" dirty="0">
+                <a:effectLst>
+                  <a:outerShdw blurRad="38100" dist="38100" dir="2700000" algn="tl">
+                    <a:srgbClr val="000000">
+                      <a:alpha val="43137"/>
+                    </a:srgbClr>
+                  </a:outerShdw>
+                </a:effectLst>
+              </a:rPr>
+              <a:t> </a:t>
+            </a:r>
+            <a:r>
+              <a:rPr lang="pt-PT" dirty="0" err="1">
+                <a:effectLst>
+                  <a:outerShdw blurRad="38100" dist="38100" dir="2700000" algn="tl">
+                    <a:srgbClr val="000000">
+                      <a:alpha val="43137"/>
+                    </a:srgbClr>
+                  </a:outerShdw>
+                </a:effectLst>
+              </a:rPr>
+              <a:t>Write</a:t>
+            </a:r>
+            <a:r>
+              <a:rPr lang="pt-PT" dirty="0">
+                <a:effectLst>
+                  <a:outerShdw blurRad="38100" dist="38100" dir="2700000" algn="tl">
+                    <a:srgbClr val="000000">
+                      <a:alpha val="43137"/>
+                    </a:srgbClr>
+                  </a:outerShdw>
+                </a:effectLst>
+              </a:rPr>
+              <a:t> </a:t>
+            </a:r>
+            <a:r>
+              <a:rPr lang="pt-PT" dirty="0" err="1">
+                <a:effectLst>
+                  <a:outerShdw blurRad="38100" dist="38100" dir="2700000" algn="tl">
+                    <a:srgbClr val="000000">
+                      <a:alpha val="43137"/>
+                    </a:srgbClr>
+                  </a:outerShdw>
+                </a:effectLst>
+              </a:rPr>
+              <a:t>Wins</a:t>
+            </a:r>
+            <a:r>
               <a:rPr lang="pt-PT" dirty="0"/>
+              <a:t>– escritas sem conflito;</a:t>
+            </a:r>
+          </a:p>
+          <a:p>
+            <a:r>
+              <a:rPr lang="pt-PT" dirty="0" err="1">
+                <a:effectLst>
+                  <a:outerShdw blurRad="38100" dist="38100" dir="2700000" algn="tl">
+                    <a:srgbClr val="000000">
+                      <a:alpha val="43137"/>
+                    </a:srgbClr>
+                  </a:outerShdw>
+                </a:effectLst>
+              </a:rPr>
+              <a:t>Read</a:t>
+            </a:r>
+            <a:r>
+              <a:rPr lang="pt-PT" dirty="0">
+                <a:effectLst>
+                  <a:outerShdw blurRad="38100" dist="38100" dir="2700000" algn="tl">
+                    <a:srgbClr val="000000">
+                      <a:alpha val="43137"/>
+                    </a:srgbClr>
+                  </a:outerShdw>
+                </a:effectLst>
+              </a:rPr>
+              <a:t>/</a:t>
+            </a:r>
+            <a:r>
+              <a:rPr lang="pt-PT" dirty="0" err="1">
+                <a:effectLst>
+                  <a:outerShdw blurRad="38100" dist="38100" dir="2700000" algn="tl">
+                    <a:srgbClr val="000000">
+                      <a:alpha val="43137"/>
+                    </a:srgbClr>
+                  </a:outerShdw>
+                </a:effectLst>
+              </a:rPr>
+              <a:t>Writes</a:t>
+            </a:r>
+            <a:r>
+              <a:rPr lang="pt-PT" dirty="0">
+                <a:effectLst>
+                  <a:outerShdw blurRad="38100" dist="38100" dir="2700000" algn="tl">
+                    <a:srgbClr val="000000">
+                      <a:alpha val="43137"/>
+                    </a:srgbClr>
+                  </a:outerShdw>
+                </a:effectLst>
+              </a:rPr>
+              <a:t> Data </a:t>
+            </a:r>
+            <a:r>
+              <a:rPr lang="pt-PT" dirty="0" err="1">
+                <a:effectLst>
+                  <a:outerShdw blurRad="38100" dist="38100" dir="2700000" algn="tl">
+                    <a:srgbClr val="000000">
+                      <a:alpha val="43137"/>
+                    </a:srgbClr>
+                  </a:outerShdw>
+                </a:effectLst>
+              </a:rPr>
+              <a:t>with</a:t>
+            </a:r>
+            <a:r>
+              <a:rPr lang="pt-PT" dirty="0">
+                <a:effectLst>
+                  <a:outerShdw blurRad="38100" dist="38100" dir="2700000" algn="tl">
+                    <a:srgbClr val="000000">
+                      <a:alpha val="43137"/>
+                    </a:srgbClr>
+                  </a:outerShdw>
+                </a:effectLst>
+              </a:rPr>
               <a:t> </a:t>
             </a:r>
             <a:r>
-              <a:rPr lang="pt-PT" dirty="0" err="1"/>
-              <a:t>Wins</a:t>
+              <a:rPr lang="pt-PT" dirty="0" err="1">
+                <a:effectLst>
+                  <a:outerShdw blurRad="38100" dist="38100" dir="2700000" algn="tl">
+                    <a:srgbClr val="000000">
+                      <a:alpha val="43137"/>
+                    </a:srgbClr>
+                  </a:outerShdw>
+                </a:effectLst>
+              </a:rPr>
+              <a:t>Conflict</a:t>
+            </a:r>
+            <a:r>
+              <a:rPr lang="pt-PT" dirty="0">
+                <a:effectLst>
+                  <a:outerShdw blurRad="38100" dist="38100" dir="2700000" algn="tl">
+                    <a:srgbClr val="000000">
+                      <a:alpha val="43137"/>
+                    </a:srgbClr>
+                  </a:outerShdw>
+                </a:effectLst>
+              </a:rPr>
+              <a:t> </a:t>
+            </a:r>
+            <a:r>
+              <a:rPr lang="pt-PT" dirty="0" err="1">
+                <a:effectLst>
+                  <a:outerShdw blurRad="38100" dist="38100" dir="2700000" algn="tl">
+                    <a:srgbClr val="000000">
+                      <a:alpha val="43137"/>
+                    </a:srgbClr>
+                  </a:outerShdw>
+                </a:effectLst>
+              </a:rPr>
+              <a:t>Detection</a:t>
+            </a:r>
+            <a:r>
+              <a:rPr lang="pt-PT" i="1" dirty="0"/>
+              <a:t>– escritas com pouco conflito, poucos utilizadores tem acesso a mesma informação;</a:t>
+            </a:r>
+          </a:p>
+          <a:p>
+            <a:r>
+              <a:rPr lang="pt-PT" dirty="0" err="1">
+                <a:effectLst>
+                  <a:outerShdw blurRad="38100" dist="38100" dir="2700000" algn="tl">
+                    <a:srgbClr val="000000">
+                      <a:alpha val="43137"/>
+                    </a:srgbClr>
+                  </a:outerShdw>
+                </a:effectLst>
+              </a:rPr>
+              <a:t>Read</a:t>
+            </a:r>
+            <a:r>
+              <a:rPr lang="pt-PT" dirty="0">
+                <a:effectLst>
+                  <a:outerShdw blurRad="38100" dist="38100" dir="2700000" algn="tl">
+                    <a:srgbClr val="000000">
+                      <a:alpha val="43137"/>
+                    </a:srgbClr>
+                  </a:outerShdw>
+                </a:effectLst>
+              </a:rPr>
+              <a:t>/</a:t>
+            </a:r>
+            <a:r>
+              <a:rPr lang="pt-PT" dirty="0" err="1">
+                <a:effectLst>
+                  <a:outerShdw blurRad="38100" dist="38100" dir="2700000" algn="tl">
+                    <a:srgbClr val="000000">
+                      <a:alpha val="43137"/>
+                    </a:srgbClr>
+                  </a:outerShdw>
+                </a:effectLst>
+              </a:rPr>
+              <a:t>Write</a:t>
+            </a:r>
+            <a:r>
+              <a:rPr lang="pt-PT" dirty="0">
+                <a:effectLst>
+                  <a:outerShdw blurRad="38100" dist="38100" dir="2700000" algn="tl">
+                    <a:srgbClr val="000000">
+                      <a:alpha val="43137"/>
+                    </a:srgbClr>
+                  </a:outerShdw>
+                </a:effectLst>
+              </a:rPr>
+              <a:t> Data </a:t>
+            </a:r>
+            <a:r>
+              <a:rPr lang="pt-PT" dirty="0" err="1">
+                <a:effectLst>
+                  <a:outerShdw blurRad="38100" dist="38100" dir="2700000" algn="tl">
+                    <a:srgbClr val="000000">
+                      <a:alpha val="43137"/>
+                    </a:srgbClr>
+                  </a:outerShdw>
+                </a:effectLst>
+              </a:rPr>
+              <a:t>One</a:t>
+            </a:r>
+            <a:r>
+              <a:rPr lang="pt-PT" dirty="0">
+                <a:effectLst>
+                  <a:outerShdw blurRad="38100" dist="38100" dir="2700000" algn="tl">
+                    <a:srgbClr val="000000">
+                      <a:alpha val="43137"/>
+                    </a:srgbClr>
+                  </a:outerShdw>
+                </a:effectLst>
+              </a:rPr>
+              <a:t>-to-</a:t>
+            </a:r>
+            <a:r>
+              <a:rPr lang="pt-PT" dirty="0" err="1">
+                <a:effectLst>
+                  <a:outerShdw blurRad="38100" dist="38100" dir="2700000" algn="tl">
+                    <a:srgbClr val="000000">
+                      <a:alpha val="43137"/>
+                    </a:srgbClr>
+                  </a:outerShdw>
+                </a:effectLst>
+              </a:rPr>
+              <a:t>Many</a:t>
+            </a:r>
+            <a:r>
+              <a:rPr lang="pt-PT" dirty="0">
+                <a:effectLst>
+                  <a:outerShdw blurRad="38100" dist="38100" dir="2700000" algn="tl">
+                    <a:srgbClr val="000000">
+                      <a:alpha val="43137"/>
+                    </a:srgbClr>
+                  </a:outerShdw>
+                </a:effectLst>
+              </a:rPr>
+              <a:t> </a:t>
             </a:r>
             <a:r>
               <a:rPr lang="pt-PT" dirty="0"/>
-              <a:t>– escritas sem conflito</a:t>
-            </a:r>
-          </a:p>
-          <a:p>
-            <a:r>
-              <a:rPr lang="pt-PT" i="1" dirty="0" err="1"/>
-              <a:t>Read</a:t>
-            </a:r>
-            <a:r>
-              <a:rPr lang="pt-PT" i="1" dirty="0"/>
-              <a:t>/</a:t>
-            </a:r>
-            <a:r>
-              <a:rPr lang="pt-PT" i="1" dirty="0" err="1"/>
-              <a:t>Writes</a:t>
-            </a:r>
-            <a:r>
-              <a:rPr lang="pt-PT" i="1" dirty="0"/>
-              <a:t> Data </a:t>
-            </a:r>
-            <a:r>
-              <a:rPr lang="pt-PT" i="1" dirty="0" err="1"/>
-              <a:t>with</a:t>
-            </a:r>
-            <a:r>
-              <a:rPr lang="pt-PT" i="1" dirty="0"/>
-              <a:t> </a:t>
-            </a:r>
-            <a:r>
-              <a:rPr lang="pt-PT" i="1" dirty="0" err="1"/>
-              <a:t>Conflict</a:t>
-            </a:r>
-            <a:r>
-              <a:rPr lang="pt-PT" i="1" dirty="0"/>
-              <a:t> </a:t>
-            </a:r>
-            <a:r>
-              <a:rPr lang="pt-PT" i="1" dirty="0" err="1"/>
-              <a:t>Detection</a:t>
-            </a:r>
-            <a:r>
-              <a:rPr lang="pt-PT" i="1" dirty="0"/>
-              <a:t>– escritas com pouco conflito, poucos utilizadores tem acesso a mesma informação</a:t>
-            </a:r>
-          </a:p>
-          <a:p>
-            <a:r>
-              <a:rPr lang="pt-PT" dirty="0" err="1"/>
-              <a:t>Read</a:t>
-            </a:r>
-            <a:r>
-              <a:rPr lang="pt-PT" dirty="0"/>
-              <a:t>/</a:t>
-            </a:r>
-            <a:r>
-              <a:rPr lang="pt-PT" dirty="0" err="1"/>
-              <a:t>Write</a:t>
-            </a:r>
-            <a:r>
-              <a:rPr lang="pt-PT" dirty="0"/>
-              <a:t> Data </a:t>
-            </a:r>
-            <a:r>
-              <a:rPr lang="pt-PT" dirty="0" err="1"/>
-              <a:t>One</a:t>
-            </a:r>
-            <a:r>
-              <a:rPr lang="pt-PT" dirty="0"/>
-              <a:t>-to-</a:t>
-            </a:r>
-            <a:r>
-              <a:rPr lang="pt-PT" dirty="0" err="1"/>
-              <a:t>Many</a:t>
-            </a:r>
-            <a:r>
-              <a:rPr lang="pt-PT" dirty="0"/>
-              <a:t> – escritas com muito conflito, muitos utilizadores tem acesso a informação </a:t>
+              <a:t>– escritas com muito conflito, muitos utilizadores tem acesso a informação.</a:t>
             </a:r>
           </a:p>
         </p:txBody>
@@ -6948,8 +7203,8 @@
         </p:blipFill>
         <p:spPr>
           <a:xfrm>
-            <a:off x="371762" y="2278966"/>
-            <a:ext cx="5724238" cy="3454779"/>
+            <a:off x="442100" y="1567518"/>
+            <a:ext cx="7478010" cy="4513242"/>
           </a:xfrm>
         </p:spPr>
       </p:pic>
@@ -6969,14 +7224,21 @@
             <p:ph sz="half" idx="2"/>
           </p:nvPr>
         </p:nvSpPr>
-        <p:spPr/>
-        <p:txBody>
-          <a:bodyPr/>
+        <p:spPr>
+          <a:xfrm>
+            <a:off x="7091875" y="1951892"/>
+            <a:ext cx="4754880" cy="4023360"/>
+          </a:xfrm>
+        </p:spPr>
+        <p:txBody>
+          <a:bodyPr>
+            <a:normAutofit/>
+          </a:bodyPr>
           <a:lstStyle/>
           <a:p>
             <a:r>
               <a:rPr lang="pt-PT" i="1" dirty="0"/>
-              <a:t>Algumas dependências</a:t>
+              <a:t>Algumas dependências.</a:t>
             </a:r>
           </a:p>
           <a:p>
@@ -7005,17 +7267,6 @@
               <a:t> UI;</a:t>
             </a:r>
             <a:endParaRPr lang="pt-PT" dirty="0"/>
-          </a:p>
-          <a:p>
-            <a:pPr lvl="1"/>
-            <a:r>
-              <a:rPr lang="pt-PT" i="1" dirty="0"/>
-              <a:t>Html2PdfConverter</a:t>
-            </a:r>
-            <a:r>
-              <a:rPr lang="pt-PT" dirty="0"/>
-              <a:t>;</a:t>
-            </a:r>
           </a:p>
           <a:p>
             <a:pPr lvl="1"/>
@@ -7131,9 +7382,9 @@
 </file>
 
 <file path=ppt/theme/theme1.xml><?xml version="1.0" encoding="utf-8"?>
-<a:theme xmlns:a="http://schemas.openxmlformats.org/drawingml/2006/main" name="Tema do Office">
+<a:theme xmlns:a="http://schemas.openxmlformats.org/drawingml/2006/main" name="Base">
   <a:themeElements>
-    <a:clrScheme name="Office">
+    <a:clrScheme name="Base">
       <a:dk1>
         <a:sysClr val="windowText" lastClr="000000"/>
       </a:dk1>
@@ -7141,100 +7392,48 @@
         <a:sysClr val="window" lastClr="FFFFFF"/>
       </a:lt1>
       <a:dk2>
-        <a:srgbClr val="44546A"/>
+        <a:srgbClr val="505046"/>
       </a:dk2>
       <a:lt2>
-        <a:srgbClr val="E7E6E6"/>
+        <a:srgbClr val="EEECE1"/>
       </a:lt2>
       <a:accent1>
-        <a:srgbClr val="4472C4"/>
+        <a:srgbClr val="DF5327"/>
       </a:accent1>
       <a:accent2>
-        <a:srgbClr val="ED7D31"/>
+        <a:srgbClr val="FFBD47"/>
       </a:accent2>
       <a:accent3>
-        <a:srgbClr val="A5A5A5"/>
+        <a:srgbClr val="B64926"/>
       </a:accent3>
       <a:accent4>
-        <a:srgbClr val="FFC000"/>
+        <a:srgbClr val="FF8427"/>
       </a:accent4>
       <a:accent5>
-        <a:srgbClr val="5B9BD5"/>
+        <a:srgbClr val="CC9900"/>
       </a:accent5>
       <a:accent6>
-        <a:srgbClr val="70AD47"/>
+        <a:srgbClr val="B22600"/>
       </a:accent6>
       <a:hlink>
-        <a:srgbClr val="0563C1"/>
+        <a:srgbClr val="CC9900"/>
       </a:hlink>
       <a:folHlink>
-        <a:srgbClr val="954F72"/>
+        <a:srgbClr val="666699"/>
       </a:folHlink>
     </a:clrScheme>
-    <a:fontScheme name="Office">
+    <a:fontScheme name="Base">
       <a:majorFont>
-        <a:latin typeface="Calibri Light" panose="020F0302020204030204"/>
+        <a:latin typeface="Corbel" panose="020B0503020204020204"/>
         <a:ea typeface=""/>
         <a:cs typeface=""/>
-        <a:font script="Jpan" typeface="游ゴシック Light"/>
+        <a:font script="Jpan" typeface="ＭＳ ゴシック"/>
         <a:font script="Hang" typeface="맑은 고딕"/>
-        <a:font script="Hans" typeface="等线 Light"/>
+        <a:font script="Hans" typeface="宋体"/>
         <a:font script="Hant" typeface="新細明體"/>
-        <a:font script="Arab" typeface="Times New Roman"/>
-        <a:font script="Hebr" typeface="Times New Roman"/>
-        <a:font script="Thai" typeface="Angsana New"/>
-        <a:font script="Ethi" typeface="Nyala"/>
-        <a:font script="Beng" typeface="Vrinda"/>
-        <a:font script="Gujr" typeface="Shruti"/>
-        <a:font script="Khmr" typeface="MoolBoran"/>
-        <a:font script="Knda" typeface="Tunga"/>
-        <a:font script="Guru" typeface="Raavi"/>
-        <a:font script="Cans" typeface="Euphemia"/>
-        <a:font script="Cher" typeface="Plantagenet Cherokee"/>
-        <a:font script="Yiii" typeface="Microsoft Yi Baiti"/>
-        <a:font script="Tibt" typeface="Microsoft Himalaya"/>
-        <a:font script="Thaa" typeface="MV Boli"/>
-        <a:font script="Deva" typeface="Mangal"/>
-        <a:font script="Telu" typeface="Gautami"/>
-        <a:font script="Taml" typeface="Latha"/>
-        <a:font script="Syrc" typeface="Estrangelo Edessa"/>
-        <a:font script="Orya" typeface="Kalinga"/>
-        <a:font script="Mlym" typeface="Kartika"/>
-        <a:font script="Laoo" typeface="DokChampa"/>
-        <a:font script="Sinh" typeface="Iskoola Pota"/>
-        <a:font script="Mong" typeface="Mongolian Baiti"/>
-        <a:font script="Viet" typeface="Times New Roman"/>
-        <a:font script="Uigh" typeface="Microsoft Uighur"/>
-        <a:font script="Geor" typeface="Sylfaen"/>
-        <a:font script="Armn" typeface="Arial"/>
-        <a:font script="Bugi" typeface="Leelawadee UI"/>
-        <a:font script="Bopo" typeface="Microsoft JhengHei"/>
-        <a:font script="Java" typeface="Javanese Text"/>
-        <a:font script="Lisu" typeface="Segoe UI"/>
-        <a:font script="Mymr" typeface="Myanmar Text"/>
-        <a:font script="Nkoo" typeface="Ebrima"/>
-        <a:font script="Olck" typeface="Nirmala UI"/>
-        <a:font script="Osma" typeface="Ebrima"/>
-        <a:font script="Phag" typeface="Phagspa"/>
-        <a:font script="Syrn" typeface="Estrangelo Edessa"/>
-        <a:font script="Syrj" typeface="Estrangelo Edessa"/>
-        <a:font script="Syre" typeface="Estrangelo Edessa"/>
-        <a:font script="Sora" typeface="Nirmala UI"/>
-        <a:font script="Tale" typeface="Microsoft Tai Le"/>
-        <a:font script="Talu" typeface="Microsoft New Tai Lue"/>
-        <a:font script="Tfng" typeface="Ebrima"/>
-      </a:majorFont>
-      <a:minorFont>
-        <a:latin typeface="Calibri" panose="020F0502020204030204"/>
-        <a:ea typeface=""/>
-        <a:cs typeface=""/>
-        <a:font script="Jpan" typeface="游ゴシック"/>
-        <a:font script="Hang" typeface="맑은 고딕"/>
-        <a:font script="Hans" typeface="等线"/>
-        <a:font script="Hant" typeface="新細明體"/>
-        <a:font script="Arab" typeface="Arial"/>
-        <a:font script="Hebr" typeface="Arial"/>
-        <a:font script="Thai" typeface="Cordia New"/>
+        <a:font script="Arab" typeface="Tahoma"/>
+        <a:font script="Hebr" typeface="Gisha"/>
+        <a:font script="Thai" typeface="DilleniaUPC"/>
         <a:font script="Ethi" typeface="Nyala"/>
         <a:font script="Beng" typeface="Vrinda"/>
         <a:font script="Gujr" typeface="Shruti"/>
@@ -7255,107 +7454,98 @@
         <a:font script="Laoo" typeface="DokChampa"/>
         <a:font script="Sinh" typeface="Iskoola Pota"/>
         <a:font script="Mong" typeface="Mongolian Baiti"/>
-        <a:font script="Viet" typeface="Arial"/>
+        <a:font script="Viet" typeface="Tahoma"/>
         <a:font script="Uigh" typeface="Microsoft Uighur"/>
         <a:font script="Geor" typeface="Sylfaen"/>
-        <a:font script="Armn" typeface="Arial"/>
-        <a:font script="Bugi" typeface="Leelawadee UI"/>
-        <a:font script="Bopo" typeface="Microsoft JhengHei"/>
-        <a:font script="Java" typeface="Javanese Text"/>
-        <a:font script="Lisu" typeface="Segoe UI"/>
-        <a:font script="Mymr" typeface="Myanmar Text"/>
-        <a:font script="Nkoo" typeface="Ebrima"/>
-        <a:font script="Olck" typeface="Nirmala UI"/>
-        <a:font script="Osma" typeface="Ebrima"/>
-        <a:font script="Phag" typeface="Phagspa"/>
-        <a:font script="Syrn" typeface="Estrangelo Edessa"/>
-        <a:font script="Syrj" typeface="Estrangelo Edessa"/>
-        <a:font script="Syre" typeface="Estrangelo Edessa"/>
-        <a:font script="Sora" typeface="Nirmala UI"/>
-        <a:font script="Tale" typeface="Microsoft Tai Le"/>
-        <a:font script="Talu" typeface="Microsoft New Tai Lue"/>
-        <a:font script="Tfng" typeface="Ebrima"/>
+      </a:majorFont>
+      <a:minorFont>
+        <a:latin typeface="Corbel" panose="020B0503020204020204"/>
+        <a:ea typeface=""/>
+        <a:cs typeface=""/>
+        <a:font script="Jpan" typeface="ＭＳ ゴシック"/>
+        <a:font script="Hang" typeface="맑은 고딕"/>
+        <a:font script="Hans" typeface="宋体"/>
+        <a:font script="Hant" typeface="新細明體"/>
+        <a:font script="Arab" typeface="Tahoma"/>
+        <a:font script="Hebr" typeface="Gisha"/>
+        <a:font script="Thai" typeface="DilleniaUPC"/>
+        <a:font script="Ethi" typeface="Nyala"/>
+        <a:font script="Beng" typeface="Vrinda"/>
+        <a:font script="Gujr" typeface="Shruti"/>
+        <a:font script="Khmr" typeface="DaunPenh"/>
+        <a:font script="Knda" typeface="Tunga"/>
+        <a:font script="Guru" typeface="Raavi"/>
+        <a:font script="Cans" typeface="Euphemia"/>
+        <a:font script="Cher" typeface="Plantagenet Cherokee"/>
+        <a:font script="Yiii" typeface="Microsoft Yi Baiti"/>
+        <a:font script="Tibt" typeface="Microsoft Himalaya"/>
+        <a:font script="Thaa" typeface="MV Boli"/>
+        <a:font script="Deva" typeface="Mangal"/>
+        <a:font script="Telu" typeface="Gautami"/>
+        <a:font script="Taml" typeface="Latha"/>
+        <a:font script="Syrc" typeface="Estrangelo Edessa"/>
+        <a:font script="Orya" typeface="Kalinga"/>
+        <a:font script="Mlym" typeface="Kartika"/>
+        <a:font script="Laoo" typeface="DokChampa"/>
+        <a:font script="Sinh" typeface="Iskoola Pota"/>
+        <a:font script="Mong" typeface="Mongolian Baiti"/>
+        <a:font script="Viet" typeface="Verdana"/>
+        <a:font script="Uigh" typeface="Microsoft Uighur"/>
+        <a:font script="Geor" typeface="Sylfaen"/>
       </a:minorFont>
     </a:fontScheme>
-    <a:fmtScheme name="Office">
+    <a:fmtScheme name="Base">
       <a:fillStyleLst>
         <a:solidFill>
           <a:schemeClr val="phClr"/>
         </a:solidFill>
+        <a:solidFill>
+          <a:schemeClr val="phClr">
+            <a:tint val="63000"/>
+            <a:satMod val="130000"/>
+          </a:schemeClr>
+        </a:solidFill>
         <a:gradFill rotWithShape="1">
           <a:gsLst>
             <a:gs pos="0">
+              <a:schemeClr val="phClr"/>
+            </a:gs>
+            <a:gs pos="90000">
               <a:schemeClr val="phClr">
-                <a:lumMod val="110000"/>
+                <a:shade val="100000"/>
                 <a:satMod val="105000"/>
-                <a:tint val="67000"/>
-              </a:schemeClr>
-            </a:gs>
-            <a:gs pos="50000">
-              <a:schemeClr val="phClr">
-                <a:lumMod val="105000"/>
-                <a:satMod val="103000"/>
-                <a:tint val="73000"/>
               </a:schemeClr>
             </a:gs>
             <a:gs pos="100000">
               <a:schemeClr val="phClr">
-                <a:lumMod val="105000"/>
-                <a:satMod val="109000"/>
-                <a:tint val="81000"/>
+                <a:shade val="80000"/>
+                <a:satMod val="120000"/>
               </a:schemeClr>
             </a:gs>
           </a:gsLst>
-          <a:lin ang="5400000" scaled="0"/>
-        </a:gradFill>
-        <a:gradFill rotWithShape="1">
-          <a:gsLst>
-            <a:gs pos="0">
-              <a:schemeClr val="phClr">
-                <a:satMod val="103000"/>
-                <a:lumMod val="102000"/>
-                <a:tint val="94000"/>
-              </a:schemeClr>
-            </a:gs>
-            <a:gs pos="50000">
-              <a:schemeClr val="phClr">
-                <a:satMod val="110000"/>
-                <a:lumMod val="100000"/>
-                <a:shade val="100000"/>
-              </a:schemeClr>
-            </a:gs>
-            <a:gs pos="100000">
-              <a:schemeClr val="phClr">
-                <a:lumMod val="99000"/>
-                <a:satMod val="120000"/>
-                <a:shade val="78000"/>
-              </a:schemeClr>
-            </a:gs>
-          </a:gsLst>
-          <a:lin ang="5400000" scaled="0"/>
+          <a:path path="circle">
+            <a:fillToRect l="100000" t="100000" r="100000" b="100000"/>
+          </a:path>
         </a:gradFill>
       </a:fillStyleLst>
       <a:lnStyleLst>
-        <a:ln w="6350" cap="flat" cmpd="sng" algn="ctr">
+        <a:ln w="10000" cap="flat" cmpd="sng" algn="ctr">
           <a:solidFill>
             <a:schemeClr val="phClr"/>
           </a:solidFill>
           <a:prstDash val="solid"/>
-          <a:miter lim="800000"/>
-        </a:ln>
-        <a:ln w="12700" cap="flat" cmpd="sng" algn="ctr">
-          <a:solidFill>
-            <a:schemeClr val="phClr"/>
-          </a:solidFill>
-          <a:prstDash val="solid"/>
-          <a:miter lim="800000"/>
         </a:ln>
         <a:ln w="19050" cap="flat" cmpd="sng" algn="ctr">
           <a:solidFill>
             <a:schemeClr val="phClr"/>
           </a:solidFill>
           <a:prstDash val="solid"/>
-          <a:miter lim="800000"/>
+        </a:ln>
+        <a:ln w="53975" cap="flat" cmpd="dbl" algn="ctr">
+          <a:solidFill>
+            <a:schemeClr val="phClr"/>
+          </a:solidFill>
+          <a:prstDash val="solid"/>
         </a:ln>
       </a:lnStyleLst>
       <a:effectStyleLst>
@@ -7363,16 +7553,37 @@
           <a:effectLst/>
         </a:effectStyle>
         <a:effectStyle>
-          <a:effectLst/>
+          <a:effectLst>
+            <a:outerShdw blurRad="38100" dist="25400" dir="5400000" rotWithShape="0">
+              <a:srgbClr val="000000">
+                <a:alpha val="45000"/>
+              </a:srgbClr>
+            </a:outerShdw>
+          </a:effectLst>
         </a:effectStyle>
         <a:effectStyle>
           <a:effectLst>
-            <a:outerShdw blurRad="57150" dist="19050" dir="5400000" algn="ctr" rotWithShape="0">
+            <a:outerShdw blurRad="38100" dist="25400" dir="5400000" rotWithShape="0">
               <a:srgbClr val="000000">
-                <a:alpha val="63000"/>
+                <a:alpha val="45000"/>
               </a:srgbClr>
             </a:outerShdw>
           </a:effectLst>
+          <a:scene3d>
+            <a:camera prst="orthographicFront">
+              <a:rot lat="0" lon="0" rev="0"/>
+            </a:camera>
+            <a:lightRig rig="brightRoom" dir="t"/>
+          </a:scene3d>
+          <a:sp3d extrusionH="12700" contourW="25400" prstMaterial="flat">
+            <a:bevelT w="63500" h="152400" prst="angle"/>
+            <a:contourClr>
+              <a:schemeClr val="phClr">
+                <a:shade val="27000"/>
+                <a:satMod val="120000"/>
+              </a:schemeClr>
+            </a:contourClr>
+          </a:sp3d>
         </a:effectStyle>
       </a:effectStyleLst>
       <a:bgFillStyleLst>
@@ -7382,36 +7593,18 @@
         <a:solidFill>
           <a:schemeClr val="phClr">
             <a:tint val="95000"/>
-            <a:satMod val="170000"/>
+            <a:shade val="95000"/>
+            <a:satMod val="140000"/>
           </a:schemeClr>
         </a:solidFill>
-        <a:gradFill rotWithShape="1">
-          <a:gsLst>
-            <a:gs pos="0">
-              <a:schemeClr val="phClr">
-                <a:tint val="93000"/>
-                <a:satMod val="150000"/>
-                <a:shade val="98000"/>
-                <a:lumMod val="102000"/>
-              </a:schemeClr>
-            </a:gs>
-            <a:gs pos="50000">
-              <a:schemeClr val="phClr">
-                <a:tint val="98000"/>
-                <a:satMod val="130000"/>
-                <a:shade val="90000"/>
-                <a:lumMod val="103000"/>
-              </a:schemeClr>
-            </a:gs>
-            <a:gs pos="100000">
-              <a:schemeClr val="phClr">
-                <a:shade val="63000"/>
-                <a:satMod val="120000"/>
-              </a:schemeClr>
-            </a:gs>
-          </a:gsLst>
-          <a:lin ang="5400000" scaled="0"/>
-        </a:gradFill>
+        <a:solidFill>
+          <a:schemeClr val="phClr">
+            <a:tint val="90000"/>
+            <a:shade val="85000"/>
+            <a:satMod val="160000"/>
+            <a:lumMod val="110000"/>
+          </a:schemeClr>
+        </a:solidFill>
       </a:bgFillStyleLst>
     </a:fmtScheme>
   </a:themeElements>
@@ -7419,7 +7612,7 @@
   <a:extraClrSchemeLst/>
   <a:extLst>
     <a:ext uri="{05A4C25C-085E-4340-85A3-A5531E510DB2}">
-      <thm15:themeFamily xmlns:thm15="http://schemas.microsoft.com/office/thememl/2012/main" name="Office Theme" id="{62F939B6-93AF-4DB8-9C6B-D6C7DFDC589F}" vid="{4A3C46E8-61CC-4603-A589-7422A47A8E4A}"/>
+      <thm15:themeFamily xmlns:thm15="http://schemas.microsoft.com/office/thememl/2012/main" name="Basis" id="{5665723A-49BA-4B57-8411-A56F8F207965}" vid="{446C221D-F63F-4DD8-B509-CFE168687BF2}"/>
     </a:ext>
   </a:extLst>
 </a:theme>
